--- a/presentations/GAB2017-JAX-ManagingAzure.pptx
+++ b/presentations/GAB2017-JAX-ManagingAzure.pptx
@@ -6,7 +6,7 @@
     <p:sldMasterId id="2147483705" r:id="rId5"/>
   </p:sldMasterIdLst>
   <p:notesMasterIdLst>
-    <p:notesMasterId r:id="rId16"/>
+    <p:notesMasterId r:id="rId31"/>
   </p:notesMasterIdLst>
   <p:sldIdLst>
     <p:sldId id="281" r:id="rId6"/>
@@ -14,11 +14,26 @@
     <p:sldId id="468" r:id="rId8"/>
     <p:sldId id="469" r:id="rId9"/>
     <p:sldId id="471" r:id="rId10"/>
-    <p:sldId id="472" r:id="rId11"/>
-    <p:sldId id="473" r:id="rId12"/>
-    <p:sldId id="470" r:id="rId13"/>
-    <p:sldId id="467" r:id="rId14"/>
-    <p:sldId id="465" r:id="rId15"/>
+    <p:sldId id="478" r:id="rId11"/>
+    <p:sldId id="472" r:id="rId12"/>
+    <p:sldId id="475" r:id="rId13"/>
+    <p:sldId id="474" r:id="rId14"/>
+    <p:sldId id="476" r:id="rId15"/>
+    <p:sldId id="485" r:id="rId16"/>
+    <p:sldId id="486" r:id="rId17"/>
+    <p:sldId id="487" r:id="rId18"/>
+    <p:sldId id="488" r:id="rId19"/>
+    <p:sldId id="477" r:id="rId20"/>
+    <p:sldId id="473" r:id="rId21"/>
+    <p:sldId id="479" r:id="rId22"/>
+    <p:sldId id="483" r:id="rId23"/>
+    <p:sldId id="484" r:id="rId24"/>
+    <p:sldId id="481" r:id="rId25"/>
+    <p:sldId id="489" r:id="rId26"/>
+    <p:sldId id="490" r:id="rId27"/>
+    <p:sldId id="470" r:id="rId28"/>
+    <p:sldId id="467" r:id="rId29"/>
+    <p:sldId id="465" r:id="rId30"/>
   </p:sldIdLst>
   <p:sldSz cx="12192000" cy="6858000"/>
   <p:notesSz cx="6858000" cy="9144000"/>
@@ -131,16 +146,31 @@
           <p14:sldIdLst>
             <p14:sldId id="469"/>
             <p14:sldId id="471"/>
+            <p14:sldId id="478"/>
           </p14:sldIdLst>
         </p14:section>
         <p14:section name="PowerShell" id="{9315443F-DC16-4442-A2E1-C613E593EA88}">
           <p14:sldIdLst>
             <p14:sldId id="472"/>
+            <p14:sldId id="475"/>
+            <p14:sldId id="474"/>
+            <p14:sldId id="476"/>
+            <p14:sldId id="485"/>
+            <p14:sldId id="486"/>
+            <p14:sldId id="487"/>
+            <p14:sldId id="488"/>
+            <p14:sldId id="477"/>
           </p14:sldIdLst>
         </p14:section>
         <p14:section name="CLI" id="{808F0D7E-E6AC-4BE3-89EC-E21FCD2EBCBB}">
           <p14:sldIdLst>
             <p14:sldId id="473"/>
+            <p14:sldId id="479"/>
+            <p14:sldId id="483"/>
+            <p14:sldId id="484"/>
+            <p14:sldId id="481"/>
+            <p14:sldId id="489"/>
+            <p14:sldId id="490"/>
           </p14:sldIdLst>
         </p14:section>
         <p14:section name="Outro" id="{0EF3E600-F544-4BAF-A1F4-D7718B010746}">
@@ -3644,7 +3674,7 @@
           <a:p>
             <a:fld id="{0DA9AA87-06AF-2A41-A50A-D39AF59F5BB1}" type="datetimeFigureOut">
               <a:rPr lang="en-US"/>
-              <a:t>4/18/2017</a:t>
+              <a:t>4/19/2017</a:t>
             </a:fld>
             <a:endParaRPr lang="en-US"/>
           </a:p>
@@ -4512,7 +4542,7 @@
           <a:p>
             <a:fld id="{92F897D0-C9D6-AD47-8162-E6529AC89971}" type="slidenum">
               <a:rPr lang="en-US" smtClean="0"/>
-              <a:t>6</a:t>
+              <a:t>7</a:t>
             </a:fld>
             <a:endParaRPr lang="en-US"/>
           </a:p>
@@ -4599,7 +4629,7 @@
           <a:p>
             <a:fld id="{92F897D0-C9D6-AD47-8162-E6529AC89971}" type="slidenum">
               <a:rPr lang="en-US" smtClean="0"/>
-              <a:t>7</a:t>
+              <a:t>16</a:t>
             </a:fld>
             <a:endParaRPr lang="en-US"/>
           </a:p>
@@ -4662,7 +4692,10 @@
           <a:bodyPr/>
           <a:lstStyle/>
           <a:p>
-            <a:endParaRPr lang="en-US" dirty="0"/>
+            <a:r>
+              <a:rPr lang="en-US" dirty="0"/>
+              <a:t>https://docs.microsoft.com/en-us/cli/azure/query-azure-cli</a:t>
+            </a:r>
           </a:p>
         </p:txBody>
       </p:sp>
@@ -4683,7 +4716,7 @@
           <a:p>
             <a:fld id="{92F897D0-C9D6-AD47-8162-E6529AC89971}" type="slidenum">
               <a:rPr lang="en-US" smtClean="0"/>
-              <a:t>8</a:t>
+              <a:t>21</a:t>
             </a:fld>
             <a:endParaRPr lang="en-US"/>
           </a:p>
@@ -4692,7 +4725,7 @@
     </p:spTree>
     <p:extLst>
       <p:ext uri="{BB962C8B-B14F-4D97-AF65-F5344CB8AC3E}">
-        <p14:creationId xmlns:p14="http://schemas.microsoft.com/office/powerpoint/2010/main" val="3049775716"/>
+        <p14:creationId xmlns:p14="http://schemas.microsoft.com/office/powerpoint/2010/main" val="2121505136"/>
       </p:ext>
     </p:extLst>
   </p:cSld>
@@ -4765,9 +4798,93 @@
           <a:bodyPr/>
           <a:lstStyle/>
           <a:p>
+            <a:fld id="{92F897D0-C9D6-AD47-8162-E6529AC89971}" type="slidenum">
+              <a:rPr lang="en-US" smtClean="0"/>
+              <a:t>23</a:t>
+            </a:fld>
+            <a:endParaRPr lang="en-US"/>
+          </a:p>
+        </p:txBody>
+      </p:sp>
+    </p:spTree>
+    <p:extLst>
+      <p:ext uri="{BB962C8B-B14F-4D97-AF65-F5344CB8AC3E}">
+        <p14:creationId xmlns:p14="http://schemas.microsoft.com/office/powerpoint/2010/main" val="3049775716"/>
+      </p:ext>
+    </p:extLst>
+  </p:cSld>
+  <p:clrMapOvr>
+    <a:masterClrMapping/>
+  </p:clrMapOvr>
+</p:notes>
+</file>
+
+<file path=ppt/notesSlides/notesSlide8.xml><?xml version="1.0" encoding="utf-8"?>
+<p:notes xmlns:a="http://schemas.openxmlformats.org/drawingml/2006/main" xmlns:r="http://schemas.openxmlformats.org/officeDocument/2006/relationships" xmlns:p="http://schemas.openxmlformats.org/presentationml/2006/main">
+  <p:cSld>
+    <p:spTree>
+      <p:nvGrpSpPr>
+        <p:cNvPr id="1" name=""/>
+        <p:cNvGrpSpPr/>
+        <p:nvPr/>
+      </p:nvGrpSpPr>
+      <p:grpSpPr>
+        <a:xfrm>
+          <a:off x="0" y="0"/>
+          <a:ext cx="0" cy="0"/>
+          <a:chOff x="0" y="0"/>
+          <a:chExt cx="0" cy="0"/>
+        </a:xfrm>
+      </p:grpSpPr>
+      <p:sp>
+        <p:nvSpPr>
+          <p:cNvPr id="2" name="Slide Image Placeholder 1"/>
+          <p:cNvSpPr>
+            <a:spLocks noGrp="1" noRot="1" noChangeAspect="1"/>
+          </p:cNvSpPr>
+          <p:nvPr>
+            <p:ph type="sldImg"/>
+          </p:nvPr>
+        </p:nvSpPr>
+        <p:spPr/>
+      </p:sp>
+      <p:sp>
+        <p:nvSpPr>
+          <p:cNvPr id="3" name="Notes Placeholder 2"/>
+          <p:cNvSpPr>
+            <a:spLocks noGrp="1"/>
+          </p:cNvSpPr>
+          <p:nvPr>
+            <p:ph type="body" idx="1"/>
+          </p:nvPr>
+        </p:nvSpPr>
+        <p:spPr/>
+        <p:txBody>
+          <a:bodyPr/>
+          <a:lstStyle/>
+          <a:p>
+            <a:endParaRPr lang="en-US" dirty="0"/>
+          </a:p>
+        </p:txBody>
+      </p:sp>
+      <p:sp>
+        <p:nvSpPr>
+          <p:cNvPr id="4" name="Slide Number Placeholder 3"/>
+          <p:cNvSpPr>
+            <a:spLocks noGrp="1"/>
+          </p:cNvSpPr>
+          <p:nvPr>
+            <p:ph type="sldNum" sz="quarter" idx="10"/>
+          </p:nvPr>
+        </p:nvSpPr>
+        <p:spPr/>
+        <p:txBody>
+          <a:bodyPr/>
+          <a:lstStyle/>
+          <a:p>
             <a:fld id="{0DD1CE23-2959-425B-9141-7A2F2FDEE274}" type="slidenum">
               <a:rPr lang="en-US" smtClean="0"/>
-              <a:t>9</a:t>
+              <a:t>24</a:t>
             </a:fld>
             <a:endParaRPr lang="en-US"/>
           </a:p>
@@ -8000,7 +8117,7 @@
           <a:p>
             <a:fld id="{A14645B6-AF66-41FE-86DD-D4FB3D523373}" type="datetimeFigureOut">
               <a:rPr lang="en-US" smtClean="0"/>
-              <a:t>4/18/2017</a:t>
+              <a:t>4/19/2017</a:t>
             </a:fld>
             <a:endParaRPr lang="en-US"/>
           </a:p>
@@ -8156,7 +8273,7 @@
           <a:graphicData uri="http://schemas.openxmlformats.org/presentationml/2006/ole">
             <mc:AlternateContent xmlns:mc="http://schemas.openxmlformats.org/markup-compatibility/2006">
               <mc:Choice xmlns:v="urn:schemas-microsoft-com:vml" Requires="v">
-                <p:oleObj spid="_x0000_s3078" name="think-cell Slide" r:id="rId4" imgW="360" imgH="360" progId="TCLayout.ActiveDocument.1">
+                <p:oleObj spid="_x0000_s3087" name="think-cell Slide" r:id="rId4" imgW="360" imgH="360" progId="TCLayout.ActiveDocument.1">
                   <p:embed/>
                 </p:oleObj>
               </mc:Choice>
@@ -8195,7 +8312,7 @@
                       <a:noFill/>
                       <a:extLst>
                         <a:ext uri="{909E8E84-426E-40dd-AFC4-6F175D3DCCD1}">
-                          <a14:hiddenFill xmlns="" xmlns:a14="http://schemas.microsoft.com/office/drawing/2010/main">
+                          <a14:hiddenFill xmlns:a14="http://schemas.microsoft.com/office/drawing/2010/main" xmlns="">
                             <a:solidFill>
                               <a:srgbClr val="FFFFFF"/>
                             </a:solidFill>
@@ -8301,6 +8418,122 @@
 </file>
 
 <file path=ppt/slideLayouts/slideLayout24.xml><?xml version="1.0" encoding="utf-8"?>
+<p:sldLayout xmlns:a="http://schemas.openxmlformats.org/drawingml/2006/main" xmlns:r="http://schemas.openxmlformats.org/officeDocument/2006/relationships" xmlns:p="http://schemas.openxmlformats.org/presentationml/2006/main" userDrawn="1">
+  <p:cSld name="Title Slide 2_Option 3 - Org ID tile">
+    <p:bg>
+      <p:bgPr>
+        <a:solidFill>
+          <a:srgbClr val="0078D7"/>
+        </a:solidFill>
+        <a:effectLst/>
+      </p:bgPr>
+    </p:bg>
+    <p:spTree>
+      <p:nvGrpSpPr>
+        <p:cNvPr id="1" name=""/>
+        <p:cNvGrpSpPr/>
+        <p:nvPr/>
+      </p:nvGrpSpPr>
+      <p:grpSpPr>
+        <a:xfrm>
+          <a:off x="0" y="0"/>
+          <a:ext cx="0" cy="0"/>
+          <a:chOff x="0" y="0"/>
+          <a:chExt cx="0" cy="0"/>
+        </a:xfrm>
+      </p:grpSpPr>
+      <p:pic>
+        <p:nvPicPr>
+          <p:cNvPr id="2" name="Picture 1"/>
+          <p:cNvPicPr>
+            <a:picLocks noChangeAspect="1"/>
+          </p:cNvPicPr>
+          <p:nvPr userDrawn="1"/>
+        </p:nvPicPr>
+        <p:blipFill>
+          <a:blip r:embed="rId2">
+            <a:extLst>
+              <a:ext uri="{28A0092B-C50C-407E-A947-70E740481C1C}">
+                <a14:useLocalDpi xmlns:a14="http://schemas.microsoft.com/office/drawing/2010/main"/>
+              </a:ext>
+            </a:extLst>
+          </a:blip>
+          <a:stretch>
+            <a:fillRect/>
+          </a:stretch>
+        </p:blipFill>
+        <p:spPr>
+          <a:xfrm>
+            <a:off x="8606579" y="1591061"/>
+            <a:ext cx="3131824" cy="4213816"/>
+          </a:xfrm>
+          <a:prstGeom prst="rect">
+            <a:avLst/>
+          </a:prstGeom>
+        </p:spPr>
+      </p:pic>
+      <p:sp>
+        <p:nvSpPr>
+          <p:cNvPr id="8" name="Title 1"/>
+          <p:cNvSpPr>
+            <a:spLocks noGrp="1"/>
+          </p:cNvSpPr>
+          <p:nvPr>
+            <p:ph type="title" hasCustomPrompt="1"/>
+          </p:nvPr>
+        </p:nvSpPr>
+        <p:spPr>
+          <a:xfrm>
+            <a:off x="269302" y="1725569"/>
+            <a:ext cx="7888452" cy="1793090"/>
+          </a:xfrm>
+          <a:noFill/>
+        </p:spPr>
+        <p:txBody>
+          <a:bodyPr lIns="146304" tIns="91440" rIns="146304" bIns="91440" anchor="t" anchorCtr="0"/>
+          <a:lstStyle>
+            <a:lvl1pPr>
+              <a:defRPr sz="5294" spc="-98" baseline="0">
+                <a:solidFill>
+                  <a:schemeClr val="tx1"/>
+                </a:solidFill>
+              </a:defRPr>
+            </a:lvl1pPr>
+          </a:lstStyle>
+          <a:p>
+            <a:r>
+              <a:rPr lang="en-US" dirty="0"/>
+              <a:t>Lorem ipsum</a:t>
+            </a:r>
+          </a:p>
+        </p:txBody>
+      </p:sp>
+    </p:spTree>
+    <p:extLst>
+      <p:ext uri="{BB962C8B-B14F-4D97-AF65-F5344CB8AC3E}">
+        <p14:creationId xmlns:p14="http://schemas.microsoft.com/office/powerpoint/2010/main" val="1541577222"/>
+      </p:ext>
+    </p:extLst>
+  </p:cSld>
+  <p:clrMapOvr>
+    <a:masterClrMapping/>
+  </p:clrMapOvr>
+  <mc:AlternateContent xmlns:mc="http://schemas.openxmlformats.org/markup-compatibility/2006" xmlns:p14="http://schemas.microsoft.com/office/powerpoint/2010/main">
+    <mc:Choice Requires="p14">
+      <p:transition spd="slow" p14:dur="3400">
+        <p14:reveal/>
+      </p:transition>
+    </mc:Choice>
+    <mc:Fallback xmlns="">
+      <p:transition spd="slow">
+        <p:fade/>
+      </p:transition>
+    </mc:Fallback>
+  </mc:AlternateContent>
+</p:sldLayout>
+</file>
+
+<file path=ppt/slideLayouts/slideLayout25.xml><?xml version="1.0" encoding="utf-8"?>
 <p:sldLayout xmlns:a="http://schemas.openxmlformats.org/drawingml/2006/main" xmlns:r="http://schemas.openxmlformats.org/officeDocument/2006/relationships" xmlns:p="http://schemas.openxmlformats.org/presentationml/2006/main" preserve="1" userDrawn="1">
   <p:cSld name="start screen">
     <p:bg>
@@ -8327,7 +8560,7 @@
       </p:grpSpPr>
       <p:pic>
         <p:nvPicPr>
-          <p:cNvPr id="11" name="Picture 10"/>
+          <p:cNvPr id="2" name="Picture 1"/>
           <p:cNvPicPr>
             <a:picLocks noChangeAspect="1"/>
           </p:cNvPicPr>
@@ -8335,36 +8568,6 @@
         </p:nvPicPr>
         <p:blipFill>
           <a:blip r:embed="rId2">
-            <a:extLst>
-              <a:ext uri="{28A0092B-C50C-407E-A947-70E740481C1C}">
-                <a14:useLocalDpi xmlns:a14="http://schemas.microsoft.com/office/drawing/2010/main"/>
-              </a:ext>
-            </a:extLst>
-          </a:blip>
-          <a:stretch>
-            <a:fillRect/>
-          </a:stretch>
-        </p:blipFill>
-        <p:spPr>
-          <a:xfrm>
-            <a:off x="5737433" y="5912754"/>
-            <a:ext cx="1075699" cy="205873"/>
-          </a:xfrm>
-          <a:prstGeom prst="rect">
-            <a:avLst/>
-          </a:prstGeom>
-        </p:spPr>
-      </p:pic>
-      <p:pic>
-        <p:nvPicPr>
-          <p:cNvPr id="2" name="Picture 1"/>
-          <p:cNvPicPr>
-            <a:picLocks noChangeAspect="1"/>
-          </p:cNvPicPr>
-          <p:nvPr userDrawn="1"/>
-        </p:nvPicPr>
-        <p:blipFill>
-          <a:blip r:embed="rId3">
             <a:extLst>
               <a:ext uri="{28A0092B-C50C-407E-A947-70E740481C1C}">
                 <a14:useLocalDpi xmlns:a14="http://schemas.microsoft.com/office/drawing/2010/main"/>
@@ -8410,7 +8613,7 @@
 </p:sldLayout>
 </file>
 
-<file path=ppt/slideLayouts/slideLayout25.xml><?xml version="1.0" encoding="utf-8"?>
+<file path=ppt/slideLayouts/slideLayout26.xml><?xml version="1.0" encoding="utf-8"?>
 <p:sldLayout xmlns:a="http://schemas.openxmlformats.org/drawingml/2006/main" xmlns:r="http://schemas.openxmlformats.org/officeDocument/2006/relationships" xmlns:p="http://schemas.openxmlformats.org/presentationml/2006/main" preserve="1" userDrawn="1">
   <p:cSld name="Bangalore title">
     <p:bg>
@@ -8533,7 +8736,7 @@
       </p:sp>
       <p:pic>
         <p:nvPicPr>
-          <p:cNvPr id="11" name="Picture 10"/>
+          <p:cNvPr id="3" name="Picture 2"/>
           <p:cNvPicPr>
             <a:picLocks noChangeAspect="1"/>
           </p:cNvPicPr>
@@ -8541,36 +8744,6 @@
         </p:nvPicPr>
         <p:blipFill>
           <a:blip r:embed="rId2">
-            <a:extLst>
-              <a:ext uri="{28A0092B-C50C-407E-A947-70E740481C1C}">
-                <a14:useLocalDpi xmlns:a14="http://schemas.microsoft.com/office/drawing/2010/main"/>
-              </a:ext>
-            </a:extLst>
-          </a:blip>
-          <a:stretch>
-            <a:fillRect/>
-          </a:stretch>
-        </p:blipFill>
-        <p:spPr>
-          <a:xfrm>
-            <a:off x="448584" y="6112611"/>
-            <a:ext cx="1075699" cy="205873"/>
-          </a:xfrm>
-          <a:prstGeom prst="rect">
-            <a:avLst/>
-          </a:prstGeom>
-        </p:spPr>
-      </p:pic>
-      <p:pic>
-        <p:nvPicPr>
-          <p:cNvPr id="3" name="Picture 2"/>
-          <p:cNvPicPr>
-            <a:picLocks noChangeAspect="1"/>
-          </p:cNvPicPr>
-          <p:nvPr userDrawn="1"/>
-        </p:nvPicPr>
-        <p:blipFill>
-          <a:blip r:embed="rId3">
             <a:extLst>
               <a:ext uri="{28A0092B-C50C-407E-A947-70E740481C1C}">
                 <a14:useLocalDpi xmlns:a14="http://schemas.microsoft.com/office/drawing/2010/main"/>
@@ -8616,7 +8789,7 @@
 </p:sldLayout>
 </file>
 
-<file path=ppt/slideLayouts/slideLayout26.xml><?xml version="1.0" encoding="utf-8"?>
+<file path=ppt/slideLayouts/slideLayout27.xml><?xml version="1.0" encoding="utf-8"?>
 <p:sldLayout xmlns:a="http://schemas.openxmlformats.org/drawingml/2006/main" xmlns:r="http://schemas.openxmlformats.org/officeDocument/2006/relationships" xmlns:p="http://schemas.openxmlformats.org/presentationml/2006/main" preserve="1" userDrawn="1">
   <p:cSld name="1_Title Slide 2_Option 1 - Preferred">
     <p:bg>
@@ -8679,7 +8852,7 @@
       </p:sp>
       <p:pic>
         <p:nvPicPr>
-          <p:cNvPr id="4" name="Picture 3"/>
+          <p:cNvPr id="2" name="Picture 1"/>
           <p:cNvPicPr>
             <a:picLocks noChangeAspect="1"/>
           </p:cNvPicPr>
@@ -8687,36 +8860,6 @@
         </p:nvPicPr>
         <p:blipFill>
           <a:blip r:embed="rId2">
-            <a:extLst>
-              <a:ext uri="{28A0092B-C50C-407E-A947-70E740481C1C}">
-                <a14:useLocalDpi xmlns:a14="http://schemas.microsoft.com/office/drawing/2010/main"/>
-              </a:ext>
-            </a:extLst>
-          </a:blip>
-          <a:stretch>
-            <a:fillRect/>
-          </a:stretch>
-        </p:blipFill>
-        <p:spPr>
-          <a:xfrm>
-            <a:off x="448584" y="6112611"/>
-            <a:ext cx="1075699" cy="205873"/>
-          </a:xfrm>
-          <a:prstGeom prst="rect">
-            <a:avLst/>
-          </a:prstGeom>
-        </p:spPr>
-      </p:pic>
-      <p:pic>
-        <p:nvPicPr>
-          <p:cNvPr id="2" name="Picture 1"/>
-          <p:cNvPicPr>
-            <a:picLocks noChangeAspect="1"/>
-          </p:cNvPicPr>
-          <p:nvPr userDrawn="1"/>
-        </p:nvPicPr>
-        <p:blipFill>
-          <a:blip r:embed="rId3">
             <a:extLst>
               <a:ext uri="{28A0092B-C50C-407E-A947-70E740481C1C}">
                 <a14:useLocalDpi xmlns:a14="http://schemas.microsoft.com/office/drawing/2010/main"/>
@@ -8762,7 +8905,7 @@
 </p:sldLayout>
 </file>
 
-<file path=ppt/slideLayouts/slideLayout27.xml><?xml version="1.0" encoding="utf-8"?>
+<file path=ppt/slideLayouts/slideLayout28.xml><?xml version="1.0" encoding="utf-8"?>
 <p:sldLayout xmlns:a="http://schemas.openxmlformats.org/drawingml/2006/main" xmlns:r="http://schemas.openxmlformats.org/officeDocument/2006/relationships" xmlns:p="http://schemas.openxmlformats.org/presentationml/2006/main" preserve="1" userDrawn="1">
   <p:cSld name="2_Title Slide 2_Option 1 - Preferred">
     <p:bg>
@@ -8825,7 +8968,7 @@
       </p:sp>
       <p:pic>
         <p:nvPicPr>
-          <p:cNvPr id="4" name="Picture 3"/>
+          <p:cNvPr id="2" name="Picture 1"/>
           <p:cNvPicPr>
             <a:picLocks noChangeAspect="1"/>
           </p:cNvPicPr>
@@ -8833,36 +8976,6 @@
         </p:nvPicPr>
         <p:blipFill>
           <a:blip r:embed="rId2">
-            <a:extLst>
-              <a:ext uri="{28A0092B-C50C-407E-A947-70E740481C1C}">
-                <a14:useLocalDpi xmlns:a14="http://schemas.microsoft.com/office/drawing/2010/main"/>
-              </a:ext>
-            </a:extLst>
-          </a:blip>
-          <a:stretch>
-            <a:fillRect/>
-          </a:stretch>
-        </p:blipFill>
-        <p:spPr>
-          <a:xfrm>
-            <a:off x="448584" y="6112611"/>
-            <a:ext cx="1075699" cy="205873"/>
-          </a:xfrm>
-          <a:prstGeom prst="rect">
-            <a:avLst/>
-          </a:prstGeom>
-        </p:spPr>
-      </p:pic>
-      <p:pic>
-        <p:nvPicPr>
-          <p:cNvPr id="2" name="Picture 1"/>
-          <p:cNvPicPr>
-            <a:picLocks noChangeAspect="1"/>
-          </p:cNvPicPr>
-          <p:nvPr userDrawn="1"/>
-        </p:nvPicPr>
-        <p:blipFill>
-          <a:blip r:embed="rId3">
             <a:extLst>
               <a:ext uri="{28A0092B-C50C-407E-A947-70E740481C1C}">
                 <a14:useLocalDpi xmlns:a14="http://schemas.microsoft.com/office/drawing/2010/main"/>
@@ -8908,7 +9021,7 @@
 </p:sldLayout>
 </file>
 
-<file path=ppt/slideLayouts/slideLayout28.xml><?xml version="1.0" encoding="utf-8"?>
+<file path=ppt/slideLayouts/slideLayout29.xml><?xml version="1.0" encoding="utf-8"?>
 <p:sldLayout xmlns:a="http://schemas.openxmlformats.org/drawingml/2006/main" xmlns:r="http://schemas.openxmlformats.org/officeDocument/2006/relationships" xmlns:p="http://schemas.openxmlformats.org/presentationml/2006/main" preserve="1" userDrawn="1">
   <p:cSld name="Title Slide 2_Option 3 - Org ID tile">
     <p:bg>
@@ -8935,7 +9048,7 @@
       </p:grpSpPr>
       <p:pic>
         <p:nvPicPr>
-          <p:cNvPr id="6" name="Picture 5"/>
+          <p:cNvPr id="2" name="Picture 1"/>
           <p:cNvPicPr>
             <a:picLocks noChangeAspect="1"/>
           </p:cNvPicPr>
@@ -8943,36 +9056,6 @@
         </p:nvPicPr>
         <p:blipFill>
           <a:blip r:embed="rId2">
-            <a:extLst>
-              <a:ext uri="{28A0092B-C50C-407E-A947-70E740481C1C}">
-                <a14:useLocalDpi xmlns:a14="http://schemas.microsoft.com/office/drawing/2010/main"/>
-              </a:ext>
-            </a:extLst>
-          </a:blip>
-          <a:stretch>
-            <a:fillRect/>
-          </a:stretch>
-        </p:blipFill>
-        <p:spPr>
-          <a:xfrm>
-            <a:off x="448584" y="6112611"/>
-            <a:ext cx="1075699" cy="205873"/>
-          </a:xfrm>
-          <a:prstGeom prst="rect">
-            <a:avLst/>
-          </a:prstGeom>
-        </p:spPr>
-      </p:pic>
-      <p:pic>
-        <p:nvPicPr>
-          <p:cNvPr id="2" name="Picture 1"/>
-          <p:cNvPicPr>
-            <a:picLocks noChangeAspect="1"/>
-          </p:cNvPicPr>
-          <p:nvPr userDrawn="1"/>
-        </p:nvPicPr>
-        <p:blipFill>
-          <a:blip r:embed="rId3">
             <a:extLst>
               <a:ext uri="{28A0092B-C50C-407E-A947-70E740481C1C}">
                 <a14:useLocalDpi xmlns:a14="http://schemas.microsoft.com/office/drawing/2010/main"/>
@@ -9051,160 +9134,6 @@
       </p:transition>
     </mc:Fallback>
   </mc:AlternateContent>
-</p:sldLayout>
-</file>
-
-<file path=ppt/slideLayouts/slideLayout29.xml><?xml version="1.0" encoding="utf-8"?>
-<p:sldLayout xmlns:a="http://schemas.openxmlformats.org/drawingml/2006/main" xmlns:r="http://schemas.openxmlformats.org/officeDocument/2006/relationships" xmlns:p="http://schemas.openxmlformats.org/presentationml/2006/main" preserve="1" userDrawn="1">
-  <p:cSld name="Title &amp; Non-bulleted text">
-    <p:bg>
-      <p:bgPr>
-        <a:solidFill>
-          <a:srgbClr val="0078D7"/>
-        </a:solidFill>
-        <a:effectLst/>
-      </p:bgPr>
-    </p:bg>
-    <p:spTree>
-      <p:nvGrpSpPr>
-        <p:cNvPr id="1" name=""/>
-        <p:cNvGrpSpPr/>
-        <p:nvPr/>
-      </p:nvGrpSpPr>
-      <p:grpSpPr>
-        <a:xfrm>
-          <a:off x="0" y="0"/>
-          <a:ext cx="0" cy="0"/>
-          <a:chOff x="0" y="0"/>
-          <a:chExt cx="0" cy="0"/>
-        </a:xfrm>
-      </p:grpSpPr>
-      <p:sp>
-        <p:nvSpPr>
-          <p:cNvPr id="2" name="Title 1"/>
-          <p:cNvSpPr>
-            <a:spLocks noGrp="1"/>
-          </p:cNvSpPr>
-          <p:nvPr>
-            <p:ph type="title"/>
-          </p:nvPr>
-        </p:nvSpPr>
-        <p:spPr/>
-        <p:txBody>
-          <a:bodyPr/>
-          <a:lstStyle/>
-          <a:p>
-            <a:r>
-              <a:rPr lang="en-US"/>
-              <a:t>Click to edit Master title style</a:t>
-            </a:r>
-            <a:endParaRPr lang="en-US" dirty="0"/>
-          </a:p>
-        </p:txBody>
-      </p:sp>
-      <p:sp>
-        <p:nvSpPr>
-          <p:cNvPr id="6" name="Text Placeholder 5"/>
-          <p:cNvSpPr>
-            <a:spLocks noGrp="1"/>
-          </p:cNvSpPr>
-          <p:nvPr>
-            <p:ph type="body" sz="quarter" idx="10"/>
-          </p:nvPr>
-        </p:nvSpPr>
-        <p:spPr>
-          <a:xfrm>
-            <a:off x="269239" y="1189177"/>
-            <a:ext cx="11653523" cy="1985641"/>
-          </a:xfrm>
-        </p:spPr>
-        <p:txBody>
-          <a:bodyPr/>
-          <a:lstStyle>
-            <a:lvl1pPr marL="0" indent="0">
-              <a:buNone/>
-              <a:defRPr>
-                <a:gradFill>
-                  <a:gsLst>
-                    <a:gs pos="1250">
-                      <a:schemeClr val="tx1"/>
-                    </a:gs>
-                    <a:gs pos="99000">
-                      <a:schemeClr val="tx1"/>
-                    </a:gs>
-                  </a:gsLst>
-                  <a:lin ang="5400000" scaled="0"/>
-                </a:gradFill>
-              </a:defRPr>
-            </a:lvl1pPr>
-            <a:lvl2pPr marL="0" indent="0">
-              <a:buFontTx/>
-              <a:buNone/>
-              <a:defRPr sz="1961"/>
-            </a:lvl2pPr>
-            <a:lvl3pPr marL="224097" indent="0">
-              <a:buNone/>
-              <a:defRPr/>
-            </a:lvl3pPr>
-            <a:lvl4pPr marL="448193" indent="0">
-              <a:buNone/>
-              <a:defRPr/>
-            </a:lvl4pPr>
-            <a:lvl5pPr marL="672290" indent="0">
-              <a:buNone/>
-              <a:defRPr/>
-            </a:lvl5pPr>
-          </a:lstStyle>
-          <a:p>
-            <a:pPr lvl="0"/>
-            <a:r>
-              <a:rPr lang="en-US" dirty="0"/>
-              <a:t>Click to edit Master text styles</a:t>
-            </a:r>
-          </a:p>
-          <a:p>
-            <a:pPr lvl="1"/>
-            <a:r>
-              <a:rPr lang="en-US" dirty="0"/>
-              <a:t>Second level</a:t>
-            </a:r>
-          </a:p>
-          <a:p>
-            <a:pPr lvl="2"/>
-            <a:r>
-              <a:rPr lang="en-US" dirty="0"/>
-              <a:t>Third level</a:t>
-            </a:r>
-          </a:p>
-          <a:p>
-            <a:pPr lvl="3"/>
-            <a:r>
-              <a:rPr lang="en-US" dirty="0"/>
-              <a:t>Fourth level</a:t>
-            </a:r>
-          </a:p>
-          <a:p>
-            <a:pPr lvl="4"/>
-            <a:r>
-              <a:rPr lang="en-US" dirty="0"/>
-              <a:t>Fifth level</a:t>
-            </a:r>
-          </a:p>
-        </p:txBody>
-      </p:sp>
-    </p:spTree>
-    <p:extLst>
-      <p:ext uri="{BB962C8B-B14F-4D97-AF65-F5344CB8AC3E}">
-        <p14:creationId xmlns:p14="http://schemas.microsoft.com/office/powerpoint/2010/main" val="3563067260"/>
-      </p:ext>
-    </p:extLst>
-  </p:cSld>
-  <p:clrMapOvr>
-    <a:masterClrMapping/>
-  </p:clrMapOvr>
-  <p:transition>
-    <p:fade/>
-  </p:transition>
 </p:sldLayout>
 </file>
 
@@ -9506,6 +9435,160 @@
 
 <file path=ppt/slideLayouts/slideLayout30.xml><?xml version="1.0" encoding="utf-8"?>
 <p:sldLayout xmlns:a="http://schemas.openxmlformats.org/drawingml/2006/main" xmlns:r="http://schemas.openxmlformats.org/officeDocument/2006/relationships" xmlns:p="http://schemas.openxmlformats.org/presentationml/2006/main" preserve="1" userDrawn="1">
+  <p:cSld name="Title &amp; Non-bulleted text">
+    <p:bg>
+      <p:bgPr>
+        <a:solidFill>
+          <a:srgbClr val="0078D7"/>
+        </a:solidFill>
+        <a:effectLst/>
+      </p:bgPr>
+    </p:bg>
+    <p:spTree>
+      <p:nvGrpSpPr>
+        <p:cNvPr id="1" name=""/>
+        <p:cNvGrpSpPr/>
+        <p:nvPr/>
+      </p:nvGrpSpPr>
+      <p:grpSpPr>
+        <a:xfrm>
+          <a:off x="0" y="0"/>
+          <a:ext cx="0" cy="0"/>
+          <a:chOff x="0" y="0"/>
+          <a:chExt cx="0" cy="0"/>
+        </a:xfrm>
+      </p:grpSpPr>
+      <p:sp>
+        <p:nvSpPr>
+          <p:cNvPr id="2" name="Title 1"/>
+          <p:cNvSpPr>
+            <a:spLocks noGrp="1"/>
+          </p:cNvSpPr>
+          <p:nvPr>
+            <p:ph type="title"/>
+          </p:nvPr>
+        </p:nvSpPr>
+        <p:spPr/>
+        <p:txBody>
+          <a:bodyPr/>
+          <a:lstStyle/>
+          <a:p>
+            <a:r>
+              <a:rPr lang="en-US"/>
+              <a:t>Click to edit Master title style</a:t>
+            </a:r>
+            <a:endParaRPr lang="en-US" dirty="0"/>
+          </a:p>
+        </p:txBody>
+      </p:sp>
+      <p:sp>
+        <p:nvSpPr>
+          <p:cNvPr id="6" name="Text Placeholder 5"/>
+          <p:cNvSpPr>
+            <a:spLocks noGrp="1"/>
+          </p:cNvSpPr>
+          <p:nvPr>
+            <p:ph type="body" sz="quarter" idx="10"/>
+          </p:nvPr>
+        </p:nvSpPr>
+        <p:spPr>
+          <a:xfrm>
+            <a:off x="269239" y="1189177"/>
+            <a:ext cx="11653523" cy="1985641"/>
+          </a:xfrm>
+        </p:spPr>
+        <p:txBody>
+          <a:bodyPr/>
+          <a:lstStyle>
+            <a:lvl1pPr marL="0" indent="0">
+              <a:buNone/>
+              <a:defRPr>
+                <a:gradFill>
+                  <a:gsLst>
+                    <a:gs pos="1250">
+                      <a:schemeClr val="tx1"/>
+                    </a:gs>
+                    <a:gs pos="99000">
+                      <a:schemeClr val="tx1"/>
+                    </a:gs>
+                  </a:gsLst>
+                  <a:lin ang="5400000" scaled="0"/>
+                </a:gradFill>
+              </a:defRPr>
+            </a:lvl1pPr>
+            <a:lvl2pPr marL="0" indent="0">
+              <a:buFontTx/>
+              <a:buNone/>
+              <a:defRPr sz="1961"/>
+            </a:lvl2pPr>
+            <a:lvl3pPr marL="224097" indent="0">
+              <a:buNone/>
+              <a:defRPr/>
+            </a:lvl3pPr>
+            <a:lvl4pPr marL="448193" indent="0">
+              <a:buNone/>
+              <a:defRPr/>
+            </a:lvl4pPr>
+            <a:lvl5pPr marL="672290" indent="0">
+              <a:buNone/>
+              <a:defRPr/>
+            </a:lvl5pPr>
+          </a:lstStyle>
+          <a:p>
+            <a:pPr lvl="0"/>
+            <a:r>
+              <a:rPr lang="en-US" dirty="0"/>
+              <a:t>Click to edit Master text styles</a:t>
+            </a:r>
+          </a:p>
+          <a:p>
+            <a:pPr lvl="1"/>
+            <a:r>
+              <a:rPr lang="en-US" dirty="0"/>
+              <a:t>Second level</a:t>
+            </a:r>
+          </a:p>
+          <a:p>
+            <a:pPr lvl="2"/>
+            <a:r>
+              <a:rPr lang="en-US" dirty="0"/>
+              <a:t>Third level</a:t>
+            </a:r>
+          </a:p>
+          <a:p>
+            <a:pPr lvl="3"/>
+            <a:r>
+              <a:rPr lang="en-US" dirty="0"/>
+              <a:t>Fourth level</a:t>
+            </a:r>
+          </a:p>
+          <a:p>
+            <a:pPr lvl="4"/>
+            <a:r>
+              <a:rPr lang="en-US" dirty="0"/>
+              <a:t>Fifth level</a:t>
+            </a:r>
+          </a:p>
+        </p:txBody>
+      </p:sp>
+    </p:spTree>
+    <p:extLst>
+      <p:ext uri="{BB962C8B-B14F-4D97-AF65-F5344CB8AC3E}">
+        <p14:creationId xmlns:p14="http://schemas.microsoft.com/office/powerpoint/2010/main" val="3563067260"/>
+      </p:ext>
+    </p:extLst>
+  </p:cSld>
+  <p:clrMapOvr>
+    <a:masterClrMapping/>
+  </p:clrMapOvr>
+  <p:transition>
+    <p:fade/>
+  </p:transition>
+</p:sldLayout>
+</file>
+
+<file path=ppt/slideLayouts/slideLayout31.xml><?xml version="1.0" encoding="utf-8"?>
+<p:sldLayout xmlns:a="http://schemas.openxmlformats.org/drawingml/2006/main" xmlns:r="http://schemas.openxmlformats.org/officeDocument/2006/relationships" xmlns:p="http://schemas.openxmlformats.org/presentationml/2006/main" preserve="1" userDrawn="1">
   <p:cSld name="Title and Content">
     <p:bg>
       <p:bgPr>
@@ -9629,7 +9712,7 @@
 </p:sldLayout>
 </file>
 
-<file path=ppt/slideLayouts/slideLayout31.xml><?xml version="1.0" encoding="utf-8"?>
+<file path=ppt/slideLayouts/slideLayout32.xml><?xml version="1.0" encoding="utf-8"?>
 <p:sldLayout xmlns:a="http://schemas.openxmlformats.org/drawingml/2006/main" xmlns:r="http://schemas.openxmlformats.org/officeDocument/2006/relationships" xmlns:p="http://schemas.openxmlformats.org/presentationml/2006/main" preserve="1" userDrawn="1">
   <p:cSld name="Two Column Bullet text">
     <p:bg>
@@ -9861,7 +9944,7 @@
 </p:sldLayout>
 </file>
 
-<file path=ppt/slideLayouts/slideLayout32.xml><?xml version="1.0" encoding="utf-8"?>
+<file path=ppt/slideLayouts/slideLayout33.xml><?xml version="1.0" encoding="utf-8"?>
 <p:sldLayout xmlns:a="http://schemas.openxmlformats.org/drawingml/2006/main" xmlns:r="http://schemas.openxmlformats.org/officeDocument/2006/relationships" xmlns:p="http://schemas.openxmlformats.org/presentationml/2006/main" preserve="1" userDrawn="1">
   <p:cSld name="Two Column Non-bulleted text">
     <p:bg>
@@ -10101,7 +10184,7 @@
 </p:sldLayout>
 </file>
 
-<file path=ppt/slideLayouts/slideLayout33.xml><?xml version="1.0" encoding="utf-8"?>
+<file path=ppt/slideLayouts/slideLayout34.xml><?xml version="1.0" encoding="utf-8"?>
 <p:sldLayout xmlns:a="http://schemas.openxmlformats.org/drawingml/2006/main" xmlns:r="http://schemas.openxmlformats.org/officeDocument/2006/relationships" xmlns:p="http://schemas.openxmlformats.org/presentationml/2006/main" preserve="1" userDrawn="1">
   <p:cSld name="Section Title Accent Color 1">
     <p:bg>
@@ -10178,7 +10261,7 @@
 </p:sldLayout>
 </file>
 
-<file path=ppt/slideLayouts/slideLayout34.xml><?xml version="1.0" encoding="utf-8"?>
+<file path=ppt/slideLayouts/slideLayout35.xml><?xml version="1.0" encoding="utf-8"?>
 <p:sldLayout xmlns:a="http://schemas.openxmlformats.org/drawingml/2006/main" xmlns:r="http://schemas.openxmlformats.org/officeDocument/2006/relationships" xmlns:p="http://schemas.openxmlformats.org/presentationml/2006/main" preserve="1" userDrawn="1">
   <p:cSld name="Blank">
     <p:bg>
@@ -10219,7 +10302,7 @@
 </p:sldLayout>
 </file>
 
-<file path=ppt/slideLayouts/slideLayout35.xml><?xml version="1.0" encoding="utf-8"?>
+<file path=ppt/slideLayouts/slideLayout36.xml><?xml version="1.0" encoding="utf-8"?>
 <p:sldLayout xmlns:a="http://schemas.openxmlformats.org/drawingml/2006/main" xmlns:r="http://schemas.openxmlformats.org/officeDocument/2006/relationships" xmlns:p="http://schemas.openxmlformats.org/presentationml/2006/main" preserve="1" userDrawn="1">
   <p:cSld name="Title &amp; 2-color Non-bulleted text">
     <p:bg>
@@ -10371,7 +10454,7 @@
 </p:sldLayout>
 </file>
 
-<file path=ppt/slideLayouts/slideLayout36.xml><?xml version="1.0" encoding="utf-8"?>
+<file path=ppt/slideLayouts/slideLayout37.xml><?xml version="1.0" encoding="utf-8"?>
 <p:sldLayout xmlns:a="http://schemas.openxmlformats.org/drawingml/2006/main" xmlns:r="http://schemas.openxmlformats.org/officeDocument/2006/relationships" xmlns:p="http://schemas.openxmlformats.org/presentationml/2006/main" preserve="1" userDrawn="1">
   <p:cSld name="1_Title &amp; Non-bulleted text">
     <p:bg>
@@ -10523,7 +10606,7 @@
 </p:sldLayout>
 </file>
 
-<file path=ppt/slideLayouts/slideLayout37.xml><?xml version="1.0" encoding="utf-8"?>
+<file path=ppt/slideLayouts/slideLayout38.xml><?xml version="1.0" encoding="utf-8"?>
 <p:sldLayout xmlns:a="http://schemas.openxmlformats.org/drawingml/2006/main" xmlns:r="http://schemas.openxmlformats.org/officeDocument/2006/relationships" xmlns:p="http://schemas.openxmlformats.org/presentationml/2006/main" preserve="1" userDrawn="1">
   <p:cSld name="Title and Content 1st level color text">
     <p:bg>
@@ -10658,7 +10741,7 @@
 </p:sldLayout>
 </file>
 
-<file path=ppt/slideLayouts/slideLayout38.xml><?xml version="1.0" encoding="utf-8"?>
+<file path=ppt/slideLayouts/slideLayout39.xml><?xml version="1.0" encoding="utf-8"?>
 <p:sldLayout xmlns:a="http://schemas.openxmlformats.org/drawingml/2006/main" xmlns:r="http://schemas.openxmlformats.org/officeDocument/2006/relationships" xmlns:p="http://schemas.openxmlformats.org/presentationml/2006/main" preserve="1" userDrawn="1">
   <p:cSld name="1_Title and Content">
     <p:bg>
@@ -10769,269 +10852,6 @@
     <p:extLst>
       <p:ext uri="{BB962C8B-B14F-4D97-AF65-F5344CB8AC3E}">
         <p14:creationId xmlns:p14="http://schemas.microsoft.com/office/powerpoint/2010/main" val="3611118014"/>
-      </p:ext>
-    </p:extLst>
-  </p:cSld>
-  <p:clrMapOvr>
-    <a:overrideClrMapping bg1="lt1" tx1="dk1" bg2="lt2" tx2="dk2" accent1="accent1" accent2="accent2" accent3="accent3" accent4="accent4" accent5="accent5" accent6="accent6" hlink="hlink" folHlink="folHlink"/>
-  </p:clrMapOvr>
-  <p:transition>
-    <p:fade/>
-  </p:transition>
-</p:sldLayout>
-</file>
-
-<file path=ppt/slideLayouts/slideLayout39.xml><?xml version="1.0" encoding="utf-8"?>
-<p:sldLayout xmlns:a="http://schemas.openxmlformats.org/drawingml/2006/main" xmlns:r="http://schemas.openxmlformats.org/officeDocument/2006/relationships" xmlns:p="http://schemas.openxmlformats.org/presentationml/2006/main" preserve="1" userDrawn="1">
-  <p:cSld name="Two Column 2-color Non-bulleted">
-    <p:bg>
-      <p:bgRef idx="1001">
-        <a:schemeClr val="bg1"/>
-      </p:bgRef>
-    </p:bg>
-    <p:spTree>
-      <p:nvGrpSpPr>
-        <p:cNvPr id="1" name=""/>
-        <p:cNvGrpSpPr/>
-        <p:nvPr/>
-      </p:nvGrpSpPr>
-      <p:grpSpPr>
-        <a:xfrm>
-          <a:off x="0" y="0"/>
-          <a:ext cx="0" cy="0"/>
-          <a:chOff x="0" y="0"/>
-          <a:chExt cx="0" cy="0"/>
-        </a:xfrm>
-      </p:grpSpPr>
-      <p:sp>
-        <p:nvSpPr>
-          <p:cNvPr id="2" name="Title 1"/>
-          <p:cNvSpPr>
-            <a:spLocks noGrp="1"/>
-          </p:cNvSpPr>
-          <p:nvPr>
-            <p:ph type="title"/>
-          </p:nvPr>
-        </p:nvSpPr>
-        <p:spPr/>
-        <p:txBody>
-          <a:bodyPr/>
-          <a:lstStyle/>
-          <a:p>
-            <a:r>
-              <a:rPr lang="en-US"/>
-              <a:t>Click to edit Master title style</a:t>
-            </a:r>
-            <a:endParaRPr lang="en-US" dirty="0"/>
-          </a:p>
-        </p:txBody>
-      </p:sp>
-      <p:sp>
-        <p:nvSpPr>
-          <p:cNvPr id="4" name="Text Placeholder 3"/>
-          <p:cNvSpPr>
-            <a:spLocks noGrp="1"/>
-          </p:cNvSpPr>
-          <p:nvPr>
-            <p:ph type="body" sz="quarter" idx="10"/>
-          </p:nvPr>
-        </p:nvSpPr>
-        <p:spPr>
-          <a:xfrm>
-            <a:off x="269241" y="1189176"/>
-            <a:ext cx="5378548" cy="2420188"/>
-          </a:xfrm>
-        </p:spPr>
-        <p:txBody>
-          <a:bodyPr wrap="square">
-            <a:spAutoFit/>
-          </a:bodyPr>
-          <a:lstStyle>
-            <a:lvl1pPr marL="0" indent="0">
-              <a:spcBef>
-                <a:spcPts val="1200"/>
-              </a:spcBef>
-              <a:buClr>
-                <a:schemeClr val="tx1"/>
-              </a:buClr>
-              <a:buFont typeface="Wingdings" pitchFamily="2" charset="2"/>
-              <a:buNone/>
-              <a:defRPr sz="3529">
-                <a:gradFill>
-                  <a:gsLst>
-                    <a:gs pos="1250">
-                      <a:schemeClr val="tx2"/>
-                    </a:gs>
-                    <a:gs pos="99000">
-                      <a:schemeClr val="tx2"/>
-                    </a:gs>
-                  </a:gsLst>
-                  <a:lin ang="5400000" scaled="0"/>
-                </a:gradFill>
-              </a:defRPr>
-            </a:lvl1pPr>
-            <a:lvl2pPr marL="0" indent="0">
-              <a:buNone/>
-              <a:defRPr sz="1961"/>
-            </a:lvl2pPr>
-            <a:lvl3pPr marL="227209" indent="0">
-              <a:buNone/>
-              <a:tabLst/>
-              <a:defRPr sz="1961"/>
-            </a:lvl3pPr>
-            <a:lvl4pPr marL="451306" indent="0">
-              <a:buNone/>
-              <a:defRPr/>
-            </a:lvl4pPr>
-            <a:lvl5pPr marL="672290" indent="0">
-              <a:buNone/>
-              <a:tabLst/>
-              <a:defRPr/>
-            </a:lvl5pPr>
-          </a:lstStyle>
-          <a:p>
-            <a:pPr lvl="0"/>
-            <a:r>
-              <a:rPr lang="en-US"/>
-              <a:t>Click to edit Master text styles</a:t>
-            </a:r>
-          </a:p>
-          <a:p>
-            <a:pPr lvl="1"/>
-            <a:r>
-              <a:rPr lang="en-US"/>
-              <a:t>Second level</a:t>
-            </a:r>
-          </a:p>
-          <a:p>
-            <a:pPr lvl="2"/>
-            <a:r>
-              <a:rPr lang="en-US"/>
-              <a:t>Third level</a:t>
-            </a:r>
-          </a:p>
-          <a:p>
-            <a:pPr lvl="3"/>
-            <a:r>
-              <a:rPr lang="en-US"/>
-              <a:t>Fourth level</a:t>
-            </a:r>
-          </a:p>
-          <a:p>
-            <a:pPr lvl="4"/>
-            <a:r>
-              <a:rPr lang="en-US"/>
-              <a:t>Fifth level</a:t>
-            </a:r>
-            <a:endParaRPr lang="en-US" dirty="0"/>
-          </a:p>
-        </p:txBody>
-      </p:sp>
-      <p:sp>
-        <p:nvSpPr>
-          <p:cNvPr id="5" name="Text Placeholder 3"/>
-          <p:cNvSpPr>
-            <a:spLocks noGrp="1"/>
-          </p:cNvSpPr>
-          <p:nvPr>
-            <p:ph type="body" sz="quarter" idx="11"/>
-          </p:nvPr>
-        </p:nvSpPr>
-        <p:spPr>
-          <a:xfrm>
-            <a:off x="6544214" y="1189176"/>
-            <a:ext cx="5378548" cy="2420188"/>
-          </a:xfrm>
-        </p:spPr>
-        <p:txBody>
-          <a:bodyPr wrap="square">
-            <a:spAutoFit/>
-          </a:bodyPr>
-          <a:lstStyle>
-            <a:lvl1pPr marL="0" indent="0">
-              <a:spcBef>
-                <a:spcPts val="1200"/>
-              </a:spcBef>
-              <a:buClr>
-                <a:schemeClr val="tx1"/>
-              </a:buClr>
-              <a:buFont typeface="Wingdings" pitchFamily="2" charset="2"/>
-              <a:buNone/>
-              <a:defRPr sz="3529">
-                <a:gradFill>
-                  <a:gsLst>
-                    <a:gs pos="1250">
-                      <a:schemeClr val="tx2"/>
-                    </a:gs>
-                    <a:gs pos="99000">
-                      <a:schemeClr val="tx2"/>
-                    </a:gs>
-                  </a:gsLst>
-                  <a:lin ang="5400000" scaled="0"/>
-                </a:gradFill>
-              </a:defRPr>
-            </a:lvl1pPr>
-            <a:lvl2pPr marL="0" indent="0">
-              <a:buNone/>
-              <a:defRPr sz="1961"/>
-            </a:lvl2pPr>
-            <a:lvl3pPr marL="227209" indent="0">
-              <a:buNone/>
-              <a:tabLst/>
-              <a:defRPr sz="1961"/>
-            </a:lvl3pPr>
-            <a:lvl4pPr marL="451306" indent="0">
-              <a:buNone/>
-              <a:defRPr/>
-            </a:lvl4pPr>
-            <a:lvl5pPr marL="672290" indent="0">
-              <a:buNone/>
-              <a:tabLst/>
-              <a:defRPr/>
-            </a:lvl5pPr>
-          </a:lstStyle>
-          <a:p>
-            <a:pPr lvl="0"/>
-            <a:r>
-              <a:rPr lang="en-US"/>
-              <a:t>Click to edit Master text styles</a:t>
-            </a:r>
-          </a:p>
-          <a:p>
-            <a:pPr lvl="1"/>
-            <a:r>
-              <a:rPr lang="en-US"/>
-              <a:t>Second level</a:t>
-            </a:r>
-          </a:p>
-          <a:p>
-            <a:pPr lvl="2"/>
-            <a:r>
-              <a:rPr lang="en-US"/>
-              <a:t>Third level</a:t>
-            </a:r>
-          </a:p>
-          <a:p>
-            <a:pPr lvl="3"/>
-            <a:r>
-              <a:rPr lang="en-US"/>
-              <a:t>Fourth level</a:t>
-            </a:r>
-          </a:p>
-          <a:p>
-            <a:pPr lvl="4"/>
-            <a:r>
-              <a:rPr lang="en-US"/>
-              <a:t>Fifth level</a:t>
-            </a:r>
-            <a:endParaRPr lang="en-US" dirty="0"/>
-          </a:p>
-        </p:txBody>
-      </p:sp>
-    </p:spTree>
-    <p:extLst>
-      <p:ext uri="{BB962C8B-B14F-4D97-AF65-F5344CB8AC3E}">
-        <p14:creationId xmlns:p14="http://schemas.microsoft.com/office/powerpoint/2010/main" val="4117598466"/>
       </p:ext>
     </p:extLst>
   </p:cSld>
@@ -11310,6 +11130,269 @@
 
 <file path=ppt/slideLayouts/slideLayout40.xml><?xml version="1.0" encoding="utf-8"?>
 <p:sldLayout xmlns:a="http://schemas.openxmlformats.org/drawingml/2006/main" xmlns:r="http://schemas.openxmlformats.org/officeDocument/2006/relationships" xmlns:p="http://schemas.openxmlformats.org/presentationml/2006/main" preserve="1" userDrawn="1">
+  <p:cSld name="Two Column 2-color Non-bulleted">
+    <p:bg>
+      <p:bgRef idx="1001">
+        <a:schemeClr val="bg1"/>
+      </p:bgRef>
+    </p:bg>
+    <p:spTree>
+      <p:nvGrpSpPr>
+        <p:cNvPr id="1" name=""/>
+        <p:cNvGrpSpPr/>
+        <p:nvPr/>
+      </p:nvGrpSpPr>
+      <p:grpSpPr>
+        <a:xfrm>
+          <a:off x="0" y="0"/>
+          <a:ext cx="0" cy="0"/>
+          <a:chOff x="0" y="0"/>
+          <a:chExt cx="0" cy="0"/>
+        </a:xfrm>
+      </p:grpSpPr>
+      <p:sp>
+        <p:nvSpPr>
+          <p:cNvPr id="2" name="Title 1"/>
+          <p:cNvSpPr>
+            <a:spLocks noGrp="1"/>
+          </p:cNvSpPr>
+          <p:nvPr>
+            <p:ph type="title"/>
+          </p:nvPr>
+        </p:nvSpPr>
+        <p:spPr/>
+        <p:txBody>
+          <a:bodyPr/>
+          <a:lstStyle/>
+          <a:p>
+            <a:r>
+              <a:rPr lang="en-US"/>
+              <a:t>Click to edit Master title style</a:t>
+            </a:r>
+            <a:endParaRPr lang="en-US" dirty="0"/>
+          </a:p>
+        </p:txBody>
+      </p:sp>
+      <p:sp>
+        <p:nvSpPr>
+          <p:cNvPr id="4" name="Text Placeholder 3"/>
+          <p:cNvSpPr>
+            <a:spLocks noGrp="1"/>
+          </p:cNvSpPr>
+          <p:nvPr>
+            <p:ph type="body" sz="quarter" idx="10"/>
+          </p:nvPr>
+        </p:nvSpPr>
+        <p:spPr>
+          <a:xfrm>
+            <a:off x="269241" y="1189176"/>
+            <a:ext cx="5378548" cy="2420188"/>
+          </a:xfrm>
+        </p:spPr>
+        <p:txBody>
+          <a:bodyPr wrap="square">
+            <a:spAutoFit/>
+          </a:bodyPr>
+          <a:lstStyle>
+            <a:lvl1pPr marL="0" indent="0">
+              <a:spcBef>
+                <a:spcPts val="1200"/>
+              </a:spcBef>
+              <a:buClr>
+                <a:schemeClr val="tx1"/>
+              </a:buClr>
+              <a:buFont typeface="Wingdings" pitchFamily="2" charset="2"/>
+              <a:buNone/>
+              <a:defRPr sz="3529">
+                <a:gradFill>
+                  <a:gsLst>
+                    <a:gs pos="1250">
+                      <a:schemeClr val="tx2"/>
+                    </a:gs>
+                    <a:gs pos="99000">
+                      <a:schemeClr val="tx2"/>
+                    </a:gs>
+                  </a:gsLst>
+                  <a:lin ang="5400000" scaled="0"/>
+                </a:gradFill>
+              </a:defRPr>
+            </a:lvl1pPr>
+            <a:lvl2pPr marL="0" indent="0">
+              <a:buNone/>
+              <a:defRPr sz="1961"/>
+            </a:lvl2pPr>
+            <a:lvl3pPr marL="227209" indent="0">
+              <a:buNone/>
+              <a:tabLst/>
+              <a:defRPr sz="1961"/>
+            </a:lvl3pPr>
+            <a:lvl4pPr marL="451306" indent="0">
+              <a:buNone/>
+              <a:defRPr/>
+            </a:lvl4pPr>
+            <a:lvl5pPr marL="672290" indent="0">
+              <a:buNone/>
+              <a:tabLst/>
+              <a:defRPr/>
+            </a:lvl5pPr>
+          </a:lstStyle>
+          <a:p>
+            <a:pPr lvl="0"/>
+            <a:r>
+              <a:rPr lang="en-US"/>
+              <a:t>Click to edit Master text styles</a:t>
+            </a:r>
+          </a:p>
+          <a:p>
+            <a:pPr lvl="1"/>
+            <a:r>
+              <a:rPr lang="en-US"/>
+              <a:t>Second level</a:t>
+            </a:r>
+          </a:p>
+          <a:p>
+            <a:pPr lvl="2"/>
+            <a:r>
+              <a:rPr lang="en-US"/>
+              <a:t>Third level</a:t>
+            </a:r>
+          </a:p>
+          <a:p>
+            <a:pPr lvl="3"/>
+            <a:r>
+              <a:rPr lang="en-US"/>
+              <a:t>Fourth level</a:t>
+            </a:r>
+          </a:p>
+          <a:p>
+            <a:pPr lvl="4"/>
+            <a:r>
+              <a:rPr lang="en-US"/>
+              <a:t>Fifth level</a:t>
+            </a:r>
+            <a:endParaRPr lang="en-US" dirty="0"/>
+          </a:p>
+        </p:txBody>
+      </p:sp>
+      <p:sp>
+        <p:nvSpPr>
+          <p:cNvPr id="5" name="Text Placeholder 3"/>
+          <p:cNvSpPr>
+            <a:spLocks noGrp="1"/>
+          </p:cNvSpPr>
+          <p:nvPr>
+            <p:ph type="body" sz="quarter" idx="11"/>
+          </p:nvPr>
+        </p:nvSpPr>
+        <p:spPr>
+          <a:xfrm>
+            <a:off x="6544214" y="1189176"/>
+            <a:ext cx="5378548" cy="2420188"/>
+          </a:xfrm>
+        </p:spPr>
+        <p:txBody>
+          <a:bodyPr wrap="square">
+            <a:spAutoFit/>
+          </a:bodyPr>
+          <a:lstStyle>
+            <a:lvl1pPr marL="0" indent="0">
+              <a:spcBef>
+                <a:spcPts val="1200"/>
+              </a:spcBef>
+              <a:buClr>
+                <a:schemeClr val="tx1"/>
+              </a:buClr>
+              <a:buFont typeface="Wingdings" pitchFamily="2" charset="2"/>
+              <a:buNone/>
+              <a:defRPr sz="3529">
+                <a:gradFill>
+                  <a:gsLst>
+                    <a:gs pos="1250">
+                      <a:schemeClr val="tx2"/>
+                    </a:gs>
+                    <a:gs pos="99000">
+                      <a:schemeClr val="tx2"/>
+                    </a:gs>
+                  </a:gsLst>
+                  <a:lin ang="5400000" scaled="0"/>
+                </a:gradFill>
+              </a:defRPr>
+            </a:lvl1pPr>
+            <a:lvl2pPr marL="0" indent="0">
+              <a:buNone/>
+              <a:defRPr sz="1961"/>
+            </a:lvl2pPr>
+            <a:lvl3pPr marL="227209" indent="0">
+              <a:buNone/>
+              <a:tabLst/>
+              <a:defRPr sz="1961"/>
+            </a:lvl3pPr>
+            <a:lvl4pPr marL="451306" indent="0">
+              <a:buNone/>
+              <a:defRPr/>
+            </a:lvl4pPr>
+            <a:lvl5pPr marL="672290" indent="0">
+              <a:buNone/>
+              <a:tabLst/>
+              <a:defRPr/>
+            </a:lvl5pPr>
+          </a:lstStyle>
+          <a:p>
+            <a:pPr lvl="0"/>
+            <a:r>
+              <a:rPr lang="en-US"/>
+              <a:t>Click to edit Master text styles</a:t>
+            </a:r>
+          </a:p>
+          <a:p>
+            <a:pPr lvl="1"/>
+            <a:r>
+              <a:rPr lang="en-US"/>
+              <a:t>Second level</a:t>
+            </a:r>
+          </a:p>
+          <a:p>
+            <a:pPr lvl="2"/>
+            <a:r>
+              <a:rPr lang="en-US"/>
+              <a:t>Third level</a:t>
+            </a:r>
+          </a:p>
+          <a:p>
+            <a:pPr lvl="3"/>
+            <a:r>
+              <a:rPr lang="en-US"/>
+              <a:t>Fourth level</a:t>
+            </a:r>
+          </a:p>
+          <a:p>
+            <a:pPr lvl="4"/>
+            <a:r>
+              <a:rPr lang="en-US"/>
+              <a:t>Fifth level</a:t>
+            </a:r>
+            <a:endParaRPr lang="en-US" dirty="0"/>
+          </a:p>
+        </p:txBody>
+      </p:sp>
+    </p:spTree>
+    <p:extLst>
+      <p:ext uri="{BB962C8B-B14F-4D97-AF65-F5344CB8AC3E}">
+        <p14:creationId xmlns:p14="http://schemas.microsoft.com/office/powerpoint/2010/main" val="4117598466"/>
+      </p:ext>
+    </p:extLst>
+  </p:cSld>
+  <p:clrMapOvr>
+    <a:overrideClrMapping bg1="lt1" tx1="dk1" bg2="lt2" tx2="dk2" accent1="accent1" accent2="accent2" accent3="accent3" accent4="accent4" accent5="accent5" accent6="accent6" hlink="hlink" folHlink="folHlink"/>
+  </p:clrMapOvr>
+  <p:transition>
+    <p:fade/>
+  </p:transition>
+</p:sldLayout>
+</file>
+
+<file path=ppt/slideLayouts/slideLayout41.xml><?xml version="1.0" encoding="utf-8"?>
+<p:sldLayout xmlns:a="http://schemas.openxmlformats.org/drawingml/2006/main" xmlns:r="http://schemas.openxmlformats.org/officeDocument/2006/relationships" xmlns:p="http://schemas.openxmlformats.org/presentationml/2006/main" preserve="1" userDrawn="1">
   <p:cSld name="1_Two Column Non-bulleted text">
     <p:bg>
       <p:bgRef idx="1001">
@@ -11547,7 +11630,7 @@
 </p:sldLayout>
 </file>
 
-<file path=ppt/slideLayouts/slideLayout41.xml><?xml version="1.0" encoding="utf-8"?>
+<file path=ppt/slideLayouts/slideLayout42.xml><?xml version="1.0" encoding="utf-8"?>
 <p:sldLayout xmlns:a="http://schemas.openxmlformats.org/drawingml/2006/main" xmlns:r="http://schemas.openxmlformats.org/officeDocument/2006/relationships" xmlns:p="http://schemas.openxmlformats.org/presentationml/2006/main" preserve="1" userDrawn="1">
   <p:cSld name="Two Column Bullet text 1st level color">
     <p:bg>
@@ -11802,7 +11885,7 @@
 </p:sldLayout>
 </file>
 
-<file path=ppt/slideLayouts/slideLayout42.xml><?xml version="1.0" encoding="utf-8"?>
+<file path=ppt/slideLayouts/slideLayout43.xml><?xml version="1.0" encoding="utf-8"?>
 <p:sldLayout xmlns:a="http://schemas.openxmlformats.org/drawingml/2006/main" xmlns:r="http://schemas.openxmlformats.org/officeDocument/2006/relationships" xmlns:p="http://schemas.openxmlformats.org/presentationml/2006/main" preserve="1" userDrawn="1">
   <p:cSld name="1_Two Column Bullet text">
     <p:bg>
@@ -12033,7 +12116,7 @@
 </p:sldLayout>
 </file>
 
-<file path=ppt/slideLayouts/slideLayout43.xml><?xml version="1.0" encoding="utf-8"?>
+<file path=ppt/slideLayouts/slideLayout44.xml><?xml version="1.0" encoding="utf-8"?>
 <p:sldLayout xmlns:a="http://schemas.openxmlformats.org/drawingml/2006/main" xmlns:r="http://schemas.openxmlformats.org/officeDocument/2006/relationships" xmlns:p="http://schemas.openxmlformats.org/presentationml/2006/main" preserve="1" userDrawn="1">
   <p:cSld name="1_Title Only">
     <p:bg>
@@ -12093,7 +12176,7 @@
 </p:sldLayout>
 </file>
 
-<file path=ppt/slideLayouts/slideLayout44.xml><?xml version="1.0" encoding="utf-8"?>
+<file path=ppt/slideLayouts/slideLayout45.xml><?xml version="1.0" encoding="utf-8"?>
 <p:sldLayout xmlns:a="http://schemas.openxmlformats.org/drawingml/2006/main" xmlns:r="http://schemas.openxmlformats.org/officeDocument/2006/relationships" xmlns:p="http://schemas.openxmlformats.org/presentationml/2006/main" preserve="1" userDrawn="1">
   <p:cSld name="Developer Code Layout">
     <p:bg>
@@ -12397,7 +12480,7 @@
 </p:sldLayout>
 </file>
 
-<file path=ppt/slideLayouts/slideLayout45.xml><?xml version="1.0" encoding="utf-8"?>
+<file path=ppt/slideLayouts/slideLayout46.xml><?xml version="1.0" encoding="utf-8"?>
 <p:sldLayout xmlns:a="http://schemas.openxmlformats.org/drawingml/2006/main" xmlns:r="http://schemas.openxmlformats.org/officeDocument/2006/relationships" xmlns:p="http://schemas.openxmlformats.org/presentationml/2006/main" userDrawn="1">
   <p:cSld name="Black Notes slide Layout">
     <p:bg bwMode="black">
@@ -12718,7 +12801,7 @@
 </p:sldLayout>
 </file>
 
-<file path=ppt/slideLayouts/slideLayout46.xml><?xml version="1.0" encoding="utf-8"?>
+<file path=ppt/slideLayouts/slideLayout47.xml><?xml version="1.0" encoding="utf-8"?>
 <p:sldLayout xmlns:a="http://schemas.openxmlformats.org/drawingml/2006/main" xmlns:r="http://schemas.openxmlformats.org/officeDocument/2006/relationships" xmlns:p="http://schemas.openxmlformats.org/presentationml/2006/main" userDrawn="1">
   <p:cSld name="50-50 Right Photo Layout">
     <p:spTree>
@@ -14986,6 +15069,7 @@
     <p:sldLayoutId id="2147483682" r:id="rId21"/>
     <p:sldLayoutId id="2147483683" r:id="rId22"/>
     <p:sldLayoutId id="2147484210" r:id="rId23"/>
+    <p:sldLayoutId id="2147484212" r:id="rId24"/>
   </p:sldLayoutIdLst>
   <p:transition>
     <p:fade/>
@@ -16524,14 +16608,6 @@
 <file path=ppt/slides/slide10.xml><?xml version="1.0" encoding="utf-8"?>
 <p:sld xmlns:a="http://schemas.openxmlformats.org/drawingml/2006/main" xmlns:r="http://schemas.openxmlformats.org/officeDocument/2006/relationships" xmlns:p="http://schemas.openxmlformats.org/presentationml/2006/main">
   <p:cSld>
-    <p:bg>
-      <p:bgPr>
-        <a:solidFill>
-          <a:srgbClr val="297DED"/>
-        </a:solidFill>
-        <a:effectLst/>
-      </p:bgPr>
-    </p:bg>
     <p:spTree>
       <p:nvGrpSpPr>
         <p:cNvPr id="1" name=""/>
@@ -16546,140 +16622,2227 @@
           <a:chExt cx="0" cy="0"/>
         </a:xfrm>
       </p:grpSpPr>
+      <p:sp>
+        <p:nvSpPr>
+          <p:cNvPr id="5" name="Title 4"/>
+          <p:cNvSpPr>
+            <a:spLocks noGrp="1"/>
+          </p:cNvSpPr>
+          <p:nvPr>
+            <p:ph type="title"/>
+          </p:nvPr>
+        </p:nvSpPr>
+        <p:spPr/>
+        <p:txBody>
+          <a:bodyPr/>
+          <a:lstStyle/>
+          <a:p>
+            <a:r>
+              <a:rPr lang="en-US" dirty="0"/>
+              <a:t>Interacting</a:t>
+            </a:r>
+          </a:p>
+        </p:txBody>
+      </p:sp>
+      <p:sp>
+        <p:nvSpPr>
+          <p:cNvPr id="6" name="Text Placeholder 5"/>
+          <p:cNvSpPr>
+            <a:spLocks noGrp="1"/>
+          </p:cNvSpPr>
+          <p:nvPr>
+            <p:ph type="body" sz="quarter" idx="10"/>
+          </p:nvPr>
+        </p:nvSpPr>
+        <p:spPr/>
+        <p:txBody>
+          <a:bodyPr/>
+          <a:lstStyle/>
+          <a:p>
+            <a:r>
+              <a:rPr lang="en-US" sz="2000" dirty="0"/>
+              <a:t>PS C:\&gt; Login-</a:t>
+            </a:r>
+            <a:r>
+              <a:rPr lang="en-US" sz="2000" dirty="0" err="1"/>
+              <a:t>AzureRMAccount</a:t>
+            </a:r>
+            <a:endParaRPr lang="en-US" sz="2000" dirty="0"/>
+          </a:p>
+          <a:p>
+            <a:endParaRPr lang="en-US" sz="2000" dirty="0"/>
+          </a:p>
+          <a:p>
+            <a:r>
+              <a:rPr lang="en-US" sz="2000" dirty="0"/>
+              <a:t>PS C:\&gt; # Get subscriptions</a:t>
+            </a:r>
+          </a:p>
+          <a:p>
+            <a:r>
+              <a:rPr lang="en-US" sz="2000" dirty="0"/>
+              <a:t>PS C:\&gt; Get-</a:t>
+            </a:r>
+            <a:r>
+              <a:rPr lang="en-US" sz="2000" dirty="0" err="1"/>
+              <a:t>AzureRmSubscription</a:t>
+            </a:r>
+            <a:endParaRPr lang="en-US" sz="2000" dirty="0"/>
+          </a:p>
+          <a:p>
+            <a:endParaRPr lang="en-US" sz="2000" dirty="0"/>
+          </a:p>
+          <a:p>
+            <a:r>
+              <a:rPr lang="en-US" sz="2000" dirty="0"/>
+              <a:t>PS C:\&gt; # Select subscription</a:t>
+            </a:r>
+          </a:p>
+          <a:p>
+            <a:r>
+              <a:rPr lang="en-US" sz="2000" dirty="0"/>
+              <a:t>PS C:\&gt; Select-</a:t>
+            </a:r>
+            <a:r>
+              <a:rPr lang="en-US" sz="2000" dirty="0" err="1"/>
+              <a:t>AzureRmSubscription</a:t>
+            </a:r>
+            <a:r>
+              <a:rPr lang="en-US" sz="2000" dirty="0"/>
+              <a:t> -</a:t>
+            </a:r>
+            <a:r>
+              <a:rPr lang="en-US" sz="2000" dirty="0" err="1"/>
+              <a:t>SubscriptionName</a:t>
+            </a:r>
+            <a:r>
+              <a:rPr lang="en-US" sz="2000" dirty="0"/>
+              <a:t> [</a:t>
+            </a:r>
+            <a:r>
+              <a:rPr lang="en-US" sz="2000" dirty="0" err="1"/>
+              <a:t>SubName</a:t>
+            </a:r>
+            <a:r>
+              <a:rPr lang="en-US" sz="2000" dirty="0"/>
+              <a:t>]</a:t>
+            </a:r>
+          </a:p>
+          <a:p>
+            <a:endParaRPr lang="en-US" sz="2000" dirty="0"/>
+          </a:p>
+          <a:p>
+            <a:r>
+              <a:rPr lang="en-US" sz="2000" dirty="0"/>
+              <a:t># Get Resource Groups</a:t>
+            </a:r>
+          </a:p>
+          <a:p>
+            <a:r>
+              <a:rPr lang="en-US" sz="2000" dirty="0"/>
+              <a:t>PS C:\&gt; Get-</a:t>
+            </a:r>
+            <a:r>
+              <a:rPr lang="en-US" sz="2000" dirty="0" err="1"/>
+              <a:t>AzureRmResourceGroup</a:t>
+            </a:r>
+            <a:endParaRPr lang="en-US" sz="2000" dirty="0"/>
+          </a:p>
+          <a:p>
+            <a:endParaRPr lang="en-US" sz="2000" dirty="0"/>
+          </a:p>
+          <a:p>
+            <a:r>
+              <a:rPr lang="en-US" sz="2000" dirty="0"/>
+              <a:t># Find resources</a:t>
+            </a:r>
+          </a:p>
+          <a:p>
+            <a:r>
+              <a:rPr lang="en-US" sz="2000" dirty="0"/>
+              <a:t>PS C:\&gt; Find-</a:t>
+            </a:r>
+            <a:r>
+              <a:rPr lang="en-US" sz="2000" dirty="0" err="1"/>
+              <a:t>AzureRmResource</a:t>
+            </a:r>
+            <a:r>
+              <a:rPr lang="en-US" sz="2000" dirty="0"/>
+              <a:t> -</a:t>
+            </a:r>
+            <a:r>
+              <a:rPr lang="en-US" sz="2000" dirty="0" err="1"/>
+              <a:t>ResourceGroupName</a:t>
+            </a:r>
+            <a:r>
+              <a:rPr lang="en-US" sz="2000" dirty="0"/>
+              <a:t> [</a:t>
+            </a:r>
+            <a:r>
+              <a:rPr lang="en-US" sz="2000" dirty="0" err="1"/>
+              <a:t>RGName</a:t>
+            </a:r>
+            <a:r>
+              <a:rPr lang="en-US" sz="2000" dirty="0"/>
+              <a:t>]</a:t>
+            </a:r>
+          </a:p>
+        </p:txBody>
+      </p:sp>
+    </p:spTree>
+    <p:extLst>
+      <p:ext uri="{BB962C8B-B14F-4D97-AF65-F5344CB8AC3E}">
+        <p14:creationId xmlns:p14="http://schemas.microsoft.com/office/powerpoint/2010/main" val="2064412978"/>
+      </p:ext>
+    </p:extLst>
+  </p:cSld>
+  <p:clrMapOvr>
+    <a:masterClrMapping/>
+  </p:clrMapOvr>
+  <p:transition>
+    <p:fade/>
+  </p:transition>
+</p:sld>
+</file>
+
+<file path=ppt/slides/slide11.xml><?xml version="1.0" encoding="utf-8"?>
+<p:sld xmlns:a="http://schemas.openxmlformats.org/drawingml/2006/main" xmlns:r="http://schemas.openxmlformats.org/officeDocument/2006/relationships" xmlns:p="http://schemas.openxmlformats.org/presentationml/2006/main">
+  <p:cSld>
+    <p:spTree>
+      <p:nvGrpSpPr>
+        <p:cNvPr id="1" name=""/>
+        <p:cNvGrpSpPr/>
+        <p:nvPr/>
+      </p:nvGrpSpPr>
+      <p:grpSpPr>
+        <a:xfrm>
+          <a:off x="0" y="0"/>
+          <a:ext cx="0" cy="0"/>
+          <a:chOff x="0" y="0"/>
+          <a:chExt cx="0" cy="0"/>
+        </a:xfrm>
+      </p:grpSpPr>
+      <p:sp>
+        <p:nvSpPr>
+          <p:cNvPr id="5" name="Title 4"/>
+          <p:cNvSpPr>
+            <a:spLocks noGrp="1"/>
+          </p:cNvSpPr>
+          <p:nvPr>
+            <p:ph type="title"/>
+          </p:nvPr>
+        </p:nvSpPr>
+        <p:spPr/>
+        <p:txBody>
+          <a:bodyPr/>
+          <a:lstStyle/>
+          <a:p>
+            <a:r>
+              <a:rPr lang="en-US" dirty="0"/>
+              <a:t>Interacting (</a:t>
+            </a:r>
+            <a:r>
+              <a:rPr lang="en-US" dirty="0" err="1"/>
+              <a:t>Con’t</a:t>
+            </a:r>
+            <a:r>
+              <a:rPr lang="en-US" dirty="0"/>
+              <a:t>)</a:t>
+            </a:r>
+          </a:p>
+        </p:txBody>
+      </p:sp>
+      <p:sp>
+        <p:nvSpPr>
+          <p:cNvPr id="6" name="Text Placeholder 5"/>
+          <p:cNvSpPr>
+            <a:spLocks noGrp="1"/>
+          </p:cNvSpPr>
+          <p:nvPr>
+            <p:ph type="body" sz="quarter" idx="10"/>
+          </p:nvPr>
+        </p:nvSpPr>
+        <p:spPr/>
+        <p:txBody>
+          <a:bodyPr/>
+          <a:lstStyle/>
+          <a:p>
+            <a:r>
+              <a:rPr lang="en-US" sz="2000" dirty="0"/>
+              <a:t>PS C:\&gt; $</a:t>
+            </a:r>
+            <a:r>
+              <a:rPr lang="en-US" sz="2000" dirty="0" err="1"/>
+              <a:t>loc</a:t>
+            </a:r>
+            <a:r>
+              <a:rPr lang="en-US" sz="2000" dirty="0"/>
+              <a:t> = 'eastus2' #first set a location</a:t>
+            </a:r>
+          </a:p>
+          <a:p>
+            <a:r>
+              <a:rPr lang="en-US" sz="2000" dirty="0"/>
+              <a:t>PS C:\&gt; # Check all the publishers</a:t>
+            </a:r>
+          </a:p>
+          <a:p>
+            <a:r>
+              <a:rPr lang="en-US" sz="2000" dirty="0"/>
+              <a:t>PS C:\&gt; Get-</a:t>
+            </a:r>
+            <a:r>
+              <a:rPr lang="en-US" sz="2000" dirty="0" err="1"/>
+              <a:t>AzureRmVMImagePublisher</a:t>
+            </a:r>
+            <a:r>
+              <a:rPr lang="en-US" sz="2000" dirty="0"/>
+              <a:t> -Location $</a:t>
+            </a:r>
+            <a:r>
+              <a:rPr lang="en-US" sz="2000" dirty="0" err="1"/>
+              <a:t>loc</a:t>
+            </a:r>
+            <a:endParaRPr lang="en-US" sz="2000" dirty="0"/>
+          </a:p>
+          <a:p>
+            <a:endParaRPr lang="en-US" sz="2000" dirty="0"/>
+          </a:p>
+          <a:p>
+            <a:r>
+              <a:rPr lang="en-US" sz="1400" dirty="0" err="1"/>
+              <a:t>PublisherName</a:t>
+            </a:r>
+            <a:r>
+              <a:rPr lang="en-US" sz="1400" dirty="0"/>
+              <a:t>                                        Location Id</a:t>
+            </a:r>
+          </a:p>
+          <a:p>
+            <a:r>
+              <a:rPr lang="en-US" sz="1400" dirty="0"/>
+              <a:t>-------------                                        -------- --</a:t>
+            </a:r>
+          </a:p>
+          <a:p>
+            <a:r>
+              <a:rPr lang="en-US" sz="1400" dirty="0"/>
+              <a:t>Microsoft                                            eastus2  /Subscriptions/f97da7d2-1dd0-42cd-93bc-57fb30549d66/Pr...</a:t>
+            </a:r>
+          </a:p>
+          <a:p>
+            <a:r>
+              <a:rPr lang="en-US" sz="1400" dirty="0" err="1"/>
+              <a:t>microsoft</a:t>
+            </a:r>
+            <a:r>
+              <a:rPr lang="en-US" sz="1400" dirty="0"/>
+              <a:t>-ads                                        eastus2  /Subscriptions/f97da7d2-1dd0-42cd-93bc-57fb30549d66/Pr...</a:t>
+            </a:r>
+          </a:p>
+          <a:p>
+            <a:r>
+              <a:rPr lang="en-US" sz="1400" dirty="0" err="1"/>
+              <a:t>Microsoft.Azure.Applications</a:t>
+            </a:r>
+            <a:r>
+              <a:rPr lang="en-US" sz="1400" dirty="0"/>
+              <a:t>                         eastus2  /Subscriptions/f97da7d2-1dd0-42cd-93bc-57fb30549d66/Pr...</a:t>
+            </a:r>
+          </a:p>
+          <a:p>
+            <a:r>
+              <a:rPr lang="en-US" sz="1400" dirty="0" err="1"/>
+              <a:t>Microsoft.Azure.Backup.Test</a:t>
+            </a:r>
+            <a:r>
+              <a:rPr lang="en-US" sz="1400" dirty="0"/>
+              <a:t>                          eastus2  /Subscriptions/f97da7d2-1dd0-42cd-93bc-57fb30549d66/Pr...</a:t>
+            </a:r>
+          </a:p>
+          <a:p>
+            <a:r>
+              <a:rPr lang="en-US" sz="1400" dirty="0" err="1"/>
+              <a:t>Microsoft.Azure.Compute.Security</a:t>
+            </a:r>
+            <a:r>
+              <a:rPr lang="en-US" sz="1400" dirty="0"/>
+              <a:t>                     eastus2  /Subscriptions/f97da7d2-1dd0-42cd-93bc-57fb30549d66/Pr...</a:t>
+            </a:r>
+          </a:p>
+          <a:p>
+            <a:r>
+              <a:rPr lang="en-US" sz="1400" dirty="0" err="1"/>
+              <a:t>Microsoft.Azure.Diagnostics</a:t>
+            </a:r>
+            <a:r>
+              <a:rPr lang="en-US" sz="1400" dirty="0"/>
+              <a:t>                          eastus2  /Subscriptions/f97da7d2-1dd0-42cd-93bc-57fb30549d66/Pr...</a:t>
+            </a:r>
+          </a:p>
+          <a:p>
+            <a:r>
+              <a:rPr lang="en-US" sz="1400" dirty="0" err="1"/>
+              <a:t>Microsoft.Azure.Extensions</a:t>
+            </a:r>
+            <a:r>
+              <a:rPr lang="en-US" sz="1400" dirty="0"/>
+              <a:t>                           eastus2  /Subscriptions/f97da7d2-1dd0-42cd-93bc-57fb30549d66/Pr...</a:t>
+            </a:r>
+          </a:p>
+          <a:p>
+            <a:endParaRPr lang="en-US" sz="2000" dirty="0"/>
+          </a:p>
+        </p:txBody>
+      </p:sp>
+    </p:spTree>
+    <p:extLst>
+      <p:ext uri="{BB962C8B-B14F-4D97-AF65-F5344CB8AC3E}">
+        <p14:creationId xmlns:p14="http://schemas.microsoft.com/office/powerpoint/2010/main" val="4062176940"/>
+      </p:ext>
+    </p:extLst>
+  </p:cSld>
+  <p:clrMapOvr>
+    <a:masterClrMapping/>
+  </p:clrMapOvr>
+  <p:transition>
+    <p:fade/>
+  </p:transition>
+</p:sld>
+</file>
+
+<file path=ppt/slides/slide12.xml><?xml version="1.0" encoding="utf-8"?>
+<p:sld xmlns:a="http://schemas.openxmlformats.org/drawingml/2006/main" xmlns:r="http://schemas.openxmlformats.org/officeDocument/2006/relationships" xmlns:p="http://schemas.openxmlformats.org/presentationml/2006/main">
+  <p:cSld>
+    <p:spTree>
+      <p:nvGrpSpPr>
+        <p:cNvPr id="1" name=""/>
+        <p:cNvGrpSpPr/>
+        <p:nvPr/>
+      </p:nvGrpSpPr>
+      <p:grpSpPr>
+        <a:xfrm>
+          <a:off x="0" y="0"/>
+          <a:ext cx="0" cy="0"/>
+          <a:chOff x="0" y="0"/>
+          <a:chExt cx="0" cy="0"/>
+        </a:xfrm>
+      </p:grpSpPr>
+      <p:sp>
+        <p:nvSpPr>
+          <p:cNvPr id="5" name="Title 4"/>
+          <p:cNvSpPr>
+            <a:spLocks noGrp="1"/>
+          </p:cNvSpPr>
+          <p:nvPr>
+            <p:ph type="title"/>
+          </p:nvPr>
+        </p:nvSpPr>
+        <p:spPr/>
+        <p:txBody>
+          <a:bodyPr/>
+          <a:lstStyle/>
+          <a:p>
+            <a:r>
+              <a:rPr lang="en-US" dirty="0"/>
+              <a:t>Interacting (</a:t>
+            </a:r>
+            <a:r>
+              <a:rPr lang="en-US" dirty="0" err="1"/>
+              <a:t>Con’t</a:t>
+            </a:r>
+            <a:r>
+              <a:rPr lang="en-US" dirty="0"/>
+              <a:t>)</a:t>
+            </a:r>
+          </a:p>
+        </p:txBody>
+      </p:sp>
+      <p:sp>
+        <p:nvSpPr>
+          <p:cNvPr id="6" name="Text Placeholder 5"/>
+          <p:cNvSpPr>
+            <a:spLocks noGrp="1"/>
+          </p:cNvSpPr>
+          <p:nvPr>
+            <p:ph type="body" sz="quarter" idx="10"/>
+          </p:nvPr>
+        </p:nvSpPr>
+        <p:spPr/>
+        <p:txBody>
+          <a:bodyPr/>
+          <a:lstStyle/>
+          <a:p>
+            <a:r>
+              <a:rPr lang="en-US" sz="2000" dirty="0"/>
+              <a:t>PS C:\&gt; # Get the publisher offers</a:t>
+            </a:r>
+          </a:p>
+          <a:p>
+            <a:r>
+              <a:rPr lang="en-US" sz="2000" dirty="0"/>
+              <a:t>PS C:\&gt; Get-</a:t>
+            </a:r>
+            <a:r>
+              <a:rPr lang="en-US" sz="2000" dirty="0" err="1"/>
+              <a:t>AzureRmVMImageOffer</a:t>
+            </a:r>
+            <a:r>
+              <a:rPr lang="en-US" sz="2000" dirty="0"/>
+              <a:t> -Location $</a:t>
+            </a:r>
+            <a:r>
+              <a:rPr lang="en-US" sz="2000" dirty="0" err="1"/>
+              <a:t>loc</a:t>
+            </a:r>
+            <a:r>
+              <a:rPr lang="en-US" sz="2000" dirty="0"/>
+              <a:t> -</a:t>
+            </a:r>
+            <a:r>
+              <a:rPr lang="en-US" sz="2000" dirty="0" err="1"/>
+              <a:t>PublisherName</a:t>
+            </a:r>
+            <a:r>
+              <a:rPr lang="en-US" sz="2000" dirty="0"/>
+              <a:t> "</a:t>
+            </a:r>
+            <a:r>
+              <a:rPr lang="en-US" sz="2000" dirty="0" err="1"/>
+              <a:t>MicrosoftWindowsServer</a:t>
+            </a:r>
+            <a:r>
+              <a:rPr lang="en-US" sz="2000" dirty="0"/>
+              <a:t>“</a:t>
+            </a:r>
+          </a:p>
+          <a:p>
+            <a:endParaRPr lang="en-US" sz="2000" dirty="0"/>
+          </a:p>
+          <a:p>
+            <a:r>
+              <a:rPr lang="en-US" sz="1400" dirty="0"/>
+              <a:t>Offer             </a:t>
+            </a:r>
+            <a:r>
+              <a:rPr lang="en-US" sz="1400" dirty="0" err="1"/>
+              <a:t>PublisherName</a:t>
+            </a:r>
+            <a:r>
+              <a:rPr lang="en-US" sz="1400" dirty="0"/>
+              <a:t>          Location Id</a:t>
+            </a:r>
+          </a:p>
+          <a:p>
+            <a:r>
+              <a:rPr lang="en-US" sz="1400" dirty="0"/>
+              <a:t>-----             -------------          -------- --</a:t>
+            </a:r>
+          </a:p>
+          <a:p>
+            <a:r>
+              <a:rPr lang="en-US" sz="1400" dirty="0"/>
+              <a:t>Windows-HUB       </a:t>
+            </a:r>
+            <a:r>
+              <a:rPr lang="en-US" sz="1400" dirty="0" err="1"/>
+              <a:t>MicrosoftWindowsServer</a:t>
+            </a:r>
+            <a:r>
+              <a:rPr lang="en-US" sz="1400" dirty="0"/>
+              <a:t> eastus2  /Subscriptions/f97da7d2-1dd0-42cd-93bc-57fb30549d66/Providers/</a:t>
+            </a:r>
+            <a:r>
+              <a:rPr lang="en-US" sz="1400" dirty="0" err="1"/>
+              <a:t>Micr</a:t>
+            </a:r>
+            <a:r>
+              <a:rPr lang="en-US" sz="1400" dirty="0"/>
+              <a:t>...</a:t>
+            </a:r>
+          </a:p>
+          <a:p>
+            <a:r>
+              <a:rPr lang="en-US" sz="1400" dirty="0" err="1"/>
+              <a:t>WindowsServer</a:t>
+            </a:r>
+            <a:r>
+              <a:rPr lang="en-US" sz="1400" dirty="0"/>
+              <a:t>     </a:t>
+            </a:r>
+            <a:r>
+              <a:rPr lang="en-US" sz="1400" dirty="0" err="1"/>
+              <a:t>MicrosoftWindowsServer</a:t>
+            </a:r>
+            <a:r>
+              <a:rPr lang="en-US" sz="1400" dirty="0"/>
+              <a:t> eastus2  /Subscriptions/f97da7d2-1dd0-42cd-93bc-57fb30549d66/Providers/</a:t>
+            </a:r>
+            <a:r>
+              <a:rPr lang="en-US" sz="1400" dirty="0" err="1"/>
+              <a:t>Micr</a:t>
+            </a:r>
+            <a:r>
+              <a:rPr lang="en-US" sz="1400" dirty="0"/>
+              <a:t>...</a:t>
+            </a:r>
+          </a:p>
+          <a:p>
+            <a:r>
+              <a:rPr lang="en-US" sz="1400" dirty="0" err="1"/>
+              <a:t>WindowsServer</a:t>
+            </a:r>
+            <a:r>
+              <a:rPr lang="en-US" sz="1400" dirty="0"/>
+              <a:t>-HUB </a:t>
+            </a:r>
+            <a:r>
+              <a:rPr lang="en-US" sz="1400" dirty="0" err="1"/>
+              <a:t>MicrosoftWindowsServer</a:t>
+            </a:r>
+            <a:r>
+              <a:rPr lang="en-US" sz="1400" dirty="0"/>
+              <a:t> eastus2  /Subscriptions/f97da7d2-1dd0-42cd-93bc-57fb30549d66/Providers/</a:t>
+            </a:r>
+            <a:r>
+              <a:rPr lang="en-US" sz="1400" dirty="0" err="1"/>
+              <a:t>Micr</a:t>
+            </a:r>
+            <a:r>
+              <a:rPr lang="en-US" sz="1400" dirty="0"/>
+              <a:t>...</a:t>
+            </a:r>
+          </a:p>
+          <a:p>
+            <a:endParaRPr lang="en-US" sz="2000" dirty="0"/>
+          </a:p>
+        </p:txBody>
+      </p:sp>
+    </p:spTree>
+    <p:extLst>
+      <p:ext uri="{BB962C8B-B14F-4D97-AF65-F5344CB8AC3E}">
+        <p14:creationId xmlns:p14="http://schemas.microsoft.com/office/powerpoint/2010/main" val="3134630253"/>
+      </p:ext>
+    </p:extLst>
+  </p:cSld>
+  <p:clrMapOvr>
+    <a:masterClrMapping/>
+  </p:clrMapOvr>
+  <p:transition>
+    <p:fade/>
+  </p:transition>
+</p:sld>
+</file>
+
+<file path=ppt/slides/slide13.xml><?xml version="1.0" encoding="utf-8"?>
+<p:sld xmlns:a="http://schemas.openxmlformats.org/drawingml/2006/main" xmlns:r="http://schemas.openxmlformats.org/officeDocument/2006/relationships" xmlns:p="http://schemas.openxmlformats.org/presentationml/2006/main">
+  <p:cSld>
+    <p:spTree>
+      <p:nvGrpSpPr>
+        <p:cNvPr id="1" name=""/>
+        <p:cNvGrpSpPr/>
+        <p:nvPr/>
+      </p:nvGrpSpPr>
+      <p:grpSpPr>
+        <a:xfrm>
+          <a:off x="0" y="0"/>
+          <a:ext cx="0" cy="0"/>
+          <a:chOff x="0" y="0"/>
+          <a:chExt cx="0" cy="0"/>
+        </a:xfrm>
+      </p:grpSpPr>
+      <p:sp>
+        <p:nvSpPr>
+          <p:cNvPr id="5" name="Title 4"/>
+          <p:cNvSpPr>
+            <a:spLocks noGrp="1"/>
+          </p:cNvSpPr>
+          <p:nvPr>
+            <p:ph type="title"/>
+          </p:nvPr>
+        </p:nvSpPr>
+        <p:spPr/>
+        <p:txBody>
+          <a:bodyPr/>
+          <a:lstStyle/>
+          <a:p>
+            <a:r>
+              <a:rPr lang="en-US" dirty="0"/>
+              <a:t>Interacting (</a:t>
+            </a:r>
+            <a:r>
+              <a:rPr lang="en-US" dirty="0" err="1"/>
+              <a:t>Con’t</a:t>
+            </a:r>
+            <a:r>
+              <a:rPr lang="en-US" dirty="0"/>
+              <a:t>)</a:t>
+            </a:r>
+          </a:p>
+        </p:txBody>
+      </p:sp>
+      <p:sp>
+        <p:nvSpPr>
+          <p:cNvPr id="6" name="Text Placeholder 5"/>
+          <p:cNvSpPr>
+            <a:spLocks noGrp="1"/>
+          </p:cNvSpPr>
+          <p:nvPr>
+            <p:ph type="body" sz="quarter" idx="10"/>
+          </p:nvPr>
+        </p:nvSpPr>
+        <p:spPr/>
+        <p:txBody>
+          <a:bodyPr/>
+          <a:lstStyle/>
+          <a:p>
+            <a:r>
+              <a:rPr lang="en-US" sz="2000" dirty="0"/>
+              <a:t>PS C:\&gt; # view the SKUS for an offer </a:t>
+            </a:r>
+          </a:p>
+          <a:p>
+            <a:r>
+              <a:rPr lang="en-US" sz="2000" dirty="0"/>
+              <a:t>PS C:\&gt; Get-</a:t>
+            </a:r>
+            <a:r>
+              <a:rPr lang="en-US" sz="2000" dirty="0" err="1"/>
+              <a:t>AzureRmVMImageSku</a:t>
+            </a:r>
+            <a:r>
+              <a:rPr lang="en-US" sz="2000" dirty="0"/>
+              <a:t> -Location $</a:t>
+            </a:r>
+            <a:r>
+              <a:rPr lang="en-US" sz="2000" dirty="0" err="1"/>
+              <a:t>loc</a:t>
+            </a:r>
+            <a:r>
+              <a:rPr lang="en-US" sz="2000" dirty="0"/>
+              <a:t> -</a:t>
+            </a:r>
+            <a:r>
+              <a:rPr lang="en-US" sz="2000" dirty="0" err="1"/>
+              <a:t>PublisherName</a:t>
+            </a:r>
+            <a:r>
+              <a:rPr lang="en-US" sz="2000" dirty="0"/>
+              <a:t> "</a:t>
+            </a:r>
+            <a:r>
+              <a:rPr lang="en-US" sz="2000" dirty="0" err="1"/>
+              <a:t>MicrosoftWindowsServer</a:t>
+            </a:r>
+            <a:r>
+              <a:rPr lang="en-US" sz="2000" dirty="0"/>
+              <a:t>" -Offer "</a:t>
+            </a:r>
+            <a:r>
+              <a:rPr lang="en-US" sz="2000" dirty="0" err="1"/>
+              <a:t>WindowsServer</a:t>
+            </a:r>
+            <a:r>
+              <a:rPr lang="en-US" sz="2000" dirty="0"/>
+              <a:t>“</a:t>
+            </a:r>
+          </a:p>
+          <a:p>
+            <a:endParaRPr lang="en-US" sz="2000" dirty="0"/>
+          </a:p>
+          <a:p>
+            <a:r>
+              <a:rPr lang="en-US" sz="1400" dirty="0" err="1"/>
+              <a:t>Skus</a:t>
+            </a:r>
+            <a:r>
+              <a:rPr lang="en-US" sz="1400" dirty="0"/>
+              <a:t>                            Offer         </a:t>
+            </a:r>
+            <a:r>
+              <a:rPr lang="en-US" sz="1400" dirty="0" err="1"/>
+              <a:t>PublisherName</a:t>
+            </a:r>
+            <a:r>
+              <a:rPr lang="en-US" sz="1400" dirty="0"/>
+              <a:t>          Location Id</a:t>
+            </a:r>
+          </a:p>
+          <a:p>
+            <a:r>
+              <a:rPr lang="en-US" sz="1400" dirty="0"/>
+              <a:t>----                            -----         -------------          -------- --</a:t>
+            </a:r>
+          </a:p>
+          <a:p>
+            <a:r>
+              <a:rPr lang="en-US" sz="1400" dirty="0"/>
+              <a:t>2008-R2-SP1                     </a:t>
+            </a:r>
+            <a:r>
+              <a:rPr lang="en-US" sz="1400" dirty="0" err="1"/>
+              <a:t>WindowsServer</a:t>
+            </a:r>
+            <a:r>
+              <a:rPr lang="en-US" sz="1400" dirty="0"/>
+              <a:t> </a:t>
+            </a:r>
+            <a:r>
+              <a:rPr lang="en-US" sz="1400" dirty="0" err="1"/>
+              <a:t>MicrosoftWindowsServer</a:t>
+            </a:r>
+            <a:r>
+              <a:rPr lang="en-US" sz="1400" dirty="0"/>
+              <a:t> eastus2  /Subscriptions/f97da7d2-1dd0-42cd-93bc...</a:t>
+            </a:r>
+          </a:p>
+          <a:p>
+            <a:r>
+              <a:rPr lang="en-US" sz="1400" dirty="0"/>
+              <a:t>2008-R2-SP1-BYOL                </a:t>
+            </a:r>
+            <a:r>
+              <a:rPr lang="en-US" sz="1400" dirty="0" err="1"/>
+              <a:t>WindowsServer</a:t>
+            </a:r>
+            <a:r>
+              <a:rPr lang="en-US" sz="1400" dirty="0"/>
+              <a:t> </a:t>
+            </a:r>
+            <a:r>
+              <a:rPr lang="en-US" sz="1400" dirty="0" err="1"/>
+              <a:t>MicrosoftWindowsServer</a:t>
+            </a:r>
+            <a:r>
+              <a:rPr lang="en-US" sz="1400" dirty="0"/>
+              <a:t> eastus2  /Subscriptions/f97da7d2-1dd0-42cd-93bc...</a:t>
+            </a:r>
+          </a:p>
+          <a:p>
+            <a:r>
+              <a:rPr lang="en-US" sz="1400" dirty="0"/>
+              <a:t>2012-Datacenter                 </a:t>
+            </a:r>
+            <a:r>
+              <a:rPr lang="en-US" sz="1400" dirty="0" err="1"/>
+              <a:t>WindowsServer</a:t>
+            </a:r>
+            <a:r>
+              <a:rPr lang="en-US" sz="1400" dirty="0"/>
+              <a:t> </a:t>
+            </a:r>
+            <a:r>
+              <a:rPr lang="en-US" sz="1400" dirty="0" err="1"/>
+              <a:t>MicrosoftWindowsServer</a:t>
+            </a:r>
+            <a:r>
+              <a:rPr lang="en-US" sz="1400" dirty="0"/>
+              <a:t> eastus2  /Subscriptions/f97da7d2-1dd0-42cd-93bc...</a:t>
+            </a:r>
+          </a:p>
+          <a:p>
+            <a:r>
+              <a:rPr lang="en-US" sz="1400" dirty="0"/>
+              <a:t>2012-Datacenter-BYOL            </a:t>
+            </a:r>
+            <a:r>
+              <a:rPr lang="en-US" sz="1400" dirty="0" err="1"/>
+              <a:t>WindowsServer</a:t>
+            </a:r>
+            <a:r>
+              <a:rPr lang="en-US" sz="1400" dirty="0"/>
+              <a:t> </a:t>
+            </a:r>
+            <a:r>
+              <a:rPr lang="en-US" sz="1400" dirty="0" err="1"/>
+              <a:t>MicrosoftWindowsServer</a:t>
+            </a:r>
+            <a:r>
+              <a:rPr lang="en-US" sz="1400" dirty="0"/>
+              <a:t> eastus2  /Subscriptions/f97da7d2-1dd0-42cd-93bc...</a:t>
+            </a:r>
+          </a:p>
+          <a:p>
+            <a:r>
+              <a:rPr lang="en-US" sz="1400" dirty="0"/>
+              <a:t>2012-R2-Datacenter              </a:t>
+            </a:r>
+            <a:r>
+              <a:rPr lang="en-US" sz="1400" dirty="0" err="1"/>
+              <a:t>WindowsServer</a:t>
+            </a:r>
+            <a:r>
+              <a:rPr lang="en-US" sz="1400" dirty="0"/>
+              <a:t> </a:t>
+            </a:r>
+            <a:r>
+              <a:rPr lang="en-US" sz="1400" dirty="0" err="1"/>
+              <a:t>MicrosoftWindowsServer</a:t>
+            </a:r>
+            <a:r>
+              <a:rPr lang="en-US" sz="1400" dirty="0"/>
+              <a:t> eastus2  /Subscriptions/f97da7d2-1dd0-42cd-93bc...</a:t>
+            </a:r>
+          </a:p>
+          <a:p>
+            <a:r>
+              <a:rPr lang="en-US" sz="1400" dirty="0"/>
+              <a:t>2012-R2-Datacenter-BYOL         </a:t>
+            </a:r>
+            <a:r>
+              <a:rPr lang="en-US" sz="1400" dirty="0" err="1"/>
+              <a:t>WindowsServer</a:t>
+            </a:r>
+            <a:r>
+              <a:rPr lang="en-US" sz="1400" dirty="0"/>
+              <a:t> </a:t>
+            </a:r>
+            <a:r>
+              <a:rPr lang="en-US" sz="1400" dirty="0" err="1"/>
+              <a:t>MicrosoftWindowsServer</a:t>
+            </a:r>
+            <a:r>
+              <a:rPr lang="en-US" sz="1400" dirty="0"/>
+              <a:t> eastus2  /Subscriptions/f97da7d2-1dd0-42cd-93bc...</a:t>
+            </a:r>
+          </a:p>
+          <a:p>
+            <a:r>
+              <a:rPr lang="en-US" sz="1400" dirty="0"/>
+              <a:t>2016-Datacenter                 </a:t>
+            </a:r>
+            <a:r>
+              <a:rPr lang="en-US" sz="1400" dirty="0" err="1"/>
+              <a:t>WindowsServer</a:t>
+            </a:r>
+            <a:r>
+              <a:rPr lang="en-US" sz="1400" dirty="0"/>
+              <a:t> </a:t>
+            </a:r>
+            <a:r>
+              <a:rPr lang="en-US" sz="1400" dirty="0" err="1"/>
+              <a:t>MicrosoftWindowsServer</a:t>
+            </a:r>
+            <a:r>
+              <a:rPr lang="en-US" sz="1400" dirty="0"/>
+              <a:t> eastus2  /Subscriptions/f97da7d2-1dd0-42cd-93bc...</a:t>
+            </a:r>
+          </a:p>
+          <a:p>
+            <a:r>
+              <a:rPr lang="en-US" sz="1400" dirty="0"/>
+              <a:t>2016-Datacenter-Server-Core     </a:t>
+            </a:r>
+            <a:r>
+              <a:rPr lang="en-US" sz="1400" dirty="0" err="1"/>
+              <a:t>WindowsServer</a:t>
+            </a:r>
+            <a:r>
+              <a:rPr lang="en-US" sz="1400" dirty="0"/>
+              <a:t> </a:t>
+            </a:r>
+            <a:r>
+              <a:rPr lang="en-US" sz="1400" dirty="0" err="1"/>
+              <a:t>MicrosoftWindowsServer</a:t>
+            </a:r>
+            <a:r>
+              <a:rPr lang="en-US" sz="1400" dirty="0"/>
+              <a:t> eastus2  /Subscriptions/f97da7d2-1dd0-42cd-93bc...</a:t>
+            </a:r>
+          </a:p>
+          <a:p>
+            <a:r>
+              <a:rPr lang="en-US" sz="1400" dirty="0"/>
+              <a:t>2016-Datacenter-with-Containers </a:t>
+            </a:r>
+            <a:r>
+              <a:rPr lang="en-US" sz="1400" dirty="0" err="1"/>
+              <a:t>WindowsServer</a:t>
+            </a:r>
+            <a:r>
+              <a:rPr lang="en-US" sz="1400" dirty="0"/>
+              <a:t> </a:t>
+            </a:r>
+            <a:r>
+              <a:rPr lang="en-US" sz="1400" dirty="0" err="1"/>
+              <a:t>MicrosoftWindowsServer</a:t>
+            </a:r>
+            <a:r>
+              <a:rPr lang="en-US" sz="1400" dirty="0"/>
+              <a:t> eastus2  /Subscriptions/f97da7d2-1dd0-42cd-93bc...</a:t>
+            </a:r>
+          </a:p>
+          <a:p>
+            <a:r>
+              <a:rPr lang="en-US" sz="1400" dirty="0"/>
+              <a:t>2016-Nano-Server                </a:t>
+            </a:r>
+            <a:r>
+              <a:rPr lang="en-US" sz="1400" dirty="0" err="1"/>
+              <a:t>WindowsServer</a:t>
+            </a:r>
+            <a:r>
+              <a:rPr lang="en-US" sz="1400" dirty="0"/>
+              <a:t> </a:t>
+            </a:r>
+            <a:r>
+              <a:rPr lang="en-US" sz="1400" dirty="0" err="1"/>
+              <a:t>MicrosoftWindowsServer</a:t>
+            </a:r>
+            <a:r>
+              <a:rPr lang="en-US" sz="1400" dirty="0"/>
+              <a:t> eastus2  /Subscriptions/f97da7d2-1dd0-42cd-93bc...</a:t>
+            </a:r>
+          </a:p>
+          <a:p>
+            <a:endParaRPr lang="en-US" sz="2000" dirty="0"/>
+          </a:p>
+        </p:txBody>
+      </p:sp>
+    </p:spTree>
+    <p:extLst>
+      <p:ext uri="{BB962C8B-B14F-4D97-AF65-F5344CB8AC3E}">
+        <p14:creationId xmlns:p14="http://schemas.microsoft.com/office/powerpoint/2010/main" val="257167501"/>
+      </p:ext>
+    </p:extLst>
+  </p:cSld>
+  <p:clrMapOvr>
+    <a:masterClrMapping/>
+  </p:clrMapOvr>
+  <p:transition>
+    <p:fade/>
+  </p:transition>
+</p:sld>
+</file>
+
+<file path=ppt/slides/slide14.xml><?xml version="1.0" encoding="utf-8"?>
+<p:sld xmlns:a="http://schemas.openxmlformats.org/drawingml/2006/main" xmlns:r="http://schemas.openxmlformats.org/officeDocument/2006/relationships" xmlns:p="http://schemas.openxmlformats.org/presentationml/2006/main">
+  <p:cSld>
+    <p:spTree>
+      <p:nvGrpSpPr>
+        <p:cNvPr id="1" name=""/>
+        <p:cNvGrpSpPr/>
+        <p:nvPr/>
+      </p:nvGrpSpPr>
+      <p:grpSpPr>
+        <a:xfrm>
+          <a:off x="0" y="0"/>
+          <a:ext cx="0" cy="0"/>
+          <a:chOff x="0" y="0"/>
+          <a:chExt cx="0" cy="0"/>
+        </a:xfrm>
+      </p:grpSpPr>
+      <p:sp>
+        <p:nvSpPr>
+          <p:cNvPr id="5" name="Title 4"/>
+          <p:cNvSpPr>
+            <a:spLocks noGrp="1"/>
+          </p:cNvSpPr>
+          <p:nvPr>
+            <p:ph type="title"/>
+          </p:nvPr>
+        </p:nvSpPr>
+        <p:spPr/>
+        <p:txBody>
+          <a:bodyPr/>
+          <a:lstStyle/>
+          <a:p>
+            <a:r>
+              <a:rPr lang="en-US" dirty="0"/>
+              <a:t>Interacting (</a:t>
+            </a:r>
+            <a:r>
+              <a:rPr lang="en-US" dirty="0" err="1"/>
+              <a:t>Con’t</a:t>
+            </a:r>
+            <a:r>
+              <a:rPr lang="en-US" dirty="0"/>
+              <a:t>)</a:t>
+            </a:r>
+          </a:p>
+        </p:txBody>
+      </p:sp>
+      <p:sp>
+        <p:nvSpPr>
+          <p:cNvPr id="6" name="Text Placeholder 5"/>
+          <p:cNvSpPr>
+            <a:spLocks noGrp="1"/>
+          </p:cNvSpPr>
+          <p:nvPr>
+            <p:ph type="body" sz="quarter" idx="10"/>
+          </p:nvPr>
+        </p:nvSpPr>
+        <p:spPr/>
+        <p:txBody>
+          <a:bodyPr/>
+          <a:lstStyle/>
+          <a:p>
+            <a:r>
+              <a:rPr lang="en-US" sz="2000" dirty="0"/>
+              <a:t>PS C:\&gt; # pick an image </a:t>
+            </a:r>
+          </a:p>
+          <a:p>
+            <a:r>
+              <a:rPr lang="en-US" sz="2000" dirty="0"/>
+              <a:t>PS C:\&gt; Get-</a:t>
+            </a:r>
+            <a:r>
+              <a:rPr lang="en-US" sz="2000" dirty="0" err="1"/>
+              <a:t>AzureRmVMImage</a:t>
+            </a:r>
+            <a:r>
+              <a:rPr lang="en-US" sz="2000" dirty="0"/>
+              <a:t> -Location $</a:t>
+            </a:r>
+            <a:r>
+              <a:rPr lang="en-US" sz="2000" dirty="0" err="1"/>
+              <a:t>loc</a:t>
+            </a:r>
+            <a:r>
+              <a:rPr lang="en-US" sz="2000" dirty="0"/>
+              <a:t> -</a:t>
+            </a:r>
+            <a:r>
+              <a:rPr lang="en-US" sz="2000" dirty="0" err="1"/>
+              <a:t>PublisherName</a:t>
+            </a:r>
+            <a:r>
+              <a:rPr lang="en-US" sz="2000" dirty="0"/>
+              <a:t> "</a:t>
+            </a:r>
+            <a:r>
+              <a:rPr lang="en-US" sz="2000" dirty="0" err="1"/>
+              <a:t>MicrosoftWindowsServer</a:t>
+            </a:r>
+            <a:r>
+              <a:rPr lang="en-US" sz="2000" dirty="0"/>
+              <a:t>" -Offer "</a:t>
+            </a:r>
+            <a:r>
+              <a:rPr lang="en-US" sz="2000" dirty="0" err="1"/>
+              <a:t>WindowsServer</a:t>
+            </a:r>
+            <a:r>
+              <a:rPr lang="en-US" sz="2000" dirty="0"/>
+              <a:t>" -</a:t>
+            </a:r>
+            <a:r>
+              <a:rPr lang="en-US" sz="2000" dirty="0" err="1"/>
+              <a:t>Skus</a:t>
+            </a:r>
+            <a:r>
+              <a:rPr lang="en-US" sz="2000" dirty="0"/>
+              <a:t> "2012-R2-Datacenter"</a:t>
+            </a:r>
+          </a:p>
+          <a:p>
+            <a:endParaRPr lang="en-US" sz="2000" dirty="0"/>
+          </a:p>
+          <a:p>
+            <a:r>
+              <a:rPr lang="en-US" sz="1400" dirty="0"/>
+              <a:t>Version        </a:t>
+            </a:r>
+            <a:r>
+              <a:rPr lang="en-US" sz="1400" dirty="0" err="1"/>
+              <a:t>FilterExpression</a:t>
+            </a:r>
+            <a:r>
+              <a:rPr lang="en-US" sz="1400" dirty="0"/>
+              <a:t> </a:t>
+            </a:r>
+            <a:r>
+              <a:rPr lang="en-US" sz="1400" dirty="0" err="1"/>
+              <a:t>Skus</a:t>
+            </a:r>
+            <a:r>
+              <a:rPr lang="en-US" sz="1400" dirty="0"/>
+              <a:t>               Offer         </a:t>
+            </a:r>
+            <a:r>
+              <a:rPr lang="en-US" sz="1400" dirty="0" err="1"/>
+              <a:t>PublisherName</a:t>
+            </a:r>
+            <a:r>
+              <a:rPr lang="en-US" sz="1400" dirty="0"/>
+              <a:t>          Location Id</a:t>
+            </a:r>
+          </a:p>
+          <a:p>
+            <a:r>
+              <a:rPr lang="en-US" sz="1400" dirty="0"/>
+              <a:t>-------        ---------------- ----               -----         -------------          -------- --</a:t>
+            </a:r>
+          </a:p>
+          <a:p>
+            <a:r>
+              <a:rPr lang="en-US" sz="1400" dirty="0"/>
+              <a:t>4.0.20160617                    2012-R2-Datacenter </a:t>
+            </a:r>
+            <a:r>
+              <a:rPr lang="en-US" sz="1400" dirty="0" err="1"/>
+              <a:t>WindowsServer</a:t>
+            </a:r>
+            <a:r>
+              <a:rPr lang="en-US" sz="1400" dirty="0"/>
+              <a:t> </a:t>
+            </a:r>
+            <a:r>
+              <a:rPr lang="en-US" sz="1400" dirty="0" err="1"/>
+              <a:t>MicrosoftWindowsServer</a:t>
+            </a:r>
+            <a:r>
+              <a:rPr lang="en-US" sz="1400" dirty="0"/>
+              <a:t> eastus2  /Subscriptions/f97d...</a:t>
+            </a:r>
+          </a:p>
+          <a:p>
+            <a:r>
+              <a:rPr lang="en-US" sz="1400" dirty="0"/>
+              <a:t>4.0.20160721                    2012-R2-Datacenter </a:t>
+            </a:r>
+            <a:r>
+              <a:rPr lang="en-US" sz="1400" dirty="0" err="1"/>
+              <a:t>WindowsServer</a:t>
+            </a:r>
+            <a:r>
+              <a:rPr lang="en-US" sz="1400" dirty="0"/>
+              <a:t> </a:t>
+            </a:r>
+            <a:r>
+              <a:rPr lang="en-US" sz="1400" dirty="0" err="1"/>
+              <a:t>MicrosoftWindowsServer</a:t>
+            </a:r>
+            <a:r>
+              <a:rPr lang="en-US" sz="1400" dirty="0"/>
+              <a:t> eastus2  /Subscriptions/f97d...</a:t>
+            </a:r>
+          </a:p>
+          <a:p>
+            <a:r>
+              <a:rPr lang="en-US" sz="1400" dirty="0"/>
+              <a:t>4.0.20160812                    2012-R2-Datacenter </a:t>
+            </a:r>
+            <a:r>
+              <a:rPr lang="en-US" sz="1400" dirty="0" err="1"/>
+              <a:t>WindowsServer</a:t>
+            </a:r>
+            <a:r>
+              <a:rPr lang="en-US" sz="1400" dirty="0"/>
+              <a:t> </a:t>
+            </a:r>
+            <a:r>
+              <a:rPr lang="en-US" sz="1400" dirty="0" err="1"/>
+              <a:t>MicrosoftWindowsServer</a:t>
+            </a:r>
+            <a:r>
+              <a:rPr lang="en-US" sz="1400" dirty="0"/>
+              <a:t> eastus2  /Subscriptions/f97d...</a:t>
+            </a:r>
+          </a:p>
+          <a:p>
+            <a:r>
+              <a:rPr lang="en-US" sz="1400" dirty="0"/>
+              <a:t>4.0.20160915                    2012-R2-Datacenter </a:t>
+            </a:r>
+            <a:r>
+              <a:rPr lang="en-US" sz="1400" dirty="0" err="1"/>
+              <a:t>WindowsServer</a:t>
+            </a:r>
+            <a:r>
+              <a:rPr lang="en-US" sz="1400" dirty="0"/>
+              <a:t> </a:t>
+            </a:r>
+            <a:r>
+              <a:rPr lang="en-US" sz="1400" dirty="0" err="1"/>
+              <a:t>MicrosoftWindowsServer</a:t>
+            </a:r>
+            <a:r>
+              <a:rPr lang="en-US" sz="1400" dirty="0"/>
+              <a:t> eastus2  /Subscriptions/f97d...</a:t>
+            </a:r>
+          </a:p>
+          <a:p>
+            <a:r>
+              <a:rPr lang="en-US" sz="1400" dirty="0"/>
+              <a:t>4.0.20161012                    2012-R2-Datacenter </a:t>
+            </a:r>
+            <a:r>
+              <a:rPr lang="en-US" sz="1400" dirty="0" err="1"/>
+              <a:t>WindowsServer</a:t>
+            </a:r>
+            <a:r>
+              <a:rPr lang="en-US" sz="1400" dirty="0"/>
+              <a:t> </a:t>
+            </a:r>
+            <a:r>
+              <a:rPr lang="en-US" sz="1400" dirty="0" err="1"/>
+              <a:t>MicrosoftWindowsServer</a:t>
+            </a:r>
+            <a:r>
+              <a:rPr lang="en-US" sz="1400" dirty="0"/>
+              <a:t> eastus2  /Subscriptions/f97d...</a:t>
+            </a:r>
+          </a:p>
+          <a:p>
+            <a:r>
+              <a:rPr lang="en-US" sz="1400" dirty="0"/>
+              <a:t>4.0.20161109                    2012-R2-Datacenter </a:t>
+            </a:r>
+            <a:r>
+              <a:rPr lang="en-US" sz="1400" dirty="0" err="1"/>
+              <a:t>WindowsServer</a:t>
+            </a:r>
+            <a:r>
+              <a:rPr lang="en-US" sz="1400" dirty="0"/>
+              <a:t> </a:t>
+            </a:r>
+            <a:r>
+              <a:rPr lang="en-US" sz="1400" dirty="0" err="1"/>
+              <a:t>MicrosoftWindowsServer</a:t>
+            </a:r>
+            <a:r>
+              <a:rPr lang="en-US" sz="1400" dirty="0"/>
+              <a:t> eastus2  /Subscriptions/f97d...</a:t>
+            </a:r>
+          </a:p>
+          <a:p>
+            <a:r>
+              <a:rPr lang="en-US" sz="1400" dirty="0"/>
+              <a:t>4.0.20161214                    2012-R2-Datacenter </a:t>
+            </a:r>
+            <a:r>
+              <a:rPr lang="en-US" sz="1400" dirty="0" err="1"/>
+              <a:t>WindowsServer</a:t>
+            </a:r>
+            <a:r>
+              <a:rPr lang="en-US" sz="1400" dirty="0"/>
+              <a:t> </a:t>
+            </a:r>
+            <a:r>
+              <a:rPr lang="en-US" sz="1400" dirty="0" err="1"/>
+              <a:t>MicrosoftWindowsServer</a:t>
+            </a:r>
+            <a:r>
+              <a:rPr lang="en-US" sz="1400" dirty="0"/>
+              <a:t> eastus2  /Subscriptions/f97d...</a:t>
+            </a:r>
+          </a:p>
+          <a:p>
+            <a:r>
+              <a:rPr lang="en-US" sz="1400" dirty="0"/>
+              <a:t>4.0.20170111                    2012-R2-Datacenter </a:t>
+            </a:r>
+            <a:r>
+              <a:rPr lang="en-US" sz="1400" dirty="0" err="1"/>
+              <a:t>WindowsServer</a:t>
+            </a:r>
+            <a:r>
+              <a:rPr lang="en-US" sz="1400" dirty="0"/>
+              <a:t> </a:t>
+            </a:r>
+            <a:r>
+              <a:rPr lang="en-US" sz="1400" dirty="0" err="1"/>
+              <a:t>MicrosoftWindowsServer</a:t>
+            </a:r>
+            <a:r>
+              <a:rPr lang="en-US" sz="1400" dirty="0"/>
+              <a:t> eastus2  /Subscriptions/f97d...</a:t>
+            </a:r>
+          </a:p>
+          <a:p>
+            <a:r>
+              <a:rPr lang="en-US" sz="1400" dirty="0"/>
+              <a:t>4.127.20170406                  2012-R2-Datacenter </a:t>
+            </a:r>
+            <a:r>
+              <a:rPr lang="en-US" sz="1400" dirty="0" err="1"/>
+              <a:t>WindowsServer</a:t>
+            </a:r>
+            <a:r>
+              <a:rPr lang="en-US" sz="1400" dirty="0"/>
+              <a:t> </a:t>
+            </a:r>
+            <a:r>
+              <a:rPr lang="en-US" sz="1400" dirty="0" err="1"/>
+              <a:t>MicrosoftWindowsServer</a:t>
+            </a:r>
+            <a:r>
+              <a:rPr lang="en-US" sz="1400" dirty="0"/>
+              <a:t> eastus2  /Subscriptions/f97d...</a:t>
+            </a:r>
+          </a:p>
+          <a:p>
+            <a:endParaRPr lang="en-US" sz="2000" dirty="0"/>
+          </a:p>
+        </p:txBody>
+      </p:sp>
+    </p:spTree>
+    <p:extLst>
+      <p:ext uri="{BB962C8B-B14F-4D97-AF65-F5344CB8AC3E}">
+        <p14:creationId xmlns:p14="http://schemas.microsoft.com/office/powerpoint/2010/main" val="3593816951"/>
+      </p:ext>
+    </p:extLst>
+  </p:cSld>
+  <p:clrMapOvr>
+    <a:masterClrMapping/>
+  </p:clrMapOvr>
+  <p:transition>
+    <p:fade/>
+  </p:transition>
+</p:sld>
+</file>
+
+<file path=ppt/slides/slide15.xml><?xml version="1.0" encoding="utf-8"?>
+<p:sld xmlns:a="http://schemas.openxmlformats.org/drawingml/2006/main" xmlns:r="http://schemas.openxmlformats.org/officeDocument/2006/relationships" xmlns:p="http://schemas.openxmlformats.org/presentationml/2006/main">
+  <p:cSld>
+    <p:spTree>
+      <p:nvGrpSpPr>
+        <p:cNvPr id="1" name=""/>
+        <p:cNvGrpSpPr/>
+        <p:nvPr/>
+      </p:nvGrpSpPr>
+      <p:grpSpPr>
+        <a:xfrm>
+          <a:off x="0" y="0"/>
+          <a:ext cx="0" cy="0"/>
+          <a:chOff x="0" y="0"/>
+          <a:chExt cx="0" cy="0"/>
+        </a:xfrm>
+      </p:grpSpPr>
+      <p:sp>
+        <p:nvSpPr>
+          <p:cNvPr id="4" name="Title 3"/>
+          <p:cNvSpPr>
+            <a:spLocks noGrp="1"/>
+          </p:cNvSpPr>
+          <p:nvPr>
+            <p:ph type="title"/>
+          </p:nvPr>
+        </p:nvSpPr>
+        <p:spPr/>
+        <p:txBody>
+          <a:bodyPr/>
+          <a:lstStyle/>
+          <a:p>
+            <a:r>
+              <a:rPr lang="en-US" dirty="0"/>
+              <a:t>Demo</a:t>
+            </a:r>
+            <a:br>
+              <a:rPr lang="en-US" dirty="0"/>
+            </a:br>
+            <a:r>
+              <a:rPr lang="en-US" sz="4400" dirty="0"/>
+              <a:t>Create a VM with PowerShell</a:t>
+            </a:r>
+            <a:endParaRPr lang="en-US" dirty="0"/>
+          </a:p>
+        </p:txBody>
+      </p:sp>
+    </p:spTree>
+    <p:extLst>
+      <p:ext uri="{BB962C8B-B14F-4D97-AF65-F5344CB8AC3E}">
+        <p14:creationId xmlns:p14="http://schemas.microsoft.com/office/powerpoint/2010/main" val="335615928"/>
+      </p:ext>
+    </p:extLst>
+  </p:cSld>
+  <p:clrMapOvr>
+    <a:masterClrMapping/>
+  </p:clrMapOvr>
+  <mc:AlternateContent xmlns:mc="http://schemas.openxmlformats.org/markup-compatibility/2006" xmlns:p14="http://schemas.microsoft.com/office/powerpoint/2010/main">
+    <mc:Choice Requires="p14">
+      <p:transition spd="slow" p14:dur="3400">
+        <p14:reveal/>
+      </p:transition>
+    </mc:Choice>
+    <mc:Fallback xmlns="">
+      <p:transition spd="slow">
+        <p:fade/>
+      </p:transition>
+    </mc:Fallback>
+  </mc:AlternateContent>
+</p:sld>
+</file>
+
+<file path=ppt/slides/slide16.xml><?xml version="1.0" encoding="utf-8"?>
+<p:sld xmlns:a="http://schemas.openxmlformats.org/drawingml/2006/main" xmlns:r="http://schemas.openxmlformats.org/officeDocument/2006/relationships" xmlns:p="http://schemas.openxmlformats.org/presentationml/2006/main">
+  <p:cSld>
+    <p:spTree>
+      <p:nvGrpSpPr>
+        <p:cNvPr id="1" name=""/>
+        <p:cNvGrpSpPr/>
+        <p:nvPr/>
+      </p:nvGrpSpPr>
+      <p:grpSpPr>
+        <a:xfrm>
+          <a:off x="0" y="0"/>
+          <a:ext cx="0" cy="0"/>
+          <a:chOff x="0" y="0"/>
+          <a:chExt cx="0" cy="0"/>
+        </a:xfrm>
+      </p:grpSpPr>
+      <p:sp>
+        <p:nvSpPr>
+          <p:cNvPr id="2" name="Title 1"/>
+          <p:cNvSpPr>
+            <a:spLocks noGrp="1"/>
+          </p:cNvSpPr>
+          <p:nvPr>
+            <p:ph type="title"/>
+          </p:nvPr>
+        </p:nvSpPr>
+        <p:spPr/>
+        <p:txBody>
+          <a:bodyPr/>
+          <a:lstStyle/>
+          <a:p>
+            <a:r>
+              <a:rPr lang="en-US" dirty="0"/>
+              <a:t>Azure CLI</a:t>
+            </a:r>
+          </a:p>
+        </p:txBody>
+      </p:sp>
+      <p:sp>
+        <p:nvSpPr>
+          <p:cNvPr id="3" name="Text Placeholder 2"/>
+          <p:cNvSpPr>
+            <a:spLocks noGrp="1"/>
+          </p:cNvSpPr>
+          <p:nvPr>
+            <p:ph type="body" sz="quarter" idx="10"/>
+          </p:nvPr>
+        </p:nvSpPr>
+        <p:spPr>
+          <a:xfrm>
+            <a:off x="269241" y="1189176"/>
+            <a:ext cx="5378548" cy="5533823"/>
+          </a:xfrm>
+        </p:spPr>
+        <p:txBody>
+          <a:bodyPr/>
+          <a:lstStyle/>
+          <a:p>
+            <a:r>
+              <a:rPr lang="en-US" sz="2800" dirty="0"/>
+              <a:t>The Azure CLI 2.0 is Azure's command line experience for managing </a:t>
+            </a:r>
+            <a:r>
+              <a:rPr lang="en-US" sz="2800" dirty="0">
+                <a:solidFill>
+                  <a:srgbClr val="7030A0"/>
+                </a:solidFill>
+              </a:rPr>
+              <a:t>Azure resources. It can be used on </a:t>
+            </a:r>
+            <a:r>
+              <a:rPr lang="en-US" sz="2800" dirty="0" err="1">
+                <a:solidFill>
+                  <a:srgbClr val="7030A0"/>
+                </a:solidFill>
+              </a:rPr>
+              <a:t>macOS</a:t>
+            </a:r>
+            <a:r>
+              <a:rPr lang="en-US" sz="2800" dirty="0">
+                <a:solidFill>
+                  <a:srgbClr val="7030A0"/>
+                </a:solidFill>
+              </a:rPr>
+              <a:t>, Linux, and Windows.</a:t>
+            </a:r>
+          </a:p>
+          <a:p>
+            <a:endParaRPr lang="en-US" sz="2800" dirty="0"/>
+          </a:p>
+          <a:p>
+            <a:r>
+              <a:rPr lang="en-US" sz="2800" dirty="0"/>
+              <a:t>Azure CLI 2.0 is optimized for managing and administering Azure resources from the command line, and for building automation scripts that work against the Azure Resource Manager. </a:t>
+            </a:r>
+          </a:p>
+        </p:txBody>
+      </p:sp>
       <p:pic>
         <p:nvPicPr>
-          <p:cNvPr id="5" name="Picture 4"/>
+          <p:cNvPr id="5122" name="Picture 2" descr="Image result for azure cli logo"/>
+          <p:cNvPicPr>
+            <a:picLocks noChangeAspect="1" noChangeArrowheads="1"/>
+          </p:cNvPicPr>
+          <p:nvPr/>
+        </p:nvPicPr>
+        <p:blipFill>
+          <a:blip r:embed="rId3">
+            <a:extLst>
+              <a:ext uri="{28A0092B-C50C-407E-A947-70E740481C1C}">
+                <a14:useLocalDpi xmlns:a14="http://schemas.microsoft.com/office/drawing/2010/main" val="0"/>
+              </a:ext>
+            </a:extLst>
+          </a:blip>
+          <a:srcRect/>
+          <a:stretch>
+            <a:fillRect/>
+          </a:stretch>
+        </p:blipFill>
+        <p:spPr bwMode="auto">
+          <a:xfrm>
+            <a:off x="5998463" y="1148735"/>
+            <a:ext cx="6250245" cy="5709265"/>
+          </a:xfrm>
+          <a:prstGeom prst="rect">
+            <a:avLst/>
+          </a:prstGeom>
+          <a:noFill/>
+          <a:extLst>
+            <a:ext uri="{909E8E84-426E-40DD-AFC4-6F175D3DCCD1}">
+              <a14:hiddenFill xmlns:a14="http://schemas.microsoft.com/office/drawing/2010/main">
+                <a:solidFill>
+                  <a:srgbClr val="FFFFFF"/>
+                </a:solidFill>
+              </a14:hiddenFill>
+            </a:ext>
+          </a:extLst>
+        </p:spPr>
+      </p:pic>
+    </p:spTree>
+    <p:extLst>
+      <p:ext uri="{BB962C8B-B14F-4D97-AF65-F5344CB8AC3E}">
+        <p14:creationId xmlns:p14="http://schemas.microsoft.com/office/powerpoint/2010/main" val="3577554368"/>
+      </p:ext>
+    </p:extLst>
+  </p:cSld>
+  <p:clrMapOvr>
+    <a:masterClrMapping/>
+  </p:clrMapOvr>
+  <p:transition>
+    <p:fade/>
+  </p:transition>
+</p:sld>
+</file>
+
+<file path=ppt/slides/slide17.xml><?xml version="1.0" encoding="utf-8"?>
+<p:sld xmlns:a="http://schemas.openxmlformats.org/drawingml/2006/main" xmlns:r="http://schemas.openxmlformats.org/officeDocument/2006/relationships" xmlns:p="http://schemas.openxmlformats.org/presentationml/2006/main">
+  <p:cSld>
+    <p:spTree>
+      <p:nvGrpSpPr>
+        <p:cNvPr id="1" name=""/>
+        <p:cNvGrpSpPr/>
+        <p:nvPr/>
+      </p:nvGrpSpPr>
+      <p:grpSpPr>
+        <a:xfrm>
+          <a:off x="0" y="0"/>
+          <a:ext cx="0" cy="0"/>
+          <a:chOff x="0" y="0"/>
+          <a:chExt cx="0" cy="0"/>
+        </a:xfrm>
+      </p:grpSpPr>
+      <p:sp>
+        <p:nvSpPr>
+          <p:cNvPr id="5" name="Title 4"/>
+          <p:cNvSpPr>
+            <a:spLocks noGrp="1"/>
+          </p:cNvSpPr>
+          <p:nvPr>
+            <p:ph type="title"/>
+          </p:nvPr>
+        </p:nvSpPr>
+        <p:spPr/>
+        <p:txBody>
+          <a:bodyPr/>
+          <a:lstStyle/>
+          <a:p>
+            <a:r>
+              <a:rPr lang="en-US" dirty="0"/>
+              <a:t>Windows Installation</a:t>
+            </a:r>
+          </a:p>
+        </p:txBody>
+      </p:sp>
+      <p:sp>
+        <p:nvSpPr>
+          <p:cNvPr id="6" name="Text Placeholder 5"/>
+          <p:cNvSpPr>
+            <a:spLocks noGrp="1"/>
+          </p:cNvSpPr>
+          <p:nvPr>
+            <p:ph type="body" sz="quarter" idx="10"/>
+          </p:nvPr>
+        </p:nvSpPr>
+        <p:spPr>
+          <a:xfrm>
+            <a:off x="518453" y="1447801"/>
+            <a:ext cx="4222223" cy="1988237"/>
+          </a:xfrm>
+        </p:spPr>
+        <p:txBody>
+          <a:bodyPr/>
+          <a:lstStyle/>
+          <a:p>
+            <a:r>
+              <a:rPr lang="en-US" sz="2800" dirty="0">
+                <a:solidFill>
+                  <a:srgbClr val="7030A0"/>
+                </a:solidFill>
+                <a:latin typeface="+mj-lt"/>
+              </a:rPr>
+              <a:t>Visit the Python site and </a:t>
+            </a:r>
+            <a:r>
+              <a:rPr lang="en-US" sz="2800" dirty="0">
+                <a:solidFill>
+                  <a:srgbClr val="7030A0"/>
+                </a:solidFill>
+                <a:latin typeface="+mj-lt"/>
+                <a:hlinkClick r:id="rId2"/>
+              </a:rPr>
+              <a:t>download Python</a:t>
+            </a:r>
+            <a:r>
+              <a:rPr lang="en-US" sz="2800" dirty="0">
+                <a:solidFill>
+                  <a:srgbClr val="7030A0"/>
+                </a:solidFill>
+                <a:latin typeface="+mj-lt"/>
+              </a:rPr>
+              <a:t> for Windows. </a:t>
+            </a:r>
+          </a:p>
+          <a:p>
+            <a:r>
+              <a:rPr lang="en-US" sz="2800" dirty="0">
+                <a:solidFill>
+                  <a:srgbClr val="7030A0"/>
+                </a:solidFill>
+                <a:latin typeface="+mj-lt"/>
+              </a:rPr>
+              <a:t>Be sure to install the Pip component when you install Python. After the install completes, add Python to your PATH environment variable (the installer will prompt you).</a:t>
+            </a:r>
+          </a:p>
+          <a:p>
+            <a:endParaRPr lang="en-US" sz="2400" dirty="0">
+              <a:latin typeface="+mj-lt"/>
+            </a:endParaRPr>
+          </a:p>
+          <a:p>
+            <a:endParaRPr lang="en-US" sz="2400" dirty="0">
+              <a:latin typeface="+mj-lt"/>
+            </a:endParaRPr>
+          </a:p>
+        </p:txBody>
+      </p:sp>
+      <p:pic>
+        <p:nvPicPr>
+          <p:cNvPr id="2" name="Picture 1"/>
           <p:cNvPicPr>
             <a:picLocks noChangeAspect="1"/>
           </p:cNvPicPr>
           <p:nvPr/>
         </p:nvPicPr>
         <p:blipFill>
-          <a:blip r:embed="rId2">
-            <a:extLst>
-              <a:ext uri="{28A0092B-C50C-407E-A947-70E740481C1C}">
-                <a14:useLocalDpi xmlns:a14="http://schemas.microsoft.com/office/drawing/2010/main" val="0"/>
-              </a:ext>
-            </a:extLst>
-          </a:blip>
+          <a:blip r:embed="rId3"/>
           <a:stretch>
             <a:fillRect/>
           </a:stretch>
         </p:blipFill>
         <p:spPr>
           <a:xfrm>
-            <a:off x="2844059" y="177059"/>
-            <a:ext cx="6503882" cy="6503882"/>
+            <a:off x="5030271" y="1628979"/>
+            <a:ext cx="6640894" cy="4088239"/>
           </a:xfrm>
           <a:prstGeom prst="rect">
             <a:avLst/>
           </a:prstGeom>
         </p:spPr>
       </p:pic>
+    </p:spTree>
+    <p:extLst>
+      <p:ext uri="{BB962C8B-B14F-4D97-AF65-F5344CB8AC3E}">
+        <p14:creationId xmlns:p14="http://schemas.microsoft.com/office/powerpoint/2010/main" val="2785585995"/>
+      </p:ext>
+    </p:extLst>
+  </p:cSld>
+  <p:clrMapOvr>
+    <a:masterClrMapping/>
+  </p:clrMapOvr>
+  <p:transition>
+    <p:fade/>
+  </p:transition>
+</p:sld>
+</file>
+
+<file path=ppt/slides/slide18.xml><?xml version="1.0" encoding="utf-8"?>
+<p:sld xmlns:a="http://schemas.openxmlformats.org/drawingml/2006/main" xmlns:r="http://schemas.openxmlformats.org/officeDocument/2006/relationships" xmlns:p="http://schemas.openxmlformats.org/presentationml/2006/main">
+  <p:cSld>
+    <p:spTree>
+      <p:nvGrpSpPr>
+        <p:cNvPr id="1" name=""/>
+        <p:cNvGrpSpPr/>
+        <p:nvPr/>
+      </p:nvGrpSpPr>
+      <p:grpSpPr>
+        <a:xfrm>
+          <a:off x="0" y="0"/>
+          <a:ext cx="0" cy="0"/>
+          <a:chOff x="0" y="0"/>
+          <a:chExt cx="0" cy="0"/>
+        </a:xfrm>
+      </p:grpSpPr>
       <p:sp>
         <p:nvSpPr>
-          <p:cNvPr id="6" name="TextBox 5"/>
-          <p:cNvSpPr txBox="1"/>
+          <p:cNvPr id="5" name="Title 4"/>
+          <p:cNvSpPr>
+            <a:spLocks noGrp="1"/>
+          </p:cNvSpPr>
+          <p:nvPr>
+            <p:ph type="title"/>
+          </p:nvPr>
+        </p:nvSpPr>
+        <p:spPr/>
+        <p:txBody>
+          <a:bodyPr/>
+          <a:lstStyle/>
+          <a:p>
+            <a:r>
+              <a:rPr lang="en-US" dirty="0"/>
+              <a:t>Windows Installation (</a:t>
+            </a:r>
+            <a:r>
+              <a:rPr lang="en-US" dirty="0" err="1"/>
+              <a:t>Con’t</a:t>
+            </a:r>
+            <a:r>
+              <a:rPr lang="en-US" dirty="0"/>
+              <a:t>)</a:t>
+            </a:r>
+          </a:p>
+        </p:txBody>
+      </p:sp>
+      <p:sp>
+        <p:nvSpPr>
+          <p:cNvPr id="6" name="Text Placeholder 5"/>
+          <p:cNvSpPr>
+            <a:spLocks noGrp="1"/>
+          </p:cNvSpPr>
+          <p:nvPr>
+            <p:ph type="body" sz="quarter" idx="10"/>
+          </p:nvPr>
+        </p:nvSpPr>
+        <p:spPr/>
+        <p:txBody>
+          <a:bodyPr/>
+          <a:lstStyle/>
+          <a:p>
+            <a:r>
+              <a:rPr lang="en-US" sz="2000" dirty="0"/>
+              <a:t>C:\&gt; REM Check the version</a:t>
+            </a:r>
+          </a:p>
+          <a:p>
+            <a:r>
+              <a:rPr lang="en-US" sz="2000" dirty="0"/>
+              <a:t>C:\&gt; python –version</a:t>
+            </a:r>
+          </a:p>
+          <a:p>
+            <a:endParaRPr lang="en-US" sz="2000" dirty="0"/>
+          </a:p>
+          <a:p>
+            <a:r>
+              <a:rPr lang="en-US" sz="2000" dirty="0"/>
+              <a:t>Python 3.6.1</a:t>
+            </a:r>
+          </a:p>
+          <a:p>
+            <a:endParaRPr lang="en-US" sz="2000" dirty="0"/>
+          </a:p>
+          <a:p>
+            <a:r>
+              <a:rPr lang="en-US" sz="2000" dirty="0"/>
+              <a:t>C:\&gt; pip install –user azure-cli</a:t>
+            </a:r>
+          </a:p>
+          <a:p>
+            <a:endParaRPr lang="en-US" sz="2000" dirty="0"/>
+          </a:p>
+          <a:p>
+            <a:r>
+              <a:rPr lang="en-US" sz="2400" dirty="0">
+                <a:solidFill>
+                  <a:srgbClr val="7030A0"/>
+                </a:solidFill>
+                <a:latin typeface="+mj-lt"/>
+              </a:rPr>
+              <a:t>* The CLI </a:t>
+            </a:r>
+            <a:r>
+              <a:rPr lang="en-US" sz="2400" b="1" dirty="0">
+                <a:solidFill>
+                  <a:srgbClr val="7030A0"/>
+                </a:solidFill>
+                <a:latin typeface="+mj-lt"/>
+              </a:rPr>
+              <a:t>az.bat</a:t>
+            </a:r>
+            <a:r>
+              <a:rPr lang="en-US" sz="2400" dirty="0">
+                <a:solidFill>
+                  <a:srgbClr val="7030A0"/>
+                </a:solidFill>
+                <a:latin typeface="+mj-lt"/>
+              </a:rPr>
+              <a:t> may be installed in %USERPROFILE%\</a:t>
+            </a:r>
+            <a:r>
+              <a:rPr lang="en-US" sz="2400" dirty="0" err="1">
+                <a:solidFill>
+                  <a:srgbClr val="7030A0"/>
+                </a:solidFill>
+                <a:latin typeface="+mj-lt"/>
+              </a:rPr>
+              <a:t>AppData</a:t>
+            </a:r>
+            <a:r>
+              <a:rPr lang="en-US" sz="2400" dirty="0">
+                <a:solidFill>
+                  <a:srgbClr val="7030A0"/>
+                </a:solidFill>
+                <a:latin typeface="+mj-lt"/>
+              </a:rPr>
+              <a:t>\Roaming\Python\Scripts or %USERPROFILE%\</a:t>
+            </a:r>
+            <a:r>
+              <a:rPr lang="en-US" sz="2400" dirty="0" err="1">
+                <a:solidFill>
+                  <a:srgbClr val="7030A0"/>
+                </a:solidFill>
+                <a:latin typeface="+mj-lt"/>
+              </a:rPr>
+              <a:t>AppData</a:t>
+            </a:r>
+            <a:r>
+              <a:rPr lang="en-US" sz="2400" dirty="0">
+                <a:solidFill>
+                  <a:srgbClr val="7030A0"/>
+                </a:solidFill>
+                <a:latin typeface="+mj-lt"/>
+              </a:rPr>
+              <a:t>\Roaming\Python\</a:t>
+            </a:r>
+            <a:r>
+              <a:rPr lang="en-US" sz="2400" dirty="0" err="1">
+                <a:solidFill>
+                  <a:srgbClr val="7030A0"/>
+                </a:solidFill>
+                <a:latin typeface="+mj-lt"/>
+              </a:rPr>
+              <a:t>PythonXY</a:t>
+            </a:r>
+            <a:r>
+              <a:rPr lang="en-US" sz="2400" dirty="0">
+                <a:solidFill>
+                  <a:srgbClr val="7030A0"/>
+                </a:solidFill>
+                <a:latin typeface="+mj-lt"/>
+              </a:rPr>
+              <a:t>\Scripts where XY is your Python version (for example, %USERPROFILE%\</a:t>
+            </a:r>
+            <a:r>
+              <a:rPr lang="en-US" sz="2400" dirty="0" err="1">
+                <a:solidFill>
+                  <a:srgbClr val="7030A0"/>
+                </a:solidFill>
+                <a:latin typeface="+mj-lt"/>
+              </a:rPr>
+              <a:t>AppData</a:t>
+            </a:r>
+            <a:r>
+              <a:rPr lang="en-US" sz="2400" dirty="0">
+                <a:solidFill>
+                  <a:srgbClr val="7030A0"/>
+                </a:solidFill>
+                <a:latin typeface="+mj-lt"/>
+              </a:rPr>
+              <a:t>\Roaming\Python\Python27\Scripts). Add the folder that contains az.bat to your path.</a:t>
+            </a:r>
+          </a:p>
+          <a:p>
+            <a:endParaRPr lang="en-US" sz="2400" dirty="0">
+              <a:solidFill>
+                <a:srgbClr val="7030A0"/>
+              </a:solidFill>
+              <a:latin typeface="+mj-lt"/>
+            </a:endParaRPr>
+          </a:p>
+          <a:p>
+            <a:r>
+              <a:rPr lang="en-US" sz="2000" dirty="0">
+                <a:solidFill>
+                  <a:srgbClr val="000000"/>
+                </a:solidFill>
+              </a:rPr>
+              <a:t>C:\&gt; </a:t>
+            </a:r>
+            <a:r>
+              <a:rPr lang="en-US" sz="2000" dirty="0" err="1">
+                <a:solidFill>
+                  <a:srgbClr val="000000"/>
+                </a:solidFill>
+              </a:rPr>
+              <a:t>az</a:t>
+            </a:r>
+            <a:endParaRPr lang="en-US" sz="2000" dirty="0">
+              <a:solidFill>
+                <a:srgbClr val="000000"/>
+              </a:solidFill>
+            </a:endParaRPr>
+          </a:p>
+          <a:p>
+            <a:endParaRPr lang="en-US" sz="2000" dirty="0"/>
+          </a:p>
+        </p:txBody>
+      </p:sp>
+      <p:pic>
+        <p:nvPicPr>
+          <p:cNvPr id="2" name="Picture 1"/>
+          <p:cNvPicPr>
+            <a:picLocks noChangeAspect="1"/>
+          </p:cNvPicPr>
           <p:nvPr/>
-        </p:nvSpPr>
+        </p:nvPicPr>
+        <p:blipFill rotWithShape="1">
+          <a:blip r:embed="rId2"/>
+          <a:srcRect r="31558"/>
+          <a:stretch/>
+        </p:blipFill>
         <p:spPr>
           <a:xfrm>
-            <a:off x="441959" y="311111"/>
-            <a:ext cx="11610133" cy="369332"/>
+            <a:off x="5409725" y="1257290"/>
+            <a:ext cx="6782275" cy="5383207"/>
           </a:xfrm>
           <a:prstGeom prst="rect">
             <a:avLst/>
           </a:prstGeom>
-          <a:noFill/>
         </p:spPr>
+      </p:pic>
+    </p:spTree>
+    <p:extLst>
+      <p:ext uri="{BB962C8B-B14F-4D97-AF65-F5344CB8AC3E}">
+        <p14:creationId xmlns:p14="http://schemas.microsoft.com/office/powerpoint/2010/main" val="1664113484"/>
+      </p:ext>
+    </p:extLst>
+  </p:cSld>
+  <p:clrMapOvr>
+    <a:masterClrMapping/>
+  </p:clrMapOvr>
+  <p:transition>
+    <p:fade/>
+  </p:transition>
+  <p:timing>
+    <p:tnLst>
+      <p:par>
+        <p:cTn id="1" dur="indefinite" restart="never" nodeType="tmRoot">
+          <p:childTnLst>
+            <p:seq concurrent="1" nextAc="seek">
+              <p:cTn id="2" dur="indefinite" nodeType="mainSeq">
+                <p:childTnLst>
+                  <p:par>
+                    <p:cTn id="3" fill="hold">
+                      <p:stCondLst>
+                        <p:cond delay="indefinite"/>
+                      </p:stCondLst>
+                      <p:childTnLst>
+                        <p:par>
+                          <p:cTn id="4" fill="hold">
+                            <p:stCondLst>
+                              <p:cond delay="0"/>
+                            </p:stCondLst>
+                            <p:childTnLst>
+                              <p:par>
+                                <p:cTn id="5" presetID="10" presetClass="entr" presetSubtype="0" fill="hold" nodeType="clickEffect">
+                                  <p:stCondLst>
+                                    <p:cond delay="0"/>
+                                  </p:stCondLst>
+                                  <p:childTnLst>
+                                    <p:set>
+                                      <p:cBhvr>
+                                        <p:cTn id="6" dur="1" fill="hold">
+                                          <p:stCondLst>
+                                            <p:cond delay="0"/>
+                                          </p:stCondLst>
+                                        </p:cTn>
+                                        <p:tgtEl>
+                                          <p:spTgt spid="2"/>
+                                        </p:tgtEl>
+                                        <p:attrNameLst>
+                                          <p:attrName>style.visibility</p:attrName>
+                                        </p:attrNameLst>
+                                      </p:cBhvr>
+                                      <p:to>
+                                        <p:strVal val="visible"/>
+                                      </p:to>
+                                    </p:set>
+                                    <p:animEffect transition="in" filter="fade">
+                                      <p:cBhvr>
+                                        <p:cTn id="7" dur="500"/>
+                                        <p:tgtEl>
+                                          <p:spTgt spid="2"/>
+                                        </p:tgtEl>
+                                      </p:cBhvr>
+                                    </p:animEffect>
+                                  </p:childTnLst>
+                                </p:cTn>
+                              </p:par>
+                            </p:childTnLst>
+                          </p:cTn>
+                        </p:par>
+                      </p:childTnLst>
+                    </p:cTn>
+                  </p:par>
+                </p:childTnLst>
+              </p:cTn>
+              <p:prevCondLst>
+                <p:cond evt="onPrev" delay="0">
+                  <p:tgtEl>
+                    <p:sldTgt/>
+                  </p:tgtEl>
+                </p:cond>
+              </p:prevCondLst>
+              <p:nextCondLst>
+                <p:cond evt="onNext" delay="0">
+                  <p:tgtEl>
+                    <p:sldTgt/>
+                  </p:tgtEl>
+                </p:cond>
+              </p:nextCondLst>
+            </p:seq>
+          </p:childTnLst>
+        </p:cTn>
+      </p:par>
+    </p:tnLst>
+  </p:timing>
+</p:sld>
+</file>
+
+<file path=ppt/slides/slide19.xml><?xml version="1.0" encoding="utf-8"?>
+<p:sld xmlns:a="http://schemas.openxmlformats.org/drawingml/2006/main" xmlns:r="http://schemas.openxmlformats.org/officeDocument/2006/relationships" xmlns:p="http://schemas.openxmlformats.org/presentationml/2006/main">
+  <p:cSld>
+    <p:spTree>
+      <p:nvGrpSpPr>
+        <p:cNvPr id="1" name=""/>
+        <p:cNvGrpSpPr/>
+        <p:nvPr/>
+      </p:nvGrpSpPr>
+      <p:grpSpPr>
+        <a:xfrm>
+          <a:off x="0" y="0"/>
+          <a:ext cx="0" cy="0"/>
+          <a:chOff x="0" y="0"/>
+          <a:chExt cx="0" cy="0"/>
+        </a:xfrm>
+      </p:grpSpPr>
+      <p:sp>
+        <p:nvSpPr>
+          <p:cNvPr id="5" name="Title 4"/>
+          <p:cNvSpPr>
+            <a:spLocks noGrp="1"/>
+          </p:cNvSpPr>
+          <p:nvPr>
+            <p:ph type="title"/>
+          </p:nvPr>
+        </p:nvSpPr>
+        <p:spPr/>
         <p:txBody>
-          <a:bodyPr wrap="square" lIns="0" tIns="0" rIns="0" bIns="0" rtlCol="0">
-            <a:spAutoFit/>
-          </a:bodyPr>
+          <a:bodyPr/>
           <a:lstStyle/>
           <a:p>
             <a:r>
-              <a:rPr lang="en-US" sz="2400" spc="-70" dirty="0">
-                <a:solidFill>
-                  <a:schemeClr val="bg1"/>
-                </a:solidFill>
-              </a:rPr>
-              <a:t>#</a:t>
-            </a:r>
-            <a:r>
-              <a:rPr lang="en-US" sz="2400" spc="-70" dirty="0" err="1">
-                <a:solidFill>
-                  <a:schemeClr val="bg1"/>
-                </a:solidFill>
-              </a:rPr>
-              <a:t>jaxcloud</a:t>
-            </a:r>
-            <a:r>
-              <a:rPr lang="en-US" sz="2400" spc="-70" dirty="0">
-                <a:solidFill>
-                  <a:schemeClr val="bg1"/>
-                </a:solidFill>
-              </a:rPr>
-              <a:t>                                                                                                                    @</a:t>
-            </a:r>
-            <a:r>
-              <a:rPr lang="en-US" sz="2400" spc="-70" dirty="0" err="1">
-                <a:solidFill>
-                  <a:schemeClr val="bg1"/>
-                </a:solidFill>
-              </a:rPr>
-              <a:t>jaxcloudug</a:t>
-            </a:r>
-            <a:endParaRPr lang="en-US" sz="2000" spc="-70" dirty="0">
-              <a:solidFill>
-                <a:schemeClr val="bg1"/>
-              </a:solidFill>
-            </a:endParaRPr>
+              <a:rPr lang="en-US" dirty="0"/>
+              <a:t>Linux / OS X Installation</a:t>
+            </a:r>
           </a:p>
         </p:txBody>
       </p:sp>
       <p:sp>
         <p:nvSpPr>
-          <p:cNvPr id="7" name="TextBox 6"/>
-          <p:cNvSpPr txBox="1"/>
+          <p:cNvPr id="6" name="Text Placeholder 5"/>
+          <p:cNvSpPr>
+            <a:spLocks noGrp="1"/>
+          </p:cNvSpPr>
+          <p:nvPr>
+            <p:ph type="body" sz="quarter" idx="10"/>
+          </p:nvPr>
+        </p:nvSpPr>
+        <p:spPr/>
+        <p:txBody>
+          <a:bodyPr/>
+          <a:lstStyle/>
+          <a:p>
+            <a:r>
+              <a:rPr lang="en-US" sz="2000" dirty="0" err="1"/>
+              <a:t>user@machine</a:t>
+            </a:r>
+            <a:r>
+              <a:rPr lang="en-US" sz="2000" dirty="0"/>
+              <a:t>:~$ curl -L https://aka.ms/InstallAzureCli | bash</a:t>
+            </a:r>
+          </a:p>
+          <a:p>
+            <a:r>
+              <a:rPr lang="en-US" sz="2000" dirty="0" err="1"/>
+              <a:t>user@machine</a:t>
+            </a:r>
+            <a:r>
+              <a:rPr lang="en-US" sz="2000" dirty="0"/>
+              <a:t>:~$ exec –l $SHELL </a:t>
+            </a:r>
+          </a:p>
+          <a:p>
+            <a:r>
+              <a:rPr lang="en-US" sz="2000" dirty="0" err="1"/>
+              <a:t>user@machine</a:t>
+            </a:r>
+            <a:r>
+              <a:rPr lang="en-US" sz="2000" dirty="0"/>
+              <a:t>:~$ </a:t>
+            </a:r>
+            <a:r>
+              <a:rPr lang="en-US" sz="2000" dirty="0" err="1"/>
+              <a:t>az</a:t>
+            </a:r>
+            <a:endParaRPr lang="en-US" sz="2000" dirty="0"/>
+          </a:p>
+        </p:txBody>
+      </p:sp>
+      <p:pic>
+        <p:nvPicPr>
+          <p:cNvPr id="2" name="Picture 1"/>
+          <p:cNvPicPr>
+            <a:picLocks noChangeAspect="1"/>
+          </p:cNvPicPr>
           <p:nvPr/>
-        </p:nvSpPr>
+        </p:nvPicPr>
+        <p:blipFill rotWithShape="1">
+          <a:blip r:embed="rId2"/>
+          <a:srcRect b="31596"/>
+          <a:stretch/>
+        </p:blipFill>
         <p:spPr>
           <a:xfrm>
-            <a:off x="290933" y="5865244"/>
-            <a:ext cx="11610133" cy="369332"/>
+            <a:off x="1157351" y="2548371"/>
+            <a:ext cx="9877298" cy="4309629"/>
           </a:xfrm>
           <a:prstGeom prst="rect">
             <a:avLst/>
           </a:prstGeom>
-          <a:noFill/>
         </p:spPr>
-        <p:txBody>
-          <a:bodyPr wrap="square" lIns="0" tIns="0" rIns="0" bIns="0" rtlCol="0">
-            <a:spAutoFit/>
-          </a:bodyPr>
-          <a:lstStyle/>
-          <a:p>
-            <a:r>
-              <a:rPr lang="en-US" sz="2400" spc="-70" dirty="0">
-                <a:solidFill>
-                  <a:schemeClr val="bg1"/>
-                </a:solidFill>
-              </a:rPr>
-              <a:t>http://jaxug.cloud                                                               https://jaxcloudug.azurewebsites.net</a:t>
-            </a:r>
-            <a:endParaRPr lang="en-US" sz="2000" spc="-70" dirty="0">
-              <a:solidFill>
-                <a:schemeClr val="bg1"/>
-              </a:solidFill>
-            </a:endParaRPr>
-          </a:p>
-        </p:txBody>
-      </p:sp>
+      </p:pic>
     </p:spTree>
     <p:extLst>
       <p:ext uri="{BB962C8B-B14F-4D97-AF65-F5344CB8AC3E}">
-        <p14:creationId xmlns:p14="http://schemas.microsoft.com/office/powerpoint/2010/main" val="3807961928"/>
+        <p14:creationId xmlns:p14="http://schemas.microsoft.com/office/powerpoint/2010/main" val="1861564787"/>
       </p:ext>
     </p:extLst>
   </p:cSld>
@@ -16824,6 +18987,915 @@
     <p:extLst>
       <p:ext uri="{BB962C8B-B14F-4D97-AF65-F5344CB8AC3E}">
         <p14:creationId xmlns:p14="http://schemas.microsoft.com/office/powerpoint/2010/main" val="3119308558"/>
+      </p:ext>
+    </p:extLst>
+  </p:cSld>
+  <p:clrMapOvr>
+    <a:masterClrMapping/>
+  </p:clrMapOvr>
+  <p:transition>
+    <p:fade/>
+  </p:transition>
+</p:sld>
+</file>
+
+<file path=ppt/slides/slide20.xml><?xml version="1.0" encoding="utf-8"?>
+<p:sld xmlns:a="http://schemas.openxmlformats.org/drawingml/2006/main" xmlns:r="http://schemas.openxmlformats.org/officeDocument/2006/relationships" xmlns:p="http://schemas.openxmlformats.org/presentationml/2006/main">
+  <p:cSld>
+    <p:spTree>
+      <p:nvGrpSpPr>
+        <p:cNvPr id="1" name=""/>
+        <p:cNvGrpSpPr/>
+        <p:nvPr/>
+      </p:nvGrpSpPr>
+      <p:grpSpPr>
+        <a:xfrm>
+          <a:off x="0" y="0"/>
+          <a:ext cx="0" cy="0"/>
+          <a:chOff x="0" y="0"/>
+          <a:chExt cx="0" cy="0"/>
+        </a:xfrm>
+      </p:grpSpPr>
+      <p:sp>
+        <p:nvSpPr>
+          <p:cNvPr id="5" name="Title 4"/>
+          <p:cNvSpPr>
+            <a:spLocks noGrp="1"/>
+          </p:cNvSpPr>
+          <p:nvPr>
+            <p:ph type="title"/>
+          </p:nvPr>
+        </p:nvSpPr>
+        <p:spPr/>
+        <p:txBody>
+          <a:bodyPr/>
+          <a:lstStyle/>
+          <a:p>
+            <a:r>
+              <a:rPr lang="en-US" dirty="0"/>
+              <a:t>Interacting</a:t>
+            </a:r>
+          </a:p>
+        </p:txBody>
+      </p:sp>
+      <p:sp>
+        <p:nvSpPr>
+          <p:cNvPr id="6" name="Text Placeholder 5"/>
+          <p:cNvSpPr>
+            <a:spLocks noGrp="1"/>
+          </p:cNvSpPr>
+          <p:nvPr>
+            <p:ph type="body" sz="quarter" idx="10"/>
+          </p:nvPr>
+        </p:nvSpPr>
+        <p:spPr/>
+        <p:txBody>
+          <a:bodyPr/>
+          <a:lstStyle/>
+          <a:p>
+            <a:r>
+              <a:rPr lang="en-US" sz="2000" dirty="0"/>
+              <a:t>C:\&gt; </a:t>
+            </a:r>
+            <a:r>
+              <a:rPr lang="en-US" sz="2000" dirty="0" err="1"/>
+              <a:t>az</a:t>
+            </a:r>
+            <a:r>
+              <a:rPr lang="en-US" sz="2000" dirty="0"/>
+              <a:t> login</a:t>
+            </a:r>
+          </a:p>
+          <a:p>
+            <a:endParaRPr lang="en-US" sz="2000" dirty="0"/>
+          </a:p>
+          <a:p>
+            <a:r>
+              <a:rPr lang="en-US" sz="2000" dirty="0"/>
+              <a:t>C:\&gt; REM Get subscriptions</a:t>
+            </a:r>
+          </a:p>
+          <a:p>
+            <a:r>
+              <a:rPr lang="en-US" sz="2000" dirty="0"/>
+              <a:t>C:\&gt; </a:t>
+            </a:r>
+            <a:r>
+              <a:rPr lang="en-US" sz="2000" dirty="0" err="1"/>
+              <a:t>az</a:t>
+            </a:r>
+            <a:r>
+              <a:rPr lang="en-US" sz="2000" dirty="0"/>
+              <a:t> account list</a:t>
+            </a:r>
+          </a:p>
+          <a:p>
+            <a:r>
+              <a:rPr lang="en-US" sz="2000" dirty="0"/>
+              <a:t>C:\&gt; </a:t>
+            </a:r>
+            <a:r>
+              <a:rPr lang="en-US" sz="2000" dirty="0" err="1"/>
+              <a:t>az</a:t>
+            </a:r>
+            <a:r>
+              <a:rPr lang="en-US" sz="2000" dirty="0"/>
+              <a:t> account list –output table</a:t>
+            </a:r>
+          </a:p>
+          <a:p>
+            <a:endParaRPr lang="en-US" sz="2000" dirty="0"/>
+          </a:p>
+          <a:p>
+            <a:r>
+              <a:rPr lang="en-US" sz="2000" dirty="0"/>
+              <a:t>C:\&gt; REM Select subscription</a:t>
+            </a:r>
+          </a:p>
+          <a:p>
+            <a:r>
+              <a:rPr lang="en-US" sz="2000" dirty="0"/>
+              <a:t>C:\&gt; </a:t>
+            </a:r>
+            <a:r>
+              <a:rPr lang="en-US" sz="2000" dirty="0" err="1"/>
+              <a:t>az</a:t>
+            </a:r>
+            <a:r>
+              <a:rPr lang="en-US" sz="2000" dirty="0"/>
+              <a:t> account set –subscription [</a:t>
+            </a:r>
+            <a:r>
+              <a:rPr lang="en-US" sz="2000" dirty="0" err="1"/>
+              <a:t>SubName</a:t>
+            </a:r>
+            <a:r>
+              <a:rPr lang="en-US" sz="2000" dirty="0"/>
+              <a:t>]</a:t>
+            </a:r>
+          </a:p>
+          <a:p>
+            <a:endParaRPr lang="en-US" sz="2000" dirty="0"/>
+          </a:p>
+          <a:p>
+            <a:r>
+              <a:rPr lang="en-US" sz="2000" dirty="0"/>
+              <a:t>C</a:t>
+            </a:r>
+            <a:r>
+              <a:rPr lang="en-US" sz="2000" dirty="0">
+                <a:sym typeface="Wingdings" panose="05000000000000000000" pitchFamily="2" charset="2"/>
+              </a:rPr>
+              <a:t>:\&gt; </a:t>
+            </a:r>
+            <a:r>
+              <a:rPr lang="en-US" sz="2000" dirty="0"/>
+              <a:t>REM Get Resource Groups</a:t>
+            </a:r>
+          </a:p>
+          <a:p>
+            <a:r>
+              <a:rPr lang="en-US" sz="2000" dirty="0"/>
+              <a:t>C:\&gt; </a:t>
+            </a:r>
+            <a:r>
+              <a:rPr lang="en-US" sz="2000" dirty="0" err="1"/>
+              <a:t>az</a:t>
+            </a:r>
+            <a:r>
+              <a:rPr lang="en-US" sz="2000" dirty="0"/>
+              <a:t> group list</a:t>
+            </a:r>
+          </a:p>
+        </p:txBody>
+      </p:sp>
+    </p:spTree>
+    <p:extLst>
+      <p:ext uri="{BB962C8B-B14F-4D97-AF65-F5344CB8AC3E}">
+        <p14:creationId xmlns:p14="http://schemas.microsoft.com/office/powerpoint/2010/main" val="469972744"/>
+      </p:ext>
+    </p:extLst>
+  </p:cSld>
+  <p:clrMapOvr>
+    <a:masterClrMapping/>
+  </p:clrMapOvr>
+  <p:transition>
+    <p:fade/>
+  </p:transition>
+</p:sld>
+</file>
+
+<file path=ppt/slides/slide21.xml><?xml version="1.0" encoding="utf-8"?>
+<p:sld xmlns:a="http://schemas.openxmlformats.org/drawingml/2006/main" xmlns:r="http://schemas.openxmlformats.org/officeDocument/2006/relationships" xmlns:p="http://schemas.openxmlformats.org/presentationml/2006/main">
+  <p:cSld>
+    <p:spTree>
+      <p:nvGrpSpPr>
+        <p:cNvPr id="1" name=""/>
+        <p:cNvGrpSpPr/>
+        <p:nvPr/>
+      </p:nvGrpSpPr>
+      <p:grpSpPr>
+        <a:xfrm>
+          <a:off x="0" y="0"/>
+          <a:ext cx="0" cy="0"/>
+          <a:chOff x="0" y="0"/>
+          <a:chExt cx="0" cy="0"/>
+        </a:xfrm>
+      </p:grpSpPr>
+      <p:sp>
+        <p:nvSpPr>
+          <p:cNvPr id="5" name="Title 4"/>
+          <p:cNvSpPr>
+            <a:spLocks noGrp="1"/>
+          </p:cNvSpPr>
+          <p:nvPr>
+            <p:ph type="title"/>
+          </p:nvPr>
+        </p:nvSpPr>
+        <p:spPr/>
+        <p:txBody>
+          <a:bodyPr/>
+          <a:lstStyle/>
+          <a:p>
+            <a:r>
+              <a:rPr lang="en-US" dirty="0"/>
+              <a:t>Interacting (</a:t>
+            </a:r>
+            <a:r>
+              <a:rPr lang="en-US" dirty="0" err="1"/>
+              <a:t>Con’t</a:t>
+            </a:r>
+            <a:r>
+              <a:rPr lang="en-US" dirty="0"/>
+              <a:t>)</a:t>
+            </a:r>
+          </a:p>
+        </p:txBody>
+      </p:sp>
+      <p:sp>
+        <p:nvSpPr>
+          <p:cNvPr id="6" name="Text Placeholder 5"/>
+          <p:cNvSpPr>
+            <a:spLocks noGrp="1"/>
+          </p:cNvSpPr>
+          <p:nvPr>
+            <p:ph type="body" sz="quarter" idx="10"/>
+          </p:nvPr>
+        </p:nvSpPr>
+        <p:spPr/>
+        <p:txBody>
+          <a:bodyPr/>
+          <a:lstStyle/>
+          <a:p>
+            <a:r>
+              <a:rPr lang="en-US" sz="2000" dirty="0"/>
+              <a:t>C:\&gt; REM Find resources</a:t>
+            </a:r>
+          </a:p>
+          <a:p>
+            <a:r>
+              <a:rPr lang="en-US" sz="2000" dirty="0"/>
+              <a:t>C:\&gt; </a:t>
+            </a:r>
+            <a:r>
+              <a:rPr lang="en-US" sz="2000" dirty="0" err="1"/>
+              <a:t>az</a:t>
+            </a:r>
+            <a:r>
+              <a:rPr lang="en-US" sz="2000" dirty="0"/>
+              <a:t> </a:t>
+            </a:r>
+            <a:r>
+              <a:rPr lang="en-US" sz="2000" dirty="0" err="1"/>
+              <a:t>vm</a:t>
+            </a:r>
+            <a:r>
+              <a:rPr lang="en-US" sz="2000" dirty="0"/>
+              <a:t> list –output table</a:t>
+            </a:r>
+          </a:p>
+          <a:p>
+            <a:endParaRPr lang="en-US" sz="2000" dirty="0"/>
+          </a:p>
+          <a:p>
+            <a:r>
+              <a:rPr lang="en-US" sz="1400" dirty="0"/>
+              <a:t>Name            </a:t>
+            </a:r>
+            <a:r>
+              <a:rPr lang="en-US" sz="1400" dirty="0" err="1"/>
+              <a:t>ResourceGroup</a:t>
+            </a:r>
+            <a:r>
+              <a:rPr lang="en-US" sz="1400" dirty="0"/>
+              <a:t>    Location</a:t>
+            </a:r>
+          </a:p>
+          <a:p>
+            <a:r>
+              <a:rPr lang="en-US" sz="1400" dirty="0"/>
+              <a:t>--------------  ---------------  ----------</a:t>
+            </a:r>
+          </a:p>
+          <a:p>
+            <a:r>
+              <a:rPr lang="en-US" sz="1400" dirty="0"/>
+              <a:t>ATLSPUGCLIENT1  ATLSPUG0417      eastus2</a:t>
+            </a:r>
+          </a:p>
+          <a:p>
+            <a:r>
+              <a:rPr lang="en-US" sz="1400" dirty="0"/>
+              <a:t>ATLSPUGDC1      ATLSPUG0417      eastus2</a:t>
+            </a:r>
+          </a:p>
+          <a:p>
+            <a:endParaRPr lang="en-US" sz="2000" dirty="0"/>
+          </a:p>
+          <a:p>
+            <a:r>
+              <a:rPr lang="en-US" sz="2000" dirty="0"/>
+              <a:t>C:\&gt; </a:t>
+            </a:r>
+            <a:r>
+              <a:rPr lang="en-US" sz="2000" dirty="0" err="1"/>
+              <a:t>az</a:t>
+            </a:r>
+            <a:r>
+              <a:rPr lang="en-US" sz="2000" dirty="0"/>
+              <a:t> </a:t>
+            </a:r>
+            <a:r>
+              <a:rPr lang="en-US" sz="2000" dirty="0" err="1"/>
+              <a:t>vm</a:t>
+            </a:r>
+            <a:r>
+              <a:rPr lang="en-US" sz="2000" dirty="0"/>
+              <a:t> list --query [*].[</a:t>
+            </a:r>
+            <a:r>
+              <a:rPr lang="en-US" sz="2000" dirty="0" err="1"/>
+              <a:t>name,resourceGroup</a:t>
+            </a:r>
+            <a:r>
+              <a:rPr lang="en-US" sz="2000" dirty="0"/>
+              <a:t>] --out table</a:t>
+            </a:r>
+          </a:p>
+          <a:p>
+            <a:endParaRPr lang="en-US" sz="2000" dirty="0"/>
+          </a:p>
+          <a:p>
+            <a:r>
+              <a:rPr lang="en-US" sz="1400" dirty="0"/>
+              <a:t>Column1         Column2</a:t>
+            </a:r>
+          </a:p>
+          <a:p>
+            <a:r>
+              <a:rPr lang="en-US" sz="1400" dirty="0"/>
+              <a:t>--------------  -----------</a:t>
+            </a:r>
+          </a:p>
+          <a:p>
+            <a:r>
+              <a:rPr lang="en-US" sz="1400" dirty="0"/>
+              <a:t>ATLSPUGCLIENT1  ATLSPUG0417</a:t>
+            </a:r>
+          </a:p>
+          <a:p>
+            <a:r>
+              <a:rPr lang="en-US" sz="1400" dirty="0"/>
+              <a:t>ATLSPUGDC1      ATLSPUG0417</a:t>
+            </a:r>
+          </a:p>
+          <a:p>
+            <a:endParaRPr lang="en-US" sz="2000" dirty="0"/>
+          </a:p>
+          <a:p>
+            <a:r>
+              <a:rPr lang="en-US" sz="2000" dirty="0"/>
+              <a:t>C:\&gt; </a:t>
+            </a:r>
+            <a:r>
+              <a:rPr lang="en-US" sz="2000" dirty="0" err="1"/>
+              <a:t>az</a:t>
+            </a:r>
+            <a:r>
+              <a:rPr lang="en-US" sz="2000" dirty="0"/>
+              <a:t> </a:t>
+            </a:r>
+            <a:r>
+              <a:rPr lang="en-US" sz="2000" dirty="0" err="1"/>
+              <a:t>vm</a:t>
+            </a:r>
+            <a:r>
+              <a:rPr lang="en-US" sz="2000" dirty="0"/>
+              <a:t> list --query "[].{</a:t>
+            </a:r>
+            <a:r>
+              <a:rPr lang="en-US" sz="2000" dirty="0" err="1"/>
+              <a:t>RGName:resourceGroup</a:t>
+            </a:r>
+            <a:r>
+              <a:rPr lang="en-US" sz="2000" dirty="0"/>
+              <a:t>, </a:t>
+            </a:r>
+            <a:r>
+              <a:rPr lang="en-US" sz="2000" dirty="0" err="1"/>
+              <a:t>VMName:name</a:t>
+            </a:r>
+            <a:r>
+              <a:rPr lang="en-US" sz="2000" dirty="0"/>
+              <a:t>}" --out table</a:t>
+            </a:r>
+          </a:p>
+        </p:txBody>
+      </p:sp>
+    </p:spTree>
+    <p:extLst>
+      <p:ext uri="{BB962C8B-B14F-4D97-AF65-F5344CB8AC3E}">
+        <p14:creationId xmlns:p14="http://schemas.microsoft.com/office/powerpoint/2010/main" val="3760317625"/>
+      </p:ext>
+    </p:extLst>
+  </p:cSld>
+  <p:clrMapOvr>
+    <a:masterClrMapping/>
+  </p:clrMapOvr>
+  <p:transition>
+    <p:fade/>
+  </p:transition>
+</p:sld>
+</file>
+
+<file path=ppt/slides/slide22.xml><?xml version="1.0" encoding="utf-8"?>
+<p:sld xmlns:a="http://schemas.openxmlformats.org/drawingml/2006/main" xmlns:r="http://schemas.openxmlformats.org/officeDocument/2006/relationships" xmlns:p="http://schemas.openxmlformats.org/presentationml/2006/main">
+  <p:cSld>
+    <p:spTree>
+      <p:nvGrpSpPr>
+        <p:cNvPr id="1" name=""/>
+        <p:cNvGrpSpPr/>
+        <p:nvPr/>
+      </p:nvGrpSpPr>
+      <p:grpSpPr>
+        <a:xfrm>
+          <a:off x="0" y="0"/>
+          <a:ext cx="0" cy="0"/>
+          <a:chOff x="0" y="0"/>
+          <a:chExt cx="0" cy="0"/>
+        </a:xfrm>
+      </p:grpSpPr>
+      <p:sp>
+        <p:nvSpPr>
+          <p:cNvPr id="4" name="Title 3"/>
+          <p:cNvSpPr>
+            <a:spLocks noGrp="1"/>
+          </p:cNvSpPr>
+          <p:nvPr>
+            <p:ph type="title"/>
+          </p:nvPr>
+        </p:nvSpPr>
+        <p:spPr/>
+        <p:txBody>
+          <a:bodyPr/>
+          <a:lstStyle/>
+          <a:p>
+            <a:r>
+              <a:rPr lang="en-US" dirty="0"/>
+              <a:t>Demo</a:t>
+            </a:r>
+            <a:br>
+              <a:rPr lang="en-US" dirty="0"/>
+            </a:br>
+            <a:r>
+              <a:rPr lang="en-US" sz="4400" dirty="0"/>
+              <a:t>Create a VM with the CLI</a:t>
+            </a:r>
+            <a:endParaRPr lang="en-US" dirty="0"/>
+          </a:p>
+        </p:txBody>
+      </p:sp>
+    </p:spTree>
+    <p:extLst>
+      <p:ext uri="{BB962C8B-B14F-4D97-AF65-F5344CB8AC3E}">
+        <p14:creationId xmlns:p14="http://schemas.microsoft.com/office/powerpoint/2010/main" val="1876852435"/>
+      </p:ext>
+    </p:extLst>
+  </p:cSld>
+  <p:clrMapOvr>
+    <a:masterClrMapping/>
+  </p:clrMapOvr>
+  <mc:AlternateContent xmlns:mc="http://schemas.openxmlformats.org/markup-compatibility/2006" xmlns:p14="http://schemas.microsoft.com/office/powerpoint/2010/main">
+    <mc:Choice Requires="p14">
+      <p:transition spd="slow" p14:dur="3400">
+        <p14:reveal/>
+      </p:transition>
+    </mc:Choice>
+    <mc:Fallback xmlns="">
+      <p:transition spd="slow">
+        <p:fade/>
+      </p:transition>
+    </mc:Fallback>
+  </mc:AlternateContent>
+</p:sld>
+</file>
+
+<file path=ppt/slides/slide23.xml><?xml version="1.0" encoding="utf-8"?>
+<p:sld xmlns:a="http://schemas.openxmlformats.org/drawingml/2006/main" xmlns:r="http://schemas.openxmlformats.org/officeDocument/2006/relationships" xmlns:p="http://schemas.openxmlformats.org/presentationml/2006/main">
+  <p:cSld>
+    <p:spTree>
+      <p:nvGrpSpPr>
+        <p:cNvPr id="1" name=""/>
+        <p:cNvGrpSpPr/>
+        <p:nvPr/>
+      </p:nvGrpSpPr>
+      <p:grpSpPr>
+        <a:xfrm>
+          <a:off x="0" y="0"/>
+          <a:ext cx="0" cy="0"/>
+          <a:chOff x="0" y="0"/>
+          <a:chExt cx="0" cy="0"/>
+        </a:xfrm>
+      </p:grpSpPr>
+      <p:sp>
+        <p:nvSpPr>
+          <p:cNvPr id="2" name="Title 1"/>
+          <p:cNvSpPr>
+            <a:spLocks noGrp="1"/>
+          </p:cNvSpPr>
+          <p:nvPr>
+            <p:ph type="title"/>
+          </p:nvPr>
+        </p:nvSpPr>
+        <p:spPr>
+          <a:xfrm>
+            <a:off x="364244" y="469729"/>
+            <a:ext cx="5378548" cy="5918543"/>
+          </a:xfrm>
+        </p:spPr>
+        <p:txBody>
+          <a:bodyPr/>
+          <a:lstStyle/>
+          <a:p>
+            <a:r>
+              <a:rPr lang="en-US" sz="2300" dirty="0"/>
+              <a:t>You learned how to browse to the portal</a:t>
+            </a:r>
+            <a:br>
+              <a:rPr lang="en-US" sz="2300" dirty="0"/>
+            </a:br>
+            <a:br>
+              <a:rPr lang="en-US" sz="2300" dirty="0"/>
+            </a:br>
+            <a:r>
+              <a:rPr lang="en-US" sz="2300" dirty="0"/>
+              <a:t>You got oriented with the portal UI and learned how to create and browse resources</a:t>
+            </a:r>
+            <a:br>
+              <a:rPr lang="en-US" sz="2300" dirty="0"/>
+            </a:br>
+            <a:br>
+              <a:rPr lang="en-US" sz="2300" dirty="0"/>
+            </a:br>
+            <a:r>
+              <a:rPr lang="en-US" sz="2300" dirty="0"/>
+              <a:t>You learned about the structure or management blades and how you can consistently manage different types of resources</a:t>
+            </a:r>
+            <a:br>
+              <a:rPr lang="en-US" sz="2300" dirty="0"/>
+            </a:br>
+            <a:br>
+              <a:rPr lang="en-US" sz="2300" dirty="0"/>
+            </a:br>
+            <a:r>
+              <a:rPr lang="en-US" sz="2300" dirty="0"/>
+              <a:t>You learned how to create resources with PowerShell</a:t>
+            </a:r>
+            <a:br>
+              <a:rPr lang="en-US" sz="2300" dirty="0"/>
+            </a:br>
+            <a:br>
+              <a:rPr lang="en-US" sz="2300" dirty="0"/>
+            </a:br>
+            <a:r>
+              <a:rPr lang="en-US" sz="2300" dirty="0"/>
+              <a:t>You learned how to create resources with the CLI</a:t>
+            </a:r>
+            <a:br>
+              <a:rPr lang="en-US" sz="2300" dirty="0"/>
+            </a:br>
+            <a:br>
+              <a:rPr lang="en-US" sz="2300" dirty="0"/>
+            </a:br>
+            <a:r>
+              <a:rPr lang="en-US" sz="2300" dirty="0"/>
+              <a:t>You learned how to create resources with a template</a:t>
+            </a:r>
+          </a:p>
+        </p:txBody>
+      </p:sp>
+      <p:pic>
+        <p:nvPicPr>
+          <p:cNvPr id="4" name="Picture Placeholder 3"/>
+          <p:cNvPicPr>
+            <a:picLocks noGrp="1" noChangeAspect="1"/>
+          </p:cNvPicPr>
+          <p:nvPr>
+            <p:ph type="pic" sz="quarter" idx="10"/>
+          </p:nvPr>
+        </p:nvPicPr>
+        <p:blipFill rotWithShape="1">
+          <a:blip r:embed="rId3">
+            <a:extLst>
+              <a:ext uri="{28A0092B-C50C-407E-A947-70E740481C1C}">
+                <a14:useLocalDpi xmlns:a14="http://schemas.microsoft.com/office/drawing/2010/main" val="0"/>
+              </a:ext>
+            </a:extLst>
+          </a:blip>
+          <a:srcRect l="11426" r="29369"/>
+          <a:stretch/>
+        </p:blipFill>
+        <p:spPr>
+          <a:xfrm>
+            <a:off x="6066848" y="0"/>
+            <a:ext cx="6117236" cy="6858000"/>
+          </a:xfrm>
+        </p:spPr>
+      </p:pic>
+    </p:spTree>
+    <p:extLst>
+      <p:ext uri="{BB962C8B-B14F-4D97-AF65-F5344CB8AC3E}">
+        <p14:creationId xmlns:p14="http://schemas.microsoft.com/office/powerpoint/2010/main" val="3122912493"/>
+      </p:ext>
+    </p:extLst>
+  </p:cSld>
+  <p:clrMapOvr>
+    <a:masterClrMapping/>
+  </p:clrMapOvr>
+  <p:transition>
+    <p:fade/>
+  </p:transition>
+</p:sld>
+</file>
+
+<file path=ppt/slides/slide24.xml><?xml version="1.0" encoding="utf-8"?>
+<p:sld xmlns:a="http://schemas.openxmlformats.org/drawingml/2006/main" xmlns:r="http://schemas.openxmlformats.org/officeDocument/2006/relationships" xmlns:p="http://schemas.openxmlformats.org/presentationml/2006/main">
+  <p:cSld>
+    <p:spTree>
+      <p:nvGrpSpPr>
+        <p:cNvPr id="1" name=""/>
+        <p:cNvGrpSpPr/>
+        <p:nvPr/>
+      </p:nvGrpSpPr>
+      <p:grpSpPr>
+        <a:xfrm>
+          <a:off x="0" y="0"/>
+          <a:ext cx="0" cy="0"/>
+          <a:chOff x="0" y="0"/>
+          <a:chExt cx="0" cy="0"/>
+        </a:xfrm>
+      </p:grpSpPr>
+      <p:sp>
+        <p:nvSpPr>
+          <p:cNvPr id="6" name="Title 5"/>
+          <p:cNvSpPr>
+            <a:spLocks noGrp="1"/>
+          </p:cNvSpPr>
+          <p:nvPr>
+            <p:ph type="title" idx="4294967295"/>
+          </p:nvPr>
+        </p:nvSpPr>
+        <p:spPr>
+          <a:xfrm>
+            <a:off x="6148388" y="1277938"/>
+            <a:ext cx="6043612" cy="458787"/>
+          </a:xfrm>
+        </p:spPr>
+        <p:txBody>
+          <a:bodyPr/>
+          <a:lstStyle/>
+          <a:p>
+            <a:r>
+              <a:rPr lang="en-US" dirty="0"/>
+              <a:t>questions</a:t>
+            </a:r>
+          </a:p>
+        </p:txBody>
+      </p:sp>
+      <p:pic>
+        <p:nvPicPr>
+          <p:cNvPr id="3" name="Picture 2" descr="Time-For-Questions-Clock-1024x817.jpg"/>
+          <p:cNvPicPr>
+            <a:picLocks noChangeAspect="1"/>
+          </p:cNvPicPr>
+          <p:nvPr/>
+        </p:nvPicPr>
+        <p:blipFill>
+          <a:blip r:embed="rId3">
+            <a:extLst>
+              <a:ext uri="{28A0092B-C50C-407E-A947-70E740481C1C}">
+                <a14:useLocalDpi xmlns:a14="http://schemas.microsoft.com/office/drawing/2010/main"/>
+              </a:ext>
+            </a:extLst>
+          </a:blip>
+          <a:stretch>
+            <a:fillRect/>
+          </a:stretch>
+        </p:blipFill>
+        <p:spPr>
+          <a:xfrm>
+            <a:off x="867" y="974"/>
+            <a:ext cx="12179067" cy="6856069"/>
+          </a:xfrm>
+          <a:prstGeom prst="rect">
+            <a:avLst/>
+          </a:prstGeom>
+        </p:spPr>
+      </p:pic>
+    </p:spTree>
+    <p:extLst>
+      <p:ext uri="{BB962C8B-B14F-4D97-AF65-F5344CB8AC3E}">
+        <p14:creationId xmlns:p14="http://schemas.microsoft.com/office/powerpoint/2010/main" val="3247960555"/>
+      </p:ext>
+    </p:extLst>
+  </p:cSld>
+  <p:clrMapOvr>
+    <a:masterClrMapping/>
+  </p:clrMapOvr>
+  <mc:AlternateContent xmlns:mc="http://schemas.openxmlformats.org/markup-compatibility/2006" xmlns:p14="http://schemas.microsoft.com/office/powerpoint/2010/main">
+    <mc:Choice Requires="p14">
+      <p:transition spd="med" p14:dur="700">
+        <p:fade/>
+      </p:transition>
+    </mc:Choice>
+    <mc:Fallback xmlns="">
+      <p:transition spd="med">
+        <p:fade/>
+      </p:transition>
+    </mc:Fallback>
+  </mc:AlternateContent>
+</p:sld>
+</file>
+
+<file path=ppt/slides/slide25.xml><?xml version="1.0" encoding="utf-8"?>
+<p:sld xmlns:a="http://schemas.openxmlformats.org/drawingml/2006/main" xmlns:r="http://schemas.openxmlformats.org/officeDocument/2006/relationships" xmlns:p="http://schemas.openxmlformats.org/presentationml/2006/main">
+  <p:cSld>
+    <p:bg>
+      <p:bgPr>
+        <a:solidFill>
+          <a:srgbClr val="297DED"/>
+        </a:solidFill>
+        <a:effectLst/>
+      </p:bgPr>
+    </p:bg>
+    <p:spTree>
+      <p:nvGrpSpPr>
+        <p:cNvPr id="1" name=""/>
+        <p:cNvGrpSpPr/>
+        <p:nvPr/>
+      </p:nvGrpSpPr>
+      <p:grpSpPr>
+        <a:xfrm>
+          <a:off x="0" y="0"/>
+          <a:ext cx="0" cy="0"/>
+          <a:chOff x="0" y="0"/>
+          <a:chExt cx="0" cy="0"/>
+        </a:xfrm>
+      </p:grpSpPr>
+      <p:pic>
+        <p:nvPicPr>
+          <p:cNvPr id="5" name="Picture 4"/>
+          <p:cNvPicPr>
+            <a:picLocks noChangeAspect="1"/>
+          </p:cNvPicPr>
+          <p:nvPr/>
+        </p:nvPicPr>
+        <p:blipFill>
+          <a:blip r:embed="rId2">
+            <a:extLst>
+              <a:ext uri="{28A0092B-C50C-407E-A947-70E740481C1C}">
+                <a14:useLocalDpi xmlns:a14="http://schemas.microsoft.com/office/drawing/2010/main" val="0"/>
+              </a:ext>
+            </a:extLst>
+          </a:blip>
+          <a:stretch>
+            <a:fillRect/>
+          </a:stretch>
+        </p:blipFill>
+        <p:spPr>
+          <a:xfrm>
+            <a:off x="2844059" y="177059"/>
+            <a:ext cx="6503882" cy="6503882"/>
+          </a:xfrm>
+          <a:prstGeom prst="rect">
+            <a:avLst/>
+          </a:prstGeom>
+        </p:spPr>
+      </p:pic>
+      <p:sp>
+        <p:nvSpPr>
+          <p:cNvPr id="6" name="TextBox 5"/>
+          <p:cNvSpPr txBox="1"/>
+          <p:nvPr/>
+        </p:nvSpPr>
+        <p:spPr>
+          <a:xfrm>
+            <a:off x="441959" y="311111"/>
+            <a:ext cx="11610133" cy="369332"/>
+          </a:xfrm>
+          <a:prstGeom prst="rect">
+            <a:avLst/>
+          </a:prstGeom>
+          <a:noFill/>
+        </p:spPr>
+        <p:txBody>
+          <a:bodyPr wrap="square" lIns="0" tIns="0" rIns="0" bIns="0" rtlCol="0">
+            <a:spAutoFit/>
+          </a:bodyPr>
+          <a:lstStyle/>
+          <a:p>
+            <a:r>
+              <a:rPr lang="en-US" sz="2400" spc="-70" dirty="0">
+                <a:solidFill>
+                  <a:schemeClr val="bg1"/>
+                </a:solidFill>
+              </a:rPr>
+              <a:t>#</a:t>
+            </a:r>
+            <a:r>
+              <a:rPr lang="en-US" sz="2400" spc="-70" dirty="0" err="1">
+                <a:solidFill>
+                  <a:schemeClr val="bg1"/>
+                </a:solidFill>
+              </a:rPr>
+              <a:t>jaxcloud</a:t>
+            </a:r>
+            <a:r>
+              <a:rPr lang="en-US" sz="2400" spc="-70" dirty="0">
+                <a:solidFill>
+                  <a:schemeClr val="bg1"/>
+                </a:solidFill>
+              </a:rPr>
+              <a:t>                                                                                                                    @</a:t>
+            </a:r>
+            <a:r>
+              <a:rPr lang="en-US" sz="2400" spc="-70" dirty="0" err="1">
+                <a:solidFill>
+                  <a:schemeClr val="bg1"/>
+                </a:solidFill>
+              </a:rPr>
+              <a:t>jaxcloudug</a:t>
+            </a:r>
+            <a:endParaRPr lang="en-US" sz="2000" spc="-70" dirty="0">
+              <a:solidFill>
+                <a:schemeClr val="bg1"/>
+              </a:solidFill>
+            </a:endParaRPr>
+          </a:p>
+        </p:txBody>
+      </p:sp>
+      <p:sp>
+        <p:nvSpPr>
+          <p:cNvPr id="7" name="TextBox 6"/>
+          <p:cNvSpPr txBox="1"/>
+          <p:nvPr/>
+        </p:nvSpPr>
+        <p:spPr>
+          <a:xfrm>
+            <a:off x="290933" y="5865244"/>
+            <a:ext cx="11610133" cy="369332"/>
+          </a:xfrm>
+          <a:prstGeom prst="rect">
+            <a:avLst/>
+          </a:prstGeom>
+          <a:noFill/>
+        </p:spPr>
+        <p:txBody>
+          <a:bodyPr wrap="square" lIns="0" tIns="0" rIns="0" bIns="0" rtlCol="0">
+            <a:spAutoFit/>
+          </a:bodyPr>
+          <a:lstStyle/>
+          <a:p>
+            <a:r>
+              <a:rPr lang="en-US" sz="2400" spc="-70" dirty="0">
+                <a:solidFill>
+                  <a:schemeClr val="bg1"/>
+                </a:solidFill>
+              </a:rPr>
+              <a:t>http://jaxug.cloud                                                               https://jaxcloudug.azurewebsites.net</a:t>
+            </a:r>
+            <a:endParaRPr lang="en-US" sz="2000" spc="-70" dirty="0">
+              <a:solidFill>
+                <a:schemeClr val="bg1"/>
+              </a:solidFill>
+            </a:endParaRPr>
+          </a:p>
+        </p:txBody>
+      </p:sp>
+    </p:spTree>
+    <p:extLst>
+      <p:ext uri="{BB962C8B-B14F-4D97-AF65-F5344CB8AC3E}">
+        <p14:creationId xmlns:p14="http://schemas.microsoft.com/office/powerpoint/2010/main" val="3807961928"/>
       </p:ext>
     </p:extLst>
   </p:cSld>
@@ -17598,7 +20670,7 @@
           <a:noFill/>
           <a:extLst>
             <a:ext uri="{909E8E84-426E-40dd-AFC4-6F175D3DCCD1}">
-              <a14:hiddenFill xmlns:a14="http://schemas.microsoft.com/office/drawing/2010/main" xmlns="">
+              <a14:hiddenFill xmlns="" xmlns:a14="http://schemas.microsoft.com/office/drawing/2010/main">
                 <a:solidFill>
                   <a:srgbClr val="FFFFFF"/>
                 </a:solidFill>
@@ -20003,6 +23075,78 @@
       </p:grpSpPr>
       <p:sp>
         <p:nvSpPr>
+          <p:cNvPr id="3" name="Title 2"/>
+          <p:cNvSpPr>
+            <a:spLocks noGrp="1"/>
+          </p:cNvSpPr>
+          <p:nvPr>
+            <p:ph type="title"/>
+          </p:nvPr>
+        </p:nvSpPr>
+        <p:spPr/>
+        <p:txBody>
+          <a:bodyPr/>
+          <a:lstStyle/>
+          <a:p>
+            <a:r>
+              <a:rPr lang="en-US" dirty="0"/>
+              <a:t>Demo</a:t>
+            </a:r>
+            <a:br>
+              <a:rPr lang="en-US" dirty="0"/>
+            </a:br>
+            <a:r>
+              <a:rPr lang="en-US" sz="4400" dirty="0"/>
+              <a:t>Create a VM in the Portal</a:t>
+            </a:r>
+            <a:endParaRPr lang="en-US" dirty="0"/>
+          </a:p>
+        </p:txBody>
+      </p:sp>
+    </p:spTree>
+    <p:extLst>
+      <p:ext uri="{BB962C8B-B14F-4D97-AF65-F5344CB8AC3E}">
+        <p14:creationId xmlns:p14="http://schemas.microsoft.com/office/powerpoint/2010/main" val="1683520118"/>
+      </p:ext>
+    </p:extLst>
+  </p:cSld>
+  <p:clrMapOvr>
+    <a:masterClrMapping/>
+  </p:clrMapOvr>
+  <mc:AlternateContent xmlns:mc="http://schemas.openxmlformats.org/markup-compatibility/2006" xmlns:p14="http://schemas.microsoft.com/office/powerpoint/2010/main">
+    <mc:Choice Requires="p14">
+      <p:transition spd="slow" p14:dur="3400">
+        <p14:reveal/>
+      </p:transition>
+    </mc:Choice>
+    <mc:Fallback xmlns="">
+      <p:transition spd="slow">
+        <p:fade/>
+      </p:transition>
+    </mc:Fallback>
+  </mc:AlternateContent>
+</p:sld>
+</file>
+
+<file path=ppt/slides/slide7.xml><?xml version="1.0" encoding="utf-8"?>
+<p:sld xmlns:a="http://schemas.openxmlformats.org/drawingml/2006/main" xmlns:r="http://schemas.openxmlformats.org/officeDocument/2006/relationships" xmlns:p="http://schemas.openxmlformats.org/presentationml/2006/main">
+  <p:cSld>
+    <p:spTree>
+      <p:nvGrpSpPr>
+        <p:cNvPr id="1" name=""/>
+        <p:cNvGrpSpPr/>
+        <p:nvPr/>
+      </p:nvGrpSpPr>
+      <p:grpSpPr>
+        <a:xfrm>
+          <a:off x="0" y="0"/>
+          <a:ext cx="0" cy="0"/>
+          <a:chOff x="0" y="0"/>
+          <a:chExt cx="0" cy="0"/>
+        </a:xfrm>
+      </p:grpSpPr>
+      <p:sp>
+        <p:nvSpPr>
           <p:cNvPr id="2" name="Title 1"/>
           <p:cNvSpPr>
             <a:spLocks noGrp="1"/>
@@ -20102,146 +23246,6 @@
 </p:sld>
 </file>
 
-<file path=ppt/slides/slide7.xml><?xml version="1.0" encoding="utf-8"?>
-<p:sld xmlns:a="http://schemas.openxmlformats.org/drawingml/2006/main" xmlns:r="http://schemas.openxmlformats.org/officeDocument/2006/relationships" xmlns:p="http://schemas.openxmlformats.org/presentationml/2006/main">
-  <p:cSld>
-    <p:spTree>
-      <p:nvGrpSpPr>
-        <p:cNvPr id="1" name=""/>
-        <p:cNvGrpSpPr/>
-        <p:nvPr/>
-      </p:nvGrpSpPr>
-      <p:grpSpPr>
-        <a:xfrm>
-          <a:off x="0" y="0"/>
-          <a:ext cx="0" cy="0"/>
-          <a:chOff x="0" y="0"/>
-          <a:chExt cx="0" cy="0"/>
-        </a:xfrm>
-      </p:grpSpPr>
-      <p:sp>
-        <p:nvSpPr>
-          <p:cNvPr id="2" name="Title 1"/>
-          <p:cNvSpPr>
-            <a:spLocks noGrp="1"/>
-          </p:cNvSpPr>
-          <p:nvPr>
-            <p:ph type="title"/>
-          </p:nvPr>
-        </p:nvSpPr>
-        <p:spPr/>
-        <p:txBody>
-          <a:bodyPr/>
-          <a:lstStyle/>
-          <a:p>
-            <a:r>
-              <a:rPr lang="en-US" dirty="0"/>
-              <a:t>Azure CLI</a:t>
-            </a:r>
-          </a:p>
-        </p:txBody>
-      </p:sp>
-      <p:sp>
-        <p:nvSpPr>
-          <p:cNvPr id="3" name="Text Placeholder 2"/>
-          <p:cNvSpPr>
-            <a:spLocks noGrp="1"/>
-          </p:cNvSpPr>
-          <p:nvPr>
-            <p:ph type="body" sz="quarter" idx="10"/>
-          </p:nvPr>
-        </p:nvSpPr>
-        <p:spPr>
-          <a:xfrm>
-            <a:off x="269241" y="1189176"/>
-            <a:ext cx="5378548" cy="5533823"/>
-          </a:xfrm>
-        </p:spPr>
-        <p:txBody>
-          <a:bodyPr/>
-          <a:lstStyle/>
-          <a:p>
-            <a:r>
-              <a:rPr lang="en-US" sz="2800" dirty="0"/>
-              <a:t>The Azure CLI 2.0 is Azure's command line experience for managing Azure resources. It can be used on </a:t>
-            </a:r>
-            <a:r>
-              <a:rPr lang="en-US" sz="2800" dirty="0" err="1"/>
-              <a:t>macOS</a:t>
-            </a:r>
-            <a:r>
-              <a:rPr lang="en-US" sz="2800" dirty="0"/>
-              <a:t>, Linux, and Windows.</a:t>
-            </a:r>
-          </a:p>
-          <a:p>
-            <a:endParaRPr lang="en-US" sz="2800" dirty="0"/>
-          </a:p>
-          <a:p>
-            <a:r>
-              <a:rPr lang="en-US" sz="2800" dirty="0"/>
-              <a:t>Azure CLI 2.0 is optimized for managing and administering Azure resources from the command line, and for building automation scripts that work against the Azure Resource Manager. </a:t>
-            </a:r>
-          </a:p>
-        </p:txBody>
-      </p:sp>
-      <p:pic>
-        <p:nvPicPr>
-          <p:cNvPr id="5122" name="Picture 2" descr="Image result for azure cli logo"/>
-          <p:cNvPicPr>
-            <a:picLocks noChangeAspect="1" noChangeArrowheads="1"/>
-          </p:cNvPicPr>
-          <p:nvPr/>
-        </p:nvPicPr>
-        <p:blipFill>
-          <a:blip r:embed="rId3">
-            <a:extLst>
-              <a:ext uri="{28A0092B-C50C-407E-A947-70E740481C1C}">
-                <a14:useLocalDpi xmlns:a14="http://schemas.microsoft.com/office/drawing/2010/main" val="0"/>
-              </a:ext>
-            </a:extLst>
-          </a:blip>
-          <a:srcRect/>
-          <a:stretch>
-            <a:fillRect/>
-          </a:stretch>
-        </p:blipFill>
-        <p:spPr bwMode="auto">
-          <a:xfrm>
-            <a:off x="5998463" y="1148735"/>
-            <a:ext cx="6250245" cy="5709265"/>
-          </a:xfrm>
-          <a:prstGeom prst="rect">
-            <a:avLst/>
-          </a:prstGeom>
-          <a:noFill/>
-          <a:extLst>
-            <a:ext uri="{909E8E84-426E-40DD-AFC4-6F175D3DCCD1}">
-              <a14:hiddenFill xmlns:a14="http://schemas.microsoft.com/office/drawing/2010/main">
-                <a:solidFill>
-                  <a:srgbClr val="FFFFFF"/>
-                </a:solidFill>
-              </a14:hiddenFill>
-            </a:ext>
-          </a:extLst>
-        </p:spPr>
-      </p:pic>
-    </p:spTree>
-    <p:extLst>
-      <p:ext uri="{BB962C8B-B14F-4D97-AF65-F5344CB8AC3E}">
-        <p14:creationId xmlns:p14="http://schemas.microsoft.com/office/powerpoint/2010/main" val="3577554368"/>
-      </p:ext>
-    </p:extLst>
-  </p:cSld>
-  <p:clrMapOvr>
-    <a:masterClrMapping/>
-  </p:clrMapOvr>
-  <p:transition>
-    <p:fade/>
-  </p:transition>
-</p:sld>
-</file>
-
 <file path=ppt/slides/slide8.xml><?xml version="1.0" encoding="utf-8"?>
 <p:sld xmlns:a="http://schemas.openxmlformats.org/drawingml/2006/main" xmlns:r="http://schemas.openxmlformats.org/officeDocument/2006/relationships" xmlns:p="http://schemas.openxmlformats.org/presentationml/2006/main">
   <p:cSld>
@@ -20261,7 +23265,7 @@
       </p:grpSpPr>
       <p:sp>
         <p:nvSpPr>
-          <p:cNvPr id="2" name="Title 1"/>
+          <p:cNvPr id="5" name="Title 4"/>
           <p:cNvSpPr>
             <a:spLocks noGrp="1"/>
           </p:cNvSpPr>
@@ -20269,105 +23273,131 @@
             <p:ph type="title"/>
           </p:nvPr>
         </p:nvSpPr>
-        <p:spPr>
-          <a:xfrm>
-            <a:off x="364244" y="469729"/>
-            <a:ext cx="5378548" cy="5918543"/>
-          </a:xfrm>
-        </p:spPr>
+        <p:spPr/>
         <p:txBody>
           <a:bodyPr/>
           <a:lstStyle/>
           <a:p>
             <a:r>
-              <a:rPr lang="en-US" sz="2300" dirty="0"/>
-              <a:t>You learned how to browse to the portal</a:t>
-            </a:r>
-            <a:br>
-              <a:rPr lang="en-US" sz="2300" dirty="0"/>
-            </a:br>
-            <a:br>
-              <a:rPr lang="en-US" sz="2300" dirty="0"/>
-            </a:br>
-            <a:r>
-              <a:rPr lang="en-US" sz="2300" dirty="0"/>
-              <a:t>You got oriented with the portal UI and learned how to create and browse resources</a:t>
-            </a:r>
-            <a:br>
-              <a:rPr lang="en-US" sz="2300" dirty="0"/>
-            </a:br>
-            <a:br>
-              <a:rPr lang="en-US" sz="2300" dirty="0"/>
-            </a:br>
-            <a:r>
-              <a:rPr lang="en-US" sz="2300" dirty="0"/>
-              <a:t>You learned about the structure or management blades and how you can consistently manage different types of resources</a:t>
-            </a:r>
-            <a:br>
-              <a:rPr lang="en-US" sz="2300" dirty="0"/>
-            </a:br>
-            <a:br>
-              <a:rPr lang="en-US" sz="2300" dirty="0"/>
-            </a:br>
-            <a:r>
-              <a:rPr lang="en-US" sz="2300" dirty="0"/>
-              <a:t>You learned how to create resources with PowerShell</a:t>
-            </a:r>
-            <a:br>
-              <a:rPr lang="en-US" sz="2300" dirty="0"/>
-            </a:br>
-            <a:br>
-              <a:rPr lang="en-US" sz="2300" dirty="0"/>
-            </a:br>
-            <a:r>
-              <a:rPr lang="en-US" sz="2300" dirty="0"/>
-              <a:t>You learned how to create resources with the CLI</a:t>
-            </a:r>
-            <a:br>
-              <a:rPr lang="en-US" sz="2300" dirty="0"/>
-            </a:br>
-            <a:br>
-              <a:rPr lang="en-US" sz="2300" dirty="0"/>
-            </a:br>
-            <a:r>
-              <a:rPr lang="en-US" sz="2300" dirty="0"/>
-              <a:t>You learned how to create resources with a template</a:t>
+              <a:rPr lang="en-US" dirty="0"/>
+              <a:t>Installation &amp; Updates</a:t>
             </a:r>
           </a:p>
         </p:txBody>
       </p:sp>
-      <p:pic>
-        <p:nvPicPr>
-          <p:cNvPr id="4" name="Picture Placeholder 3"/>
-          <p:cNvPicPr>
-            <a:picLocks noGrp="1" noChangeAspect="1"/>
-          </p:cNvPicPr>
+      <p:sp>
+        <p:nvSpPr>
+          <p:cNvPr id="6" name="Text Placeholder 5"/>
+          <p:cNvSpPr>
+            <a:spLocks noGrp="1"/>
+          </p:cNvSpPr>
           <p:nvPr>
-            <p:ph type="pic" sz="quarter" idx="10"/>
+            <p:ph type="body" sz="quarter" idx="10"/>
           </p:nvPr>
-        </p:nvPicPr>
-        <p:blipFill rotWithShape="1">
-          <a:blip r:embed="rId3">
-            <a:extLst>
-              <a:ext uri="{28A0092B-C50C-407E-A947-70E740481C1C}">
-                <a14:useLocalDpi xmlns:a14="http://schemas.microsoft.com/office/drawing/2010/main" val="0"/>
-              </a:ext>
-            </a:extLst>
-          </a:blip>
-          <a:srcRect l="11426" r="29369"/>
-          <a:stretch/>
-        </p:blipFill>
-        <p:spPr>
-          <a:xfrm>
-            <a:off x="6066848" y="0"/>
-            <a:ext cx="6117236" cy="6858000"/>
-          </a:xfrm>
-        </p:spPr>
-      </p:pic>
+        </p:nvSpPr>
+        <p:spPr/>
+        <p:txBody>
+          <a:bodyPr/>
+          <a:lstStyle/>
+          <a:p>
+            <a:r>
+              <a:rPr lang="en-US" sz="2000" dirty="0"/>
+              <a:t>PS C:\&gt; # Install the Azure Resource Manager modules from the PowerShell Gallery</a:t>
+            </a:r>
+          </a:p>
+          <a:p>
+            <a:r>
+              <a:rPr lang="en-US" sz="2000" dirty="0"/>
+              <a:t>PS C:\&gt; Install-Module </a:t>
+            </a:r>
+            <a:r>
+              <a:rPr lang="en-US" sz="2000" dirty="0" err="1"/>
+              <a:t>AzureRM</a:t>
+            </a:r>
+            <a:endParaRPr lang="en-US" sz="2000" dirty="0"/>
+          </a:p>
+          <a:p>
+            <a:endParaRPr lang="en-US" sz="2000" dirty="0"/>
+          </a:p>
+          <a:p>
+            <a:r>
+              <a:rPr lang="en-US" sz="2000" dirty="0"/>
+              <a:t>PS C:\&gt; Update-Module </a:t>
+            </a:r>
+            <a:r>
+              <a:rPr lang="en-US" sz="2000" dirty="0" err="1"/>
+              <a:t>AzureRM</a:t>
+            </a:r>
+            <a:r>
+              <a:rPr lang="en-US" sz="2000" dirty="0"/>
+              <a:t> –Force</a:t>
+            </a:r>
+          </a:p>
+          <a:p>
+            <a:endParaRPr lang="en-US" sz="2000" dirty="0"/>
+          </a:p>
+          <a:p>
+            <a:r>
+              <a:rPr lang="en-US" sz="2000" dirty="0"/>
+              <a:t>Installing package '</a:t>
+            </a:r>
+            <a:r>
+              <a:rPr lang="en-US" sz="2000" dirty="0" err="1"/>
+              <a:t>AzureRM</a:t>
+            </a:r>
+            <a:r>
+              <a:rPr lang="en-US" sz="2000" dirty="0"/>
+              <a:t>'</a:t>
+            </a:r>
+          </a:p>
+          <a:p>
+            <a:r>
+              <a:rPr lang="en-US" sz="2000" dirty="0"/>
+              <a:t>   Installing dependent package '</a:t>
+            </a:r>
+            <a:r>
+              <a:rPr lang="en-US" sz="2000" dirty="0" err="1"/>
+              <a:t>AzureRM.AnalysisServices</a:t>
+            </a:r>
+            <a:r>
+              <a:rPr lang="en-US" sz="2000" dirty="0"/>
+              <a:t>'</a:t>
+            </a:r>
+          </a:p>
+          <a:p>
+            <a:r>
+              <a:rPr lang="en-US" sz="2000" dirty="0"/>
+              <a:t>   [</a:t>
+            </a:r>
+            <a:r>
+              <a:rPr lang="en-US" sz="2000" dirty="0" err="1"/>
+              <a:t>ooooo</a:t>
+            </a:r>
+            <a:r>
+              <a:rPr lang="en-US" sz="2000" dirty="0"/>
+              <a:t>                                                                      ]</a:t>
+            </a:r>
+          </a:p>
+          <a:p>
+            <a:endParaRPr lang="en-US" sz="2000" dirty="0"/>
+          </a:p>
+          <a:p>
+            <a:r>
+              <a:rPr lang="en-US" sz="2000" dirty="0"/>
+              <a:t>PS C:\&gt; Import-Module </a:t>
+            </a:r>
+            <a:r>
+              <a:rPr lang="en-US" sz="2000" dirty="0" err="1"/>
+              <a:t>AzureRM</a:t>
+            </a:r>
+            <a:endParaRPr lang="en-US" sz="2000" dirty="0"/>
+          </a:p>
+        </p:txBody>
+      </p:sp>
     </p:spTree>
     <p:extLst>
       <p:ext uri="{BB962C8B-B14F-4D97-AF65-F5344CB8AC3E}">
-        <p14:creationId xmlns:p14="http://schemas.microsoft.com/office/powerpoint/2010/main" val="3122912493"/>
+        <p14:creationId xmlns:p14="http://schemas.microsoft.com/office/powerpoint/2010/main" val="1239933080"/>
       </p:ext>
     </p:extLst>
   </p:cSld>
@@ -20399,83 +23429,242 @@
       </p:grpSpPr>
       <p:sp>
         <p:nvSpPr>
-          <p:cNvPr id="6" name="Title 5"/>
+          <p:cNvPr id="5" name="Title 4"/>
           <p:cNvSpPr>
             <a:spLocks noGrp="1"/>
           </p:cNvSpPr>
           <p:nvPr>
-            <p:ph type="title" idx="4294967295"/>
+            <p:ph type="title"/>
           </p:nvPr>
         </p:nvSpPr>
-        <p:spPr>
-          <a:xfrm>
-            <a:off x="6148388" y="1277938"/>
-            <a:ext cx="6043612" cy="458787"/>
-          </a:xfrm>
-        </p:spPr>
+        <p:spPr/>
         <p:txBody>
           <a:bodyPr/>
           <a:lstStyle/>
           <a:p>
             <a:r>
               <a:rPr lang="en-US" dirty="0"/>
-              <a:t>questions</a:t>
+              <a:t>Versioning</a:t>
             </a:r>
           </a:p>
         </p:txBody>
       </p:sp>
-      <p:pic>
-        <p:nvPicPr>
-          <p:cNvPr id="3" name="Picture 2" descr="Time-For-Questions-Clock-1024x817.jpg"/>
-          <p:cNvPicPr>
-            <a:picLocks noChangeAspect="1"/>
-          </p:cNvPicPr>
-          <p:nvPr/>
-        </p:nvPicPr>
-        <p:blipFill>
-          <a:blip r:embed="rId3">
-            <a:extLst>
-              <a:ext uri="{28A0092B-C50C-407E-A947-70E740481C1C}">
-                <a14:useLocalDpi xmlns:a14="http://schemas.microsoft.com/office/drawing/2010/main"/>
-              </a:ext>
-            </a:extLst>
-          </a:blip>
-          <a:stretch>
-            <a:fillRect/>
-          </a:stretch>
-        </p:blipFill>
-        <p:spPr>
-          <a:xfrm>
-            <a:off x="867" y="974"/>
-            <a:ext cx="12179067" cy="6856069"/>
-          </a:xfrm>
-          <a:prstGeom prst="rect">
-            <a:avLst/>
-          </a:prstGeom>
-        </p:spPr>
-      </p:pic>
+      <p:sp>
+        <p:nvSpPr>
+          <p:cNvPr id="6" name="Text Placeholder 5"/>
+          <p:cNvSpPr>
+            <a:spLocks noGrp="1"/>
+          </p:cNvSpPr>
+          <p:nvPr>
+            <p:ph type="body" sz="quarter" idx="10"/>
+          </p:nvPr>
+        </p:nvSpPr>
+        <p:spPr/>
+        <p:txBody>
+          <a:bodyPr/>
+          <a:lstStyle/>
+          <a:p>
+            <a:r>
+              <a:rPr lang="en-US" sz="2000" dirty="0"/>
+              <a:t>PS C:\&gt; Get-Module </a:t>
+            </a:r>
+            <a:r>
+              <a:rPr lang="en-US" sz="2000" dirty="0" err="1"/>
+              <a:t>AzureRM</a:t>
+            </a:r>
+            <a:r>
+              <a:rPr lang="en-US" sz="2000" dirty="0"/>
+              <a:t> -list | Select-Object </a:t>
+            </a:r>
+            <a:r>
+              <a:rPr lang="en-US" sz="2000" dirty="0" err="1"/>
+              <a:t>Name,Version,Path</a:t>
+            </a:r>
+            <a:endParaRPr lang="en-US" sz="2000" dirty="0"/>
+          </a:p>
+          <a:p>
+            <a:endParaRPr lang="en-US" sz="2000" dirty="0"/>
+          </a:p>
+          <a:p>
+            <a:r>
+              <a:rPr lang="en-US" sz="2000" dirty="0"/>
+              <a:t>Name    Version Path</a:t>
+            </a:r>
+          </a:p>
+          <a:p>
+            <a:r>
+              <a:rPr lang="en-US" sz="2000" dirty="0"/>
+              <a:t>----    ------- ----</a:t>
+            </a:r>
+          </a:p>
+          <a:p>
+            <a:r>
+              <a:rPr lang="en-US" sz="2000" dirty="0" err="1"/>
+              <a:t>AzureRM</a:t>
+            </a:r>
+            <a:r>
+              <a:rPr lang="en-US" sz="2000" dirty="0"/>
+              <a:t> 3.8.0   C:\Program Files\</a:t>
+            </a:r>
+            <a:r>
+              <a:rPr lang="en-US" sz="2000" dirty="0" err="1"/>
+              <a:t>WindowsPowerShell</a:t>
+            </a:r>
+            <a:r>
+              <a:rPr lang="en-US" sz="2000" dirty="0"/>
+              <a:t>\Modules\</a:t>
+            </a:r>
+            <a:r>
+              <a:rPr lang="en-US" sz="2000" dirty="0" err="1"/>
+              <a:t>AzureRM</a:t>
+            </a:r>
+            <a:r>
+              <a:rPr lang="en-US" sz="2000" dirty="0"/>
+              <a:t>\3.8.0\AzureRM.psd1</a:t>
+            </a:r>
+          </a:p>
+          <a:p>
+            <a:r>
+              <a:rPr lang="en-US" sz="2000" dirty="0" err="1"/>
+              <a:t>AzureRM</a:t>
+            </a:r>
+            <a:r>
+              <a:rPr lang="en-US" sz="2000" dirty="0"/>
+              <a:t> 1.6.0   C:\Program Files\</a:t>
+            </a:r>
+            <a:r>
+              <a:rPr lang="en-US" sz="2000" dirty="0" err="1"/>
+              <a:t>WindowsPowerShell</a:t>
+            </a:r>
+            <a:r>
+              <a:rPr lang="en-US" sz="2000" dirty="0"/>
+              <a:t>\Modules\</a:t>
+            </a:r>
+            <a:r>
+              <a:rPr lang="en-US" sz="2000" dirty="0" err="1"/>
+              <a:t>AzureRM</a:t>
+            </a:r>
+            <a:r>
+              <a:rPr lang="en-US" sz="2000" dirty="0"/>
+              <a:t>\1.6.0\AzureRM.psd1</a:t>
+            </a:r>
+          </a:p>
+          <a:p>
+            <a:r>
+              <a:rPr lang="en-US" sz="2000" dirty="0" err="1"/>
+              <a:t>AzureRM</a:t>
+            </a:r>
+            <a:r>
+              <a:rPr lang="en-US" sz="2000" dirty="0"/>
+              <a:t> 1.3.0   C:\Program Files\</a:t>
+            </a:r>
+            <a:r>
+              <a:rPr lang="en-US" sz="2000" dirty="0" err="1"/>
+              <a:t>WindowsPowerShell</a:t>
+            </a:r>
+            <a:r>
+              <a:rPr lang="en-US" sz="2000" dirty="0"/>
+              <a:t>\Modules\</a:t>
+            </a:r>
+            <a:r>
+              <a:rPr lang="en-US" sz="2000" dirty="0" err="1"/>
+              <a:t>AzureRM</a:t>
+            </a:r>
+            <a:r>
+              <a:rPr lang="en-US" sz="2000" dirty="0"/>
+              <a:t>\1.3.0\AzureRM.psd1</a:t>
+            </a:r>
+          </a:p>
+          <a:p>
+            <a:endParaRPr lang="en-US" sz="2000" dirty="0"/>
+          </a:p>
+          <a:p>
+            <a:r>
+              <a:rPr lang="en-US" sz="2000" dirty="0"/>
+              <a:t>PS C:\&gt; Install-Module -Name </a:t>
+            </a:r>
+            <a:r>
+              <a:rPr lang="en-US" sz="2000" dirty="0" err="1"/>
+              <a:t>AzureRM</a:t>
+            </a:r>
+            <a:r>
+              <a:rPr lang="en-US" sz="2000" dirty="0"/>
+              <a:t> -</a:t>
+            </a:r>
+            <a:r>
+              <a:rPr lang="en-US" sz="2000" dirty="0" err="1"/>
+              <a:t>RequiredVersion</a:t>
+            </a:r>
+            <a:r>
+              <a:rPr lang="en-US" sz="2000" dirty="0"/>
+              <a:t> 3.7.0 </a:t>
+            </a:r>
+          </a:p>
+          <a:p>
+            <a:endParaRPr lang="en-US" sz="2000" dirty="0"/>
+          </a:p>
+          <a:p>
+            <a:r>
+              <a:rPr lang="en-US" sz="2000" dirty="0"/>
+              <a:t>PS C:\&gt; Install-Module -Name </a:t>
+            </a:r>
+            <a:r>
+              <a:rPr lang="en-US" sz="2000" dirty="0" err="1"/>
+              <a:t>AzureRM</a:t>
+            </a:r>
+            <a:r>
+              <a:rPr lang="en-US" sz="2000" dirty="0"/>
+              <a:t> -</a:t>
+            </a:r>
+            <a:r>
+              <a:rPr lang="en-US" sz="2000" dirty="0" err="1"/>
+              <a:t>RequiredVersion</a:t>
+            </a:r>
+            <a:r>
+              <a:rPr lang="en-US" sz="2000" dirty="0"/>
+              <a:t> 1.2.9</a:t>
+            </a:r>
+          </a:p>
+          <a:p>
+            <a:endParaRPr lang="en-US" sz="2000" dirty="0"/>
+          </a:p>
+          <a:p>
+            <a:r>
+              <a:rPr lang="en-US" sz="2000" dirty="0"/>
+              <a:t>PS C:\&gt; Import-Module </a:t>
+            </a:r>
+            <a:r>
+              <a:rPr lang="en-US" sz="2000" dirty="0" err="1"/>
+              <a:t>AzureRM</a:t>
+            </a:r>
+            <a:r>
+              <a:rPr lang="en-US" sz="2000" dirty="0"/>
+              <a:t> -</a:t>
+            </a:r>
+            <a:r>
+              <a:rPr lang="en-US" sz="2000" dirty="0" err="1"/>
+              <a:t>RequiredVersion</a:t>
+            </a:r>
+            <a:r>
+              <a:rPr lang="en-US" sz="2000" dirty="0"/>
+              <a:t> 1.2.9</a:t>
+            </a:r>
+          </a:p>
+        </p:txBody>
+      </p:sp>
     </p:spTree>
     <p:extLst>
       <p:ext uri="{BB962C8B-B14F-4D97-AF65-F5344CB8AC3E}">
-        <p14:creationId xmlns:p14="http://schemas.microsoft.com/office/powerpoint/2010/main" val="3247960555"/>
+        <p14:creationId xmlns:p14="http://schemas.microsoft.com/office/powerpoint/2010/main" val="1271761658"/>
       </p:ext>
     </p:extLst>
   </p:cSld>
   <p:clrMapOvr>
     <a:masterClrMapping/>
   </p:clrMapOvr>
-  <mc:AlternateContent xmlns:mc="http://schemas.openxmlformats.org/markup-compatibility/2006" xmlns:p14="http://schemas.microsoft.com/office/powerpoint/2010/main">
-    <mc:Choice Requires="p14">
-      <p:transition spd="med" p14:dur="700">
-        <p:fade/>
-      </p:transition>
-    </mc:Choice>
-    <mc:Fallback xmlns="">
-      <p:transition spd="med">
-        <p:fade/>
-      </p:transition>
-    </mc:Fallback>
-  </mc:AlternateContent>
+  <p:transition>
+    <p:fade/>
+  </p:transition>
 </p:sld>
 </file>
 
@@ -21376,12 +24565,9 @@
 </file>
 
 <file path=customXml/item1.xml><?xml version="1.0" encoding="utf-8"?>
-<?mso-contentType ?>
-<FormTemplates xmlns="http://schemas.microsoft.com/sharepoint/v3/contenttype/forms">
-  <Display>DocumentLibraryForm</Display>
-  <Edit>DocumentLibraryForm</Edit>
-  <New>DocumentLibraryForm</New>
-</FormTemplates>
+<p:properties xmlns:p="http://schemas.microsoft.com/office/2006/metadata/properties" xmlns:xsi="http://www.w3.org/2001/XMLSchema-instance" xmlns:pc="http://schemas.microsoft.com/office/infopath/2007/PartnerControls">
+  <documentManagement/>
+</p:properties>
 </file>
 
 <file path=customXml/item2.xml><?xml version="1.0" encoding="utf-8"?>
@@ -21533,15 +24719,26 @@
 </file>
 
 <file path=customXml/item3.xml><?xml version="1.0" encoding="utf-8"?>
-<p:properties xmlns:p="http://schemas.microsoft.com/office/2006/metadata/properties" xmlns:xsi="http://www.w3.org/2001/XMLSchema-instance" xmlns:pc="http://schemas.microsoft.com/office/infopath/2007/PartnerControls">
-  <documentManagement/>
-</p:properties>
+<?mso-contentType ?>
+<FormTemplates xmlns="http://schemas.microsoft.com/sharepoint/v3/contenttype/forms">
+  <Display>DocumentLibraryForm</Display>
+  <Edit>DocumentLibraryForm</Edit>
+  <New>DocumentLibraryForm</New>
+</FormTemplates>
 </file>
 
 <file path=customXml/itemProps1.xml><?xml version="1.0" encoding="utf-8"?>
-<ds:datastoreItem xmlns:ds="http://schemas.openxmlformats.org/officeDocument/2006/customXml" ds:itemID="{D1370E5A-76CE-437B-B6DB-0448A2AEACB2}">
+<ds:datastoreItem xmlns:ds="http://schemas.openxmlformats.org/officeDocument/2006/customXml" ds:itemID="{C1D94387-9BE2-4DD8-A5ED-1CF9C50B3FA6}">
   <ds:schemaRefs>
-    <ds:schemaRef ds:uri="http://schemas.microsoft.com/sharepoint/v3/contenttype/forms"/>
+    <ds:schemaRef ds:uri="http://purl.org/dc/terms/"/>
+    <ds:schemaRef ds:uri="http://schemas.openxmlformats.org/package/2006/metadata/core-properties"/>
+    <ds:schemaRef ds:uri="http://schemas.microsoft.com/office/2006/documentManagement/types"/>
+    <ds:schemaRef ds:uri="1bbf222e-7e66-42df-9e6f-5c316d30f899"/>
+    <ds:schemaRef ds:uri="http://purl.org/dc/elements/1.1/"/>
+    <ds:schemaRef ds:uri="http://schemas.microsoft.com/office/2006/metadata/properties"/>
+    <ds:schemaRef ds:uri="http://schemas.microsoft.com/office/infopath/2007/PartnerControls"/>
+    <ds:schemaRef ds:uri="http://www.w3.org/XML/1998/namespace"/>
+    <ds:schemaRef ds:uri="http://purl.org/dc/dcmitype/"/>
   </ds:schemaRefs>
 </ds:datastoreItem>
 </file>
@@ -21565,17 +24762,9 @@
 </file>
 
 <file path=customXml/itemProps3.xml><?xml version="1.0" encoding="utf-8"?>
-<ds:datastoreItem xmlns:ds="http://schemas.openxmlformats.org/officeDocument/2006/customXml" ds:itemID="{C1D94387-9BE2-4DD8-A5ED-1CF9C50B3FA6}">
+<ds:datastoreItem xmlns:ds="http://schemas.openxmlformats.org/officeDocument/2006/customXml" ds:itemID="{D1370E5A-76CE-437B-B6DB-0448A2AEACB2}">
   <ds:schemaRefs>
-    <ds:schemaRef ds:uri="http://purl.org/dc/terms/"/>
-    <ds:schemaRef ds:uri="http://schemas.openxmlformats.org/package/2006/metadata/core-properties"/>
-    <ds:schemaRef ds:uri="http://schemas.microsoft.com/office/2006/documentManagement/types"/>
-    <ds:schemaRef ds:uri="1bbf222e-7e66-42df-9e6f-5c316d30f899"/>
-    <ds:schemaRef ds:uri="http://purl.org/dc/elements/1.1/"/>
-    <ds:schemaRef ds:uri="http://schemas.microsoft.com/office/2006/metadata/properties"/>
-    <ds:schemaRef ds:uri="http://schemas.microsoft.com/office/infopath/2007/PartnerControls"/>
-    <ds:schemaRef ds:uri="http://www.w3.org/XML/1998/namespace"/>
-    <ds:schemaRef ds:uri="http://purl.org/dc/dcmitype/"/>
+    <ds:schemaRef ds:uri="http://schemas.microsoft.com/sharepoint/v3/contenttype/forms"/>
   </ds:schemaRefs>
 </ds:datastoreItem>
 </file>